--- a/Modules/03.advanced/slides.pptx
+++ b/Modules/03.advanced/slides.pptx
@@ -5,18 +5,26 @@
     <p:sldMasterId id="2147483660" r:id="rId1"/>
   </p:sldMasterIdLst>
   <p:notesMasterIdLst>
-    <p:notesMasterId r:id="rId11"/>
+    <p:notesMasterId r:id="rId19"/>
   </p:notesMasterIdLst>
   <p:sldIdLst>
     <p:sldId id="256" r:id="rId2"/>
-    <p:sldId id="257" r:id="rId3"/>
+    <p:sldId id="275" r:id="rId3"/>
     <p:sldId id="259" r:id="rId4"/>
     <p:sldId id="261" r:id="rId5"/>
     <p:sldId id="263" r:id="rId6"/>
     <p:sldId id="266" r:id="rId7"/>
     <p:sldId id="265" r:id="rId8"/>
-    <p:sldId id="260" r:id="rId9"/>
-    <p:sldId id="264" r:id="rId10"/>
+    <p:sldId id="267" r:id="rId9"/>
+    <p:sldId id="268" r:id="rId10"/>
+    <p:sldId id="260" r:id="rId11"/>
+    <p:sldId id="271" r:id="rId12"/>
+    <p:sldId id="269" r:id="rId13"/>
+    <p:sldId id="270" r:id="rId14"/>
+    <p:sldId id="272" r:id="rId15"/>
+    <p:sldId id="273" r:id="rId16"/>
+    <p:sldId id="274" r:id="rId17"/>
+    <p:sldId id="264" r:id="rId18"/>
   </p:sldIdLst>
   <p:sldSz cx="9144000" cy="6858000" type="screen4x3"/>
   <p:notesSz cx="6858000" cy="9144000"/>
@@ -121,13 +129,21 @@
         <p14:section name="Default Section" id="{1BC19922-299D-473A-9E2A-48F5A73993DD}">
           <p14:sldIdLst>
             <p14:sldId id="256"/>
-            <p14:sldId id="257"/>
+            <p14:sldId id="275"/>
             <p14:sldId id="259"/>
             <p14:sldId id="261"/>
             <p14:sldId id="263"/>
             <p14:sldId id="266"/>
             <p14:sldId id="265"/>
+            <p14:sldId id="267"/>
+            <p14:sldId id="268"/>
             <p14:sldId id="260"/>
+            <p14:sldId id="271"/>
+            <p14:sldId id="269"/>
+            <p14:sldId id="270"/>
+            <p14:sldId id="272"/>
+            <p14:sldId id="273"/>
+            <p14:sldId id="274"/>
             <p14:sldId id="264"/>
           </p14:sldIdLst>
         </p14:section>
@@ -236,7 +252,7 @@
           <a:p>
             <a:fld id="{CAC2717E-8D48-4B03-B603-F84814D31E01}" type="datetimeFigureOut">
               <a:rPr lang="en-US" smtClean="0"/>
-              <a:t>7/7/2013</a:t>
+              <a:t>8/8/2013</a:t>
             </a:fld>
             <a:endParaRPr lang="en-US"/>
           </a:p>
@@ -554,7 +570,15 @@
             </a:r>
             <a:r>
               <a:rPr lang="en-US" baseline="0" dirty="0" smtClean="0"/>
-              <a:t> and welcome to Module 2 of </a:t>
+              <a:t> and welcome to Module </a:t>
+            </a:r>
+            <a:r>
+              <a:rPr lang="en-US" baseline="0" dirty="0" smtClean="0"/>
+              <a:t>3 </a:t>
+            </a:r>
+            <a:r>
+              <a:rPr lang="en-US" baseline="0" dirty="0" smtClean="0"/>
+              <a:t>of </a:t>
             </a:r>
             <a:r>
               <a:rPr lang="en-US" baseline="0" dirty="0" err="1" smtClean="0"/>
@@ -571,15 +595,7 @@
           <a:p>
             <a:r>
               <a:rPr lang="en-US" baseline="0" dirty="0" smtClean="0"/>
-              <a:t>This module kicks off our training of how to use the Knockout Validation library.  We will go from 0 to 60 in learning how to use the basics of Knockout validation. The focus of this module will be 2 things, first learning how to set up our binding context in order to leverage the validation library.  The 2</a:t>
-            </a:r>
-            <a:r>
-              <a:rPr lang="en-US" baseline="30000" dirty="0" smtClean="0"/>
-              <a:t>nd</a:t>
-            </a:r>
-            <a:r>
-              <a:rPr lang="en-US" baseline="0" dirty="0" smtClean="0"/>
-              <a:t> will be how to use many of the validators which are built into the library.</a:t>
+              <a:t>In this module we are going to shift focus from learning how to use some of the basic built in validation abilities of the framework and learn how to extend the framework to meet our custom needs.</a:t>
             </a:r>
             <a:endParaRPr lang="en-US" dirty="0"/>
           </a:p>
@@ -612,6 +628,669 @@
     <p:extLst>
       <p:ext uri="{BB962C8B-B14F-4D97-AF65-F5344CB8AC3E}">
         <p14:creationId xmlns:p14="http://schemas.microsoft.com/office/powerpoint/2010/main" val="1248796585"/>
+      </p:ext>
+    </p:extLst>
+  </p:cSld>
+  <p:clrMapOvr>
+    <a:masterClrMapping/>
+  </p:clrMapOvr>
+</p:notes>
+</file>
+
+<file path=ppt/notesSlides/notesSlide10.xml><?xml version="1.0" encoding="utf-8"?>
+<p:notes xmlns:a="http://schemas.openxmlformats.org/drawingml/2006/main" xmlns:r="http://schemas.openxmlformats.org/officeDocument/2006/relationships" xmlns:p="http://schemas.openxmlformats.org/presentationml/2006/main">
+  <p:cSld>
+    <p:spTree>
+      <p:nvGrpSpPr>
+        <p:cNvPr id="1" name=""/>
+        <p:cNvGrpSpPr/>
+        <p:nvPr/>
+      </p:nvGrpSpPr>
+      <p:grpSpPr>
+        <a:xfrm>
+          <a:off x="0" y="0"/>
+          <a:ext cx="0" cy="0"/>
+          <a:chOff x="0" y="0"/>
+          <a:chExt cx="0" cy="0"/>
+        </a:xfrm>
+      </p:grpSpPr>
+      <p:sp>
+        <p:nvSpPr>
+          <p:cNvPr id="2" name="Slide Image Placeholder 1"/>
+          <p:cNvSpPr>
+            <a:spLocks noGrp="1" noRot="1" noChangeAspect="1"/>
+          </p:cNvSpPr>
+          <p:nvPr>
+            <p:ph type="sldImg"/>
+          </p:nvPr>
+        </p:nvSpPr>
+        <p:spPr/>
+      </p:sp>
+      <p:sp>
+        <p:nvSpPr>
+          <p:cNvPr id="3" name="Notes Placeholder 2"/>
+          <p:cNvSpPr>
+            <a:spLocks noGrp="1"/>
+          </p:cNvSpPr>
+          <p:nvPr>
+            <p:ph type="body" idx="1"/>
+          </p:nvPr>
+        </p:nvSpPr>
+        <p:spPr/>
+        <p:txBody>
+          <a:bodyPr/>
+          <a:lstStyle/>
+          <a:p>
+            <a:r>
+              <a:rPr lang="en-US" dirty="0" smtClean="0"/>
+              <a:t>To this point all the validators</a:t>
+            </a:r>
+            <a:r>
+              <a:rPr lang="en-US" baseline="0" dirty="0" smtClean="0"/>
+              <a:t> we have used have either been created by us or have been one of the built in validators.  All of our validators have also been manually wired to our observables inside our view model.</a:t>
+            </a:r>
+          </a:p>
+          <a:p>
+            <a:endParaRPr lang="en-US" baseline="0" dirty="0" smtClean="0"/>
+          </a:p>
+          <a:p>
+            <a:r>
+              <a:rPr lang="en-US" baseline="0" dirty="0" smtClean="0"/>
+              <a:t>Although this is the preferred because it will work across all browsers, the knockout validation library does offer the ability to use HTML 5 validation attributes.  Right now I would consider the use of HTML 5 attributes as experimental because not all browsers support them as well as the fact that for this course I am using a non-mainline version of knockout validation.  I am using the non-mainline version because the pull request to support HTML5 attributes has not been accepted at the time of this recording</a:t>
+            </a:r>
+            <a:endParaRPr lang="en-US" dirty="0"/>
+          </a:p>
+        </p:txBody>
+      </p:sp>
+      <p:sp>
+        <p:nvSpPr>
+          <p:cNvPr id="4" name="Slide Number Placeholder 3"/>
+          <p:cNvSpPr>
+            <a:spLocks noGrp="1"/>
+          </p:cNvSpPr>
+          <p:nvPr>
+            <p:ph type="sldNum" sz="quarter" idx="10"/>
+          </p:nvPr>
+        </p:nvSpPr>
+        <p:spPr/>
+        <p:txBody>
+          <a:bodyPr/>
+          <a:lstStyle/>
+          <a:p>
+            <a:fld id="{494C1AC2-DE0A-42B5-890B-DD93F8E37577}" type="slidenum">
+              <a:rPr lang="en-US" smtClean="0">
+                <a:solidFill>
+                  <a:prstClr val="black"/>
+                </a:solidFill>
+              </a:rPr>
+              <a:pPr/>
+              <a:t>14</a:t>
+            </a:fld>
+            <a:endParaRPr lang="en-US">
+              <a:solidFill>
+                <a:prstClr val="black"/>
+              </a:solidFill>
+            </a:endParaRPr>
+          </a:p>
+        </p:txBody>
+      </p:sp>
+    </p:spTree>
+    <p:extLst>
+      <p:ext uri="{BB962C8B-B14F-4D97-AF65-F5344CB8AC3E}">
+        <p14:creationId xmlns:p14="http://schemas.microsoft.com/office/powerpoint/2010/main" val="2811848076"/>
+      </p:ext>
+    </p:extLst>
+  </p:cSld>
+  <p:clrMapOvr>
+    <a:masterClrMapping/>
+  </p:clrMapOvr>
+</p:notes>
+</file>
+
+<file path=ppt/notesSlides/notesSlide11.xml><?xml version="1.0" encoding="utf-8"?>
+<p:notes xmlns:a="http://schemas.openxmlformats.org/drawingml/2006/main" xmlns:r="http://schemas.openxmlformats.org/officeDocument/2006/relationships" xmlns:p="http://schemas.openxmlformats.org/presentationml/2006/main">
+  <p:cSld>
+    <p:spTree>
+      <p:nvGrpSpPr>
+        <p:cNvPr id="1" name=""/>
+        <p:cNvGrpSpPr/>
+        <p:nvPr/>
+      </p:nvGrpSpPr>
+      <p:grpSpPr>
+        <a:xfrm>
+          <a:off x="0" y="0"/>
+          <a:ext cx="0" cy="0"/>
+          <a:chOff x="0" y="0"/>
+          <a:chExt cx="0" cy="0"/>
+        </a:xfrm>
+      </p:grpSpPr>
+      <p:sp>
+        <p:nvSpPr>
+          <p:cNvPr id="2" name="Slide Image Placeholder 1"/>
+          <p:cNvSpPr>
+            <a:spLocks noGrp="1" noRot="1" noChangeAspect="1"/>
+          </p:cNvSpPr>
+          <p:nvPr>
+            <p:ph type="sldImg"/>
+          </p:nvPr>
+        </p:nvSpPr>
+        <p:spPr/>
+      </p:sp>
+      <p:sp>
+        <p:nvSpPr>
+          <p:cNvPr id="3" name="Notes Placeholder 2"/>
+          <p:cNvSpPr>
+            <a:spLocks noGrp="1"/>
+          </p:cNvSpPr>
+          <p:nvPr>
+            <p:ph type="body" idx="1"/>
+          </p:nvPr>
+        </p:nvSpPr>
+        <p:spPr/>
+        <p:txBody>
+          <a:bodyPr/>
+          <a:lstStyle/>
+          <a:p>
+            <a:r>
+              <a:rPr lang="en-US" dirty="0" smtClean="0"/>
+              <a:t>In all our other examples we have needed to use the view model in order to wire up our validators.  When using the HTML5 validators this need</a:t>
+            </a:r>
+            <a:r>
+              <a:rPr lang="en-US" baseline="0" dirty="0" smtClean="0"/>
+              <a:t> goes away, all our logic will be here inside our markup on the screen.</a:t>
+            </a:r>
+          </a:p>
+          <a:p>
+            <a:endParaRPr lang="en-US" baseline="0" dirty="0" smtClean="0"/>
+          </a:p>
+          <a:p>
+            <a:r>
+              <a:rPr lang="en-US" baseline="0" dirty="0" smtClean="0"/>
+              <a:t>[show animation]</a:t>
+            </a:r>
+          </a:p>
+          <a:p>
+            <a:r>
+              <a:rPr lang="en-US" baseline="0" dirty="0" smtClean="0"/>
+              <a:t>The first thing we need to do is add the needed HTML5 attributes to each input we want to validate.  In our example I am using the Required validator for one field and the min/max validators for another field.</a:t>
+            </a:r>
+          </a:p>
+          <a:p>
+            <a:endParaRPr lang="en-US" baseline="0" dirty="0" smtClean="0"/>
+          </a:p>
+          <a:p>
+            <a:r>
+              <a:rPr lang="en-US" baseline="0" dirty="0" smtClean="0"/>
+              <a:t>[show animation]</a:t>
+            </a:r>
+          </a:p>
+          <a:p>
+            <a:r>
+              <a:rPr lang="en-US" baseline="0" dirty="0" smtClean="0"/>
+              <a:t>Once we have our attributes added we need to make sure we add our span elements.  We have to manually add these elements because the validation library will not inject them at runtime when using the HTML5 attributes.</a:t>
+            </a:r>
+          </a:p>
+          <a:p>
+            <a:endParaRPr lang="en-US" baseline="0" dirty="0" smtClean="0"/>
+          </a:p>
+          <a:p>
+            <a:r>
+              <a:rPr lang="en-US" baseline="0" dirty="0" smtClean="0"/>
+              <a:t>[show animation]</a:t>
+            </a:r>
+          </a:p>
+          <a:p>
+            <a:r>
+              <a:rPr lang="en-US" baseline="0" dirty="0" smtClean="0"/>
+              <a:t>Once we have our markup complete we do need to make one small change to our knockout validation configuration.</a:t>
+            </a:r>
+          </a:p>
+          <a:p>
+            <a:endParaRPr lang="en-US" baseline="0" dirty="0" smtClean="0"/>
+          </a:p>
+          <a:p>
+            <a:r>
+              <a:rPr lang="en-US" baseline="0" dirty="0" smtClean="0"/>
+              <a:t>[show animation]</a:t>
+            </a:r>
+          </a:p>
+          <a:p>
+            <a:r>
+              <a:rPr lang="en-US" baseline="0" dirty="0" smtClean="0"/>
+              <a:t>We need to specify to the library that we want to parse the input attributes as this is not enabled by default.</a:t>
+            </a:r>
+          </a:p>
+          <a:p>
+            <a:endParaRPr lang="en-US" baseline="0" dirty="0" smtClean="0"/>
+          </a:p>
+          <a:p>
+            <a:r>
+              <a:rPr lang="en-US" baseline="0" dirty="0" smtClean="0"/>
+              <a:t>Once we have our configuration complete we are done w/ out setup.</a:t>
+            </a:r>
+            <a:endParaRPr lang="en-US" dirty="0" smtClean="0"/>
+          </a:p>
+        </p:txBody>
+      </p:sp>
+      <p:sp>
+        <p:nvSpPr>
+          <p:cNvPr id="4" name="Slide Number Placeholder 3"/>
+          <p:cNvSpPr>
+            <a:spLocks noGrp="1"/>
+          </p:cNvSpPr>
+          <p:nvPr>
+            <p:ph type="sldNum" sz="quarter" idx="10"/>
+          </p:nvPr>
+        </p:nvSpPr>
+        <p:spPr/>
+        <p:txBody>
+          <a:bodyPr/>
+          <a:lstStyle/>
+          <a:p>
+            <a:fld id="{494C1AC2-DE0A-42B5-890B-DD93F8E37577}" type="slidenum">
+              <a:rPr lang="en-US" smtClean="0">
+                <a:solidFill>
+                  <a:prstClr val="black"/>
+                </a:solidFill>
+              </a:rPr>
+              <a:pPr/>
+              <a:t>15</a:t>
+            </a:fld>
+            <a:endParaRPr lang="en-US">
+              <a:solidFill>
+                <a:prstClr val="black"/>
+              </a:solidFill>
+            </a:endParaRPr>
+          </a:p>
+        </p:txBody>
+      </p:sp>
+    </p:spTree>
+    <p:extLst>
+      <p:ext uri="{BB962C8B-B14F-4D97-AF65-F5344CB8AC3E}">
+        <p14:creationId xmlns:p14="http://schemas.microsoft.com/office/powerpoint/2010/main" val="2155255260"/>
+      </p:ext>
+    </p:extLst>
+  </p:cSld>
+  <p:clrMapOvr>
+    <a:masterClrMapping/>
+  </p:clrMapOvr>
+</p:notes>
+</file>
+
+<file path=ppt/notesSlides/notesSlide12.xml><?xml version="1.0" encoding="utf-8"?>
+<p:notes xmlns:a="http://schemas.openxmlformats.org/drawingml/2006/main" xmlns:r="http://schemas.openxmlformats.org/officeDocument/2006/relationships" xmlns:p="http://schemas.openxmlformats.org/presentationml/2006/main">
+  <p:cSld>
+    <p:spTree>
+      <p:nvGrpSpPr>
+        <p:cNvPr id="1" name=""/>
+        <p:cNvGrpSpPr/>
+        <p:nvPr/>
+      </p:nvGrpSpPr>
+      <p:grpSpPr>
+        <a:xfrm>
+          <a:off x="0" y="0"/>
+          <a:ext cx="0" cy="0"/>
+          <a:chOff x="0" y="0"/>
+          <a:chExt cx="0" cy="0"/>
+        </a:xfrm>
+      </p:grpSpPr>
+      <p:sp>
+        <p:nvSpPr>
+          <p:cNvPr id="2" name="Slide Image Placeholder 1"/>
+          <p:cNvSpPr>
+            <a:spLocks noGrp="1" noRot="1" noChangeAspect="1"/>
+          </p:cNvSpPr>
+          <p:nvPr>
+            <p:ph type="sldImg"/>
+          </p:nvPr>
+        </p:nvSpPr>
+        <p:spPr/>
+      </p:sp>
+      <p:sp>
+        <p:nvSpPr>
+          <p:cNvPr id="3" name="Notes Placeholder 2"/>
+          <p:cNvSpPr>
+            <a:spLocks noGrp="1"/>
+          </p:cNvSpPr>
+          <p:nvPr>
+            <p:ph type="body" idx="1"/>
+          </p:nvPr>
+        </p:nvSpPr>
+        <p:spPr/>
+        <p:txBody>
+          <a:bodyPr/>
+          <a:lstStyle/>
+          <a:p>
+            <a:pPr marL="0" marR="0" indent="0" algn="l" defTabSz="914400" rtl="0" eaLnBrk="1" fontAlgn="auto" latinLnBrk="0" hangingPunct="1">
+              <a:lnSpc>
+                <a:spcPct val="100000"/>
+              </a:lnSpc>
+              <a:spcBef>
+                <a:spcPts val="0"/>
+              </a:spcBef>
+              <a:spcAft>
+                <a:spcPts val="0"/>
+              </a:spcAft>
+              <a:buClrTx/>
+              <a:buSzTx/>
+              <a:buFontTx/>
+              <a:buNone/>
+              <a:tabLst/>
+              <a:defRPr/>
+            </a:pPr>
+            <a:r>
+              <a:rPr lang="en-US" dirty="0" smtClean="0"/>
+              <a:t>This</a:t>
+            </a:r>
+            <a:r>
+              <a:rPr lang="en-US" baseline="0" dirty="0" smtClean="0"/>
+              <a:t> module was dedicated to showing you some of the advanced sides to knockout validation. </a:t>
+            </a:r>
+          </a:p>
+          <a:p>
+            <a:pPr marL="0" marR="0" indent="0" algn="l" defTabSz="914400" rtl="0" eaLnBrk="1" fontAlgn="auto" latinLnBrk="0" hangingPunct="1">
+              <a:lnSpc>
+                <a:spcPct val="100000"/>
+              </a:lnSpc>
+              <a:spcBef>
+                <a:spcPts val="0"/>
+              </a:spcBef>
+              <a:spcAft>
+                <a:spcPts val="0"/>
+              </a:spcAft>
+              <a:buClrTx/>
+              <a:buSzTx/>
+              <a:buFontTx/>
+              <a:buNone/>
+              <a:tabLst/>
+              <a:defRPr/>
+            </a:pPr>
+            <a:endParaRPr lang="en-US" baseline="0" dirty="0" smtClean="0"/>
+          </a:p>
+          <a:p>
+            <a:pPr marL="0" marR="0" indent="0" algn="l" defTabSz="914400" rtl="0" eaLnBrk="1" fontAlgn="auto" latinLnBrk="0" hangingPunct="1">
+              <a:lnSpc>
+                <a:spcPct val="100000"/>
+              </a:lnSpc>
+              <a:spcBef>
+                <a:spcPts val="0"/>
+              </a:spcBef>
+              <a:spcAft>
+                <a:spcPts val="0"/>
+              </a:spcAft>
+              <a:buClrTx/>
+              <a:buSzTx/>
+              <a:buFontTx/>
+              <a:buNone/>
+              <a:tabLst/>
+              <a:defRPr/>
+            </a:pPr>
+            <a:r>
+              <a:rPr lang="en-US" baseline="0" dirty="0" smtClean="0"/>
+              <a:t>[show animation]</a:t>
+            </a:r>
+          </a:p>
+          <a:p>
+            <a:pPr marL="0" marR="0" indent="0" algn="l" defTabSz="914400" rtl="0" eaLnBrk="1" fontAlgn="auto" latinLnBrk="0" hangingPunct="1">
+              <a:lnSpc>
+                <a:spcPct val="100000"/>
+              </a:lnSpc>
+              <a:spcBef>
+                <a:spcPts val="0"/>
+              </a:spcBef>
+              <a:spcAft>
+                <a:spcPts val="0"/>
+              </a:spcAft>
+              <a:buClrTx/>
+              <a:buSzTx/>
+              <a:buFontTx/>
+              <a:buNone/>
+              <a:tabLst/>
+              <a:defRPr/>
+            </a:pPr>
+            <a:r>
+              <a:rPr lang="en-US" baseline="0" dirty="0" smtClean="0"/>
+              <a:t>We started off by learning how to create custom rules which can be used to validate an observable.  We learned how we can create global rules which can be reused by any observable as well as how to create inline rules which are not able to be shared.</a:t>
+            </a:r>
+          </a:p>
+          <a:p>
+            <a:pPr marL="0" marR="0" indent="0" algn="l" defTabSz="914400" rtl="0" eaLnBrk="1" fontAlgn="auto" latinLnBrk="0" hangingPunct="1">
+              <a:lnSpc>
+                <a:spcPct val="100000"/>
+              </a:lnSpc>
+              <a:spcBef>
+                <a:spcPts val="0"/>
+              </a:spcBef>
+              <a:spcAft>
+                <a:spcPts val="0"/>
+              </a:spcAft>
+              <a:buClrTx/>
+              <a:buSzTx/>
+              <a:buFontTx/>
+              <a:buNone/>
+              <a:tabLst/>
+              <a:defRPr/>
+            </a:pPr>
+            <a:endParaRPr lang="en-US" baseline="0" dirty="0" smtClean="0"/>
+          </a:p>
+          <a:p>
+            <a:pPr marL="0" marR="0" indent="0" algn="l" defTabSz="914400" rtl="0" eaLnBrk="1" fontAlgn="auto" latinLnBrk="0" hangingPunct="1">
+              <a:lnSpc>
+                <a:spcPct val="100000"/>
+              </a:lnSpc>
+              <a:spcBef>
+                <a:spcPts val="0"/>
+              </a:spcBef>
+              <a:spcAft>
+                <a:spcPts val="0"/>
+              </a:spcAft>
+              <a:buClrTx/>
+              <a:buSzTx/>
+              <a:buFontTx/>
+              <a:buNone/>
+              <a:tabLst/>
+              <a:defRPr/>
+            </a:pPr>
+            <a:r>
+              <a:rPr lang="en-US" baseline="0" dirty="0" smtClean="0"/>
+              <a:t>[show animation]</a:t>
+            </a:r>
+          </a:p>
+          <a:p>
+            <a:pPr marL="0" marR="0" indent="0" algn="l" defTabSz="914400" rtl="0" eaLnBrk="1" fontAlgn="auto" latinLnBrk="0" hangingPunct="1">
+              <a:lnSpc>
+                <a:spcPct val="100000"/>
+              </a:lnSpc>
+              <a:spcBef>
+                <a:spcPts val="0"/>
+              </a:spcBef>
+              <a:spcAft>
+                <a:spcPts val="0"/>
+              </a:spcAft>
+              <a:buClrTx/>
+              <a:buSzTx/>
+              <a:buFontTx/>
+              <a:buNone/>
+              <a:tabLst/>
+              <a:defRPr/>
+            </a:pPr>
+            <a:r>
+              <a:rPr lang="en-US" baseline="0" dirty="0" smtClean="0"/>
+              <a:t>We then moved on to learn how we can validate that a computed observable is producing a correct value.  We learned the validating a computed observable is not too different from a normal observable with the exception that we have to manually provide the markup for the error message to be displayed</a:t>
+            </a:r>
+          </a:p>
+          <a:p>
+            <a:pPr marL="0" marR="0" indent="0" algn="l" defTabSz="914400" rtl="0" eaLnBrk="1" fontAlgn="auto" latinLnBrk="0" hangingPunct="1">
+              <a:lnSpc>
+                <a:spcPct val="100000"/>
+              </a:lnSpc>
+              <a:spcBef>
+                <a:spcPts val="0"/>
+              </a:spcBef>
+              <a:spcAft>
+                <a:spcPts val="0"/>
+              </a:spcAft>
+              <a:buClrTx/>
+              <a:buSzTx/>
+              <a:buFontTx/>
+              <a:buNone/>
+              <a:tabLst/>
+              <a:defRPr/>
+            </a:pPr>
+            <a:endParaRPr lang="en-US" baseline="0" dirty="0" smtClean="0"/>
+          </a:p>
+          <a:p>
+            <a:pPr marL="0" marR="0" indent="0" algn="l" defTabSz="914400" rtl="0" eaLnBrk="1" fontAlgn="auto" latinLnBrk="0" hangingPunct="1">
+              <a:lnSpc>
+                <a:spcPct val="100000"/>
+              </a:lnSpc>
+              <a:spcBef>
+                <a:spcPts val="0"/>
+              </a:spcBef>
+              <a:spcAft>
+                <a:spcPts val="0"/>
+              </a:spcAft>
+              <a:buClrTx/>
+              <a:buSzTx/>
+              <a:buFontTx/>
+              <a:buNone/>
+              <a:tabLst/>
+              <a:defRPr/>
+            </a:pPr>
+            <a:r>
+              <a:rPr lang="en-US" baseline="0" dirty="0" smtClean="0"/>
+              <a:t>[show animation]</a:t>
+            </a:r>
+          </a:p>
+          <a:p>
+            <a:pPr marL="0" marR="0" indent="0" algn="l" defTabSz="914400" rtl="0" eaLnBrk="1" fontAlgn="auto" latinLnBrk="0" hangingPunct="1">
+              <a:lnSpc>
+                <a:spcPct val="100000"/>
+              </a:lnSpc>
+              <a:spcBef>
+                <a:spcPts val="0"/>
+              </a:spcBef>
+              <a:spcAft>
+                <a:spcPts val="0"/>
+              </a:spcAft>
+              <a:buClrTx/>
+              <a:buSzTx/>
+              <a:buFontTx/>
+              <a:buNone/>
+              <a:tabLst/>
+              <a:defRPr/>
+            </a:pPr>
+            <a:r>
+              <a:rPr lang="en-US" baseline="0" dirty="0" smtClean="0"/>
+              <a:t>After this we moved on to learn how we can use the </a:t>
+            </a:r>
+            <a:r>
+              <a:rPr lang="en-US" baseline="0" dirty="0" err="1" smtClean="0"/>
+              <a:t>OnlyIf</a:t>
+            </a:r>
+            <a:r>
+              <a:rPr lang="en-US" baseline="0" dirty="0" smtClean="0"/>
+              <a:t> parameter on a validator to perform conditional validation.  Conditional validation is  powerful as it allows you to have your data validated based on dynamic business needs w/ little effort.</a:t>
+            </a:r>
+          </a:p>
+          <a:p>
+            <a:pPr marL="0" marR="0" indent="0" algn="l" defTabSz="914400" rtl="0" eaLnBrk="1" fontAlgn="auto" latinLnBrk="0" hangingPunct="1">
+              <a:lnSpc>
+                <a:spcPct val="100000"/>
+              </a:lnSpc>
+              <a:spcBef>
+                <a:spcPts val="0"/>
+              </a:spcBef>
+              <a:spcAft>
+                <a:spcPts val="0"/>
+              </a:spcAft>
+              <a:buClrTx/>
+              <a:buSzTx/>
+              <a:buFontTx/>
+              <a:buNone/>
+              <a:tabLst/>
+              <a:defRPr/>
+            </a:pPr>
+            <a:endParaRPr lang="en-US" baseline="0" dirty="0" smtClean="0"/>
+          </a:p>
+          <a:p>
+            <a:pPr marL="0" marR="0" indent="0" algn="l" defTabSz="914400" rtl="0" eaLnBrk="1" fontAlgn="auto" latinLnBrk="0" hangingPunct="1">
+              <a:lnSpc>
+                <a:spcPct val="100000"/>
+              </a:lnSpc>
+              <a:spcBef>
+                <a:spcPts val="0"/>
+              </a:spcBef>
+              <a:spcAft>
+                <a:spcPts val="0"/>
+              </a:spcAft>
+              <a:buClrTx/>
+              <a:buSzTx/>
+              <a:buFontTx/>
+              <a:buNone/>
+              <a:tabLst/>
+              <a:defRPr/>
+            </a:pPr>
+            <a:r>
+              <a:rPr lang="en-US" baseline="0" dirty="0" smtClean="0"/>
+              <a:t>[show animation]</a:t>
+            </a:r>
+          </a:p>
+          <a:p>
+            <a:pPr marL="0" marR="0" indent="0" algn="l" defTabSz="914400" rtl="0" eaLnBrk="1" fontAlgn="auto" latinLnBrk="0" hangingPunct="1">
+              <a:lnSpc>
+                <a:spcPct val="100000"/>
+              </a:lnSpc>
+              <a:spcBef>
+                <a:spcPts val="0"/>
+              </a:spcBef>
+              <a:spcAft>
+                <a:spcPts val="0"/>
+              </a:spcAft>
+              <a:buClrTx/>
+              <a:buSzTx/>
+              <a:buFontTx/>
+              <a:buNone/>
+              <a:tabLst/>
+              <a:defRPr/>
+            </a:pPr>
+            <a:r>
+              <a:rPr lang="en-US" baseline="0" dirty="0" smtClean="0"/>
+              <a:t>Finally we ended this module by learning how to leverage the built in HTML 5 validation attributes to perform our validation.  Although this method is simple, we learned that it is not fully ready for primetime as not all browser support these attributes as well as the fact that the validation library is not quite complete when it comes to html5 validation.</a:t>
+            </a:r>
+          </a:p>
+          <a:p>
+            <a:endParaRPr lang="en-US" baseline="0" dirty="0" smtClean="0"/>
+          </a:p>
+        </p:txBody>
+      </p:sp>
+      <p:sp>
+        <p:nvSpPr>
+          <p:cNvPr id="4" name="Slide Number Placeholder 3"/>
+          <p:cNvSpPr>
+            <a:spLocks noGrp="1"/>
+          </p:cNvSpPr>
+          <p:nvPr>
+            <p:ph type="sldNum" sz="quarter" idx="10"/>
+          </p:nvPr>
+        </p:nvSpPr>
+        <p:spPr/>
+        <p:txBody>
+          <a:bodyPr/>
+          <a:lstStyle/>
+          <a:p>
+            <a:fld id="{494C1AC2-DE0A-42B5-890B-DD93F8E37577}" type="slidenum">
+              <a:rPr lang="en-US" smtClean="0"/>
+              <a:t>17</a:t>
+            </a:fld>
+            <a:endParaRPr lang="en-US"/>
+          </a:p>
+        </p:txBody>
+      </p:sp>
+    </p:spTree>
+    <p:extLst>
+      <p:ext uri="{BB962C8B-B14F-4D97-AF65-F5344CB8AC3E}">
+        <p14:creationId xmlns:p14="http://schemas.microsoft.com/office/powerpoint/2010/main" val="3979784674"/>
       </p:ext>
     </p:extLst>
   </p:cSld>
@@ -667,126 +1346,210 @@
           <a:p>
             <a:r>
               <a:rPr lang="en-US" dirty="0" smtClean="0"/>
-              <a:t>This module is going to be</a:t>
+              <a:t>This module is going to be separated</a:t>
             </a:r>
             <a:r>
               <a:rPr lang="en-US" baseline="0" dirty="0" smtClean="0"/>
-              <a:t> broken into 2 parts.  The first part we will cover the basics needed to get knockout validation up and running and the 2</a:t>
-            </a:r>
-            <a:r>
-              <a:rPr lang="en-US" baseline="30000" dirty="0" smtClean="0"/>
+              <a:t> into 4 pieces.</a:t>
+            </a:r>
+          </a:p>
+          <a:p>
+            <a:endParaRPr lang="en-US" sz="1200" kern="1200" baseline="0" dirty="0" smtClean="0">
+              <a:solidFill>
+                <a:schemeClr val="tx1"/>
+              </a:solidFill>
+              <a:effectLst/>
+              <a:latin typeface="+mn-lt"/>
+              <a:ea typeface="+mn-ea"/>
+              <a:cs typeface="+mn-cs"/>
+            </a:endParaRPr>
+          </a:p>
+          <a:p>
+            <a:r>
+              <a:rPr lang="en-US" sz="1200" kern="1200" baseline="0" dirty="0" smtClean="0">
+                <a:solidFill>
+                  <a:schemeClr val="tx1"/>
+                </a:solidFill>
+                <a:effectLst/>
+                <a:latin typeface="+mn-lt"/>
+                <a:ea typeface="+mn-ea"/>
+                <a:cs typeface="+mn-cs"/>
+              </a:rPr>
+              <a:t>First we will learn how to create our own custom validator.  Having the ability to create a custom validator is critical as the basic built in ones will simply not satisfy all business needs.  When learning to create our custom validators we will learn how to create global rules, these are rules which can be applied to any observable as well as inline rules.  Inline rules are only available to their attached observable cannot be reused.</a:t>
+            </a:r>
+          </a:p>
+          <a:p>
+            <a:endParaRPr lang="en-US" sz="1200" kern="1200" baseline="0" dirty="0" smtClean="0">
+              <a:solidFill>
+                <a:schemeClr val="tx1"/>
+              </a:solidFill>
+              <a:effectLst/>
+              <a:latin typeface="+mn-lt"/>
+              <a:ea typeface="+mn-ea"/>
+              <a:cs typeface="+mn-cs"/>
+            </a:endParaRPr>
+          </a:p>
+          <a:p>
+            <a:r>
+              <a:rPr lang="en-US" sz="1200" kern="1200" baseline="0" dirty="0" smtClean="0">
+                <a:solidFill>
+                  <a:schemeClr val="tx1"/>
+                </a:solidFill>
+                <a:effectLst/>
+                <a:latin typeface="+mn-lt"/>
+                <a:ea typeface="+mn-ea"/>
+                <a:cs typeface="+mn-cs"/>
+              </a:rPr>
+              <a:t>Once we understand how to create our own custom rule we will move on to learn how to perform validations against a computed observable.  Computed observables are a bit different than standard observables because they are not attached to input fields.  This means 2 things for us.  1st we must reference another observable inside our validator in order to get the validator to evaluate as data changes and 2</a:t>
+            </a:r>
+            <a:r>
+              <a:rPr lang="en-US" sz="1200" kern="1200" baseline="30000" dirty="0" smtClean="0">
+                <a:solidFill>
+                  <a:schemeClr val="tx1"/>
+                </a:solidFill>
+                <a:effectLst/>
+                <a:latin typeface="+mn-lt"/>
+                <a:ea typeface="+mn-ea"/>
+                <a:cs typeface="+mn-cs"/>
+              </a:rPr>
               <a:t>nd</a:t>
             </a:r>
             <a:r>
-              <a:rPr lang="en-US" baseline="0" dirty="0" smtClean="0"/>
-              <a:t> part will cover many of the build in validators.</a:t>
-            </a:r>
-          </a:p>
-          <a:p>
-            <a:pPr marL="0" marR="0" indent="0" algn="l" defTabSz="914400" rtl="0" eaLnBrk="1" fontAlgn="auto" latinLnBrk="0" hangingPunct="1">
-              <a:lnSpc>
-                <a:spcPct val="100000"/>
-              </a:lnSpc>
-              <a:spcBef>
-                <a:spcPts val="0"/>
-              </a:spcBef>
-              <a:spcAft>
-                <a:spcPts val="0"/>
-              </a:spcAft>
-              <a:buClrTx/>
-              <a:buSzTx/>
-              <a:buFontTx/>
-              <a:buNone/>
-              <a:tabLst/>
-              <a:defRPr/>
-            </a:pPr>
-            <a:r>
-              <a:rPr lang="en-US" baseline="0" dirty="0" smtClean="0"/>
-              <a:t>learn how to setup our binding context to hook into the validation library. We will also learn how to setup validation on our first observable.  The validation rule we will be using will be the ‘required’ validator.  The Required validator does exactly as the name implies, it will require that the bound observable is populated with some data</a:t>
-            </a:r>
-          </a:p>
-          <a:p>
-            <a:endParaRPr lang="en-US" baseline="0" dirty="0" smtClean="0"/>
-          </a:p>
-          <a:p>
-            <a:r>
-              <a:rPr lang="en-US" baseline="0" dirty="0" smtClean="0"/>
-              <a:t>IN our first demo will</a:t>
-            </a:r>
-          </a:p>
-          <a:p>
-            <a:r>
-              <a:rPr lang="en-US" baseline="0" dirty="0" smtClean="0"/>
-              <a:t>[show animation]</a:t>
-            </a:r>
-          </a:p>
-          <a:p>
-            <a:r>
-              <a:rPr lang="en-US" baseline="0" dirty="0" smtClean="0"/>
-              <a:t>Now that we understand how to use the required validator we might as well spend some time taking a look at how to use some of the other built in validators.  The next validators we will learn to use will be the min and max validators.  These will ensure that our bound observable is not below or above the rule value.</a:t>
-            </a:r>
-          </a:p>
-          <a:p>
-            <a:endParaRPr lang="en-US" baseline="0" dirty="0" smtClean="0"/>
-          </a:p>
-          <a:p>
-            <a:r>
-              <a:rPr lang="en-US" baseline="0" dirty="0" smtClean="0"/>
-              <a:t>[show animation]</a:t>
-            </a:r>
-          </a:p>
-          <a:p>
-            <a:r>
-              <a:rPr lang="en-US" baseline="0" dirty="0" smtClean="0"/>
-              <a:t>The next 2 validators we will learn to use will be the equals and not equals validators.  These can be used to ensure that our observable value is either equal to or not equal to our rule value.</a:t>
-            </a:r>
-          </a:p>
-          <a:p>
-            <a:endParaRPr lang="en-US" baseline="0" dirty="0" smtClean="0"/>
-          </a:p>
-          <a:p>
-            <a:r>
-              <a:rPr lang="en-US" baseline="0" dirty="0" smtClean="0"/>
-              <a:t>[show animation]</a:t>
-            </a:r>
-          </a:p>
-          <a:p>
-            <a:r>
-              <a:rPr lang="en-US" baseline="0" dirty="0" smtClean="0"/>
-              <a:t>The 3</a:t>
-            </a:r>
-            <a:r>
-              <a:rPr lang="en-US" baseline="30000" dirty="0" smtClean="0"/>
-              <a:t>rd</a:t>
-            </a:r>
-            <a:r>
-              <a:rPr lang="en-US" baseline="0" dirty="0" smtClean="0"/>
-              <a:t> set of validators we will explore will be the min and max length validators.  These 2 validators are used to ensure that a string value does not dip below a specified minimum length or exceed a maximum length</a:t>
-            </a:r>
-          </a:p>
-          <a:p>
-            <a:endParaRPr lang="en-US" baseline="0" dirty="0" smtClean="0"/>
-          </a:p>
-          <a:p>
-            <a:r>
-              <a:rPr lang="en-US" baseline="0" dirty="0" smtClean="0"/>
-              <a:t>[show animation]</a:t>
-            </a:r>
-          </a:p>
-          <a:p>
-            <a:r>
-              <a:rPr lang="en-US" baseline="0" dirty="0" smtClean="0"/>
-              <a:t>The last validator we will explore is the pattern validator.  This validator leverages the power of regular expressions and can be used to perform pattern match validation on an observable.</a:t>
-            </a:r>
-          </a:p>
-          <a:p>
-            <a:endParaRPr lang="en-US" baseline="0" dirty="0" smtClean="0"/>
-          </a:p>
-          <a:p>
-            <a:endParaRPr lang="en-US" baseline="0" dirty="0" smtClean="0"/>
-          </a:p>
-          <a:p>
-            <a:endParaRPr lang="en-US" baseline="0" dirty="0" smtClean="0"/>
+              <a:rPr lang="en-US" sz="1200" kern="1200" baseline="0" dirty="0" smtClean="0">
+                <a:solidFill>
+                  <a:schemeClr val="tx1"/>
+                </a:solidFill>
+                <a:effectLst/>
+                <a:latin typeface="+mn-lt"/>
+                <a:ea typeface="+mn-ea"/>
+                <a:cs typeface="+mn-cs"/>
+              </a:rPr>
+              <a:t> if we want to display an error message to our user we will have to manually add our markup to </a:t>
+            </a:r>
+            <a:r>
+              <a:rPr lang="en-US" sz="1200" kern="1200" baseline="0" dirty="0" err="1" smtClean="0">
+                <a:solidFill>
+                  <a:schemeClr val="tx1"/>
+                </a:solidFill>
+                <a:effectLst/>
+                <a:latin typeface="+mn-lt"/>
+                <a:ea typeface="+mn-ea"/>
+                <a:cs typeface="+mn-cs"/>
+              </a:rPr>
+              <a:t>displa</a:t>
+            </a:r>
+            <a:r>
+              <a:rPr lang="en-US" sz="1200" kern="1200" baseline="0" dirty="0" smtClean="0">
+                <a:solidFill>
+                  <a:schemeClr val="tx1"/>
+                </a:solidFill>
+                <a:effectLst/>
+                <a:latin typeface="+mn-lt"/>
+                <a:ea typeface="+mn-ea"/>
+                <a:cs typeface="+mn-cs"/>
+              </a:rPr>
+              <a:t> the message.</a:t>
+            </a:r>
+          </a:p>
+          <a:p>
+            <a:endParaRPr lang="en-US" sz="1200" kern="1200" baseline="0" dirty="0" smtClean="0">
+              <a:solidFill>
+                <a:schemeClr val="tx1"/>
+              </a:solidFill>
+              <a:effectLst/>
+              <a:latin typeface="+mn-lt"/>
+              <a:ea typeface="+mn-ea"/>
+              <a:cs typeface="+mn-cs"/>
+            </a:endParaRPr>
+          </a:p>
+          <a:p>
+            <a:r>
+              <a:rPr lang="en-US" sz="1200" kern="1200" baseline="0" dirty="0" smtClean="0">
+                <a:solidFill>
+                  <a:schemeClr val="tx1"/>
+                </a:solidFill>
+                <a:effectLst/>
+                <a:latin typeface="+mn-lt"/>
+                <a:ea typeface="+mn-ea"/>
+                <a:cs typeface="+mn-cs"/>
+              </a:rPr>
+              <a:t>We will next learn how to perform conditional validation of an observable.  Having the ability to only have a validator fire based on some other value is very important because when building Line of business applications there are going to be </a:t>
+            </a:r>
+            <a:r>
+              <a:rPr lang="en-US" sz="1200" kern="1200" baseline="0" dirty="0" err="1" smtClean="0">
+                <a:solidFill>
+                  <a:schemeClr val="tx1"/>
+                </a:solidFill>
+                <a:effectLst/>
+                <a:latin typeface="+mn-lt"/>
+                <a:ea typeface="+mn-ea"/>
+                <a:cs typeface="+mn-cs"/>
+              </a:rPr>
+              <a:t>caes</a:t>
+            </a:r>
+            <a:r>
+              <a:rPr lang="en-US" sz="1200" kern="1200" baseline="0" dirty="0" smtClean="0">
+                <a:solidFill>
+                  <a:schemeClr val="tx1"/>
+                </a:solidFill>
+                <a:effectLst/>
+                <a:latin typeface="+mn-lt"/>
+                <a:ea typeface="+mn-ea"/>
+                <a:cs typeface="+mn-cs"/>
+              </a:rPr>
+              <a:t> that we only care about validation when a given piece of data is updated.</a:t>
+            </a:r>
+          </a:p>
+          <a:p>
+            <a:endParaRPr lang="en-US" sz="1200" kern="1200" baseline="0" dirty="0" smtClean="0">
+              <a:solidFill>
+                <a:schemeClr val="tx1"/>
+              </a:solidFill>
+              <a:effectLst/>
+              <a:latin typeface="+mn-lt"/>
+              <a:ea typeface="+mn-ea"/>
+              <a:cs typeface="+mn-cs"/>
+            </a:endParaRPr>
+          </a:p>
+          <a:p>
+            <a:r>
+              <a:rPr lang="en-US" sz="1200" kern="1200" baseline="0" dirty="0" smtClean="0">
+                <a:solidFill>
+                  <a:schemeClr val="tx1"/>
+                </a:solidFill>
+                <a:effectLst/>
+                <a:latin typeface="+mn-lt"/>
+                <a:ea typeface="+mn-ea"/>
+                <a:cs typeface="+mn-cs"/>
+              </a:rPr>
+              <a:t>Finally we will end the module by learning how to perform validation by using the HTML 5 validation attributes.  Using these attributes means we do not need to manually wire up the logic in our view model, but it does come w/ a cost which s that this solution will not work across all browsers or in all cases.</a:t>
+            </a:r>
+            <a:endParaRPr lang="en-US" sz="1200" kern="1200" dirty="0" smtClean="0">
+              <a:solidFill>
+                <a:schemeClr val="tx1"/>
+              </a:solidFill>
+              <a:effectLst/>
+              <a:latin typeface="+mn-lt"/>
+              <a:ea typeface="+mn-ea"/>
+              <a:cs typeface="+mn-cs"/>
+            </a:endParaRPr>
+          </a:p>
+          <a:p>
+            <a:r>
+              <a:rPr lang="en-US" sz="1200" kern="1200" dirty="0" smtClean="0">
+                <a:solidFill>
+                  <a:schemeClr val="tx1"/>
+                </a:solidFill>
+                <a:effectLst/>
+                <a:latin typeface="+mn-lt"/>
+                <a:ea typeface="+mn-ea"/>
+                <a:cs typeface="+mn-cs"/>
+              </a:rPr>
+              <a:t> </a:t>
+            </a:r>
+          </a:p>
+          <a:p>
+            <a:endParaRPr lang="en-US" dirty="0"/>
           </a:p>
         </p:txBody>
       </p:sp>
@@ -816,7 +1579,7 @@
     </p:spTree>
     <p:extLst>
       <p:ext uri="{BB962C8B-B14F-4D97-AF65-F5344CB8AC3E}">
-        <p14:creationId xmlns:p14="http://schemas.microsoft.com/office/powerpoint/2010/main" val="600526656"/>
+        <p14:creationId xmlns:p14="http://schemas.microsoft.com/office/powerpoint/2010/main" val="2250201125"/>
       </p:ext>
     </p:extLst>
   </p:cSld>
@@ -980,11 +1743,7 @@
             </a:r>
             <a:r>
               <a:rPr lang="en-US" baseline="0" dirty="0" smtClean="0"/>
-              <a:t> </a:t>
-            </a:r>
-            <a:r>
-              <a:rPr lang="en-US" baseline="0" dirty="0" smtClean="0"/>
-              <a:t>thing to point out when creating a custom validation rule is that you want to create this rule in a self executing function.  The reason for this is that you need to register this rule within knockout validation and you want to do at prior to the HTML Dom being loaded and this will allow for this.</a:t>
+              <a:t> thing to point out when creating a custom validation rule is that you want to create this rule in a self executing function.  The reason for this is that you need to register this rule within knockout validation and you want to do at prior to the HTML Dom being loaded and this will allow for this.</a:t>
             </a:r>
           </a:p>
           <a:p>
@@ -1084,28 +1843,16 @@
             </a:r>
             <a:r>
               <a:rPr lang="en-US" baseline="0" dirty="0" smtClean="0"/>
-              <a:t> parameter will be the value you will be checking, this is </a:t>
-            </a:r>
+              <a:t> parameter will be the value you will be checking, this is the value provided at runtime from your observable</a:t>
+            </a:r>
+          </a:p>
+          <a:p>
+            <a:endParaRPr lang="en-US" baseline="0" dirty="0" smtClean="0"/>
+          </a:p>
+          <a:p>
             <a:r>
               <a:rPr lang="en-US" baseline="0" dirty="0" smtClean="0"/>
-              <a:t>the value provided at runtime from </a:t>
-            </a:r>
-            <a:r>
-              <a:rPr lang="en-US" baseline="0" dirty="0" smtClean="0"/>
-              <a:t>your observable</a:t>
-            </a:r>
-          </a:p>
-          <a:p>
-            <a:endParaRPr lang="en-US" baseline="0" dirty="0" smtClean="0"/>
-          </a:p>
-          <a:p>
-            <a:r>
-              <a:rPr lang="en-US" baseline="0" dirty="0" smtClean="0"/>
-              <a:t>The </a:t>
-            </a:r>
-            <a:r>
-              <a:rPr lang="en-US" baseline="0" dirty="0" smtClean="0"/>
-              <a:t>2</a:t>
+              <a:t>The 2</a:t>
             </a:r>
             <a:r>
               <a:rPr lang="en-US" baseline="30000" dirty="0" smtClean="0"/>
@@ -1437,11 +2184,11 @@
           <a:p>
             <a:r>
               <a:rPr lang="en-US" dirty="0" smtClean="0"/>
-              <a:t>This</a:t>
+              <a:t>One</a:t>
             </a:r>
             <a:r>
               <a:rPr lang="en-US" baseline="0" dirty="0" smtClean="0"/>
-              <a:t> module was dedicated to providing you with enough knowledge to allow you to get up and running w/ the basics on how to use the Knockout validation library.  </a:t>
+              <a:t> of the great features which Knockout provides is the ability to have computed observables.  These observables allow us to monitor other observables and have their logic re-executed each time a monitored observable is updated.  Because these computed values may be contain business logic it only makes sense that we should be able to validate that their value is correct and of course we can when using the knockout validation library.  </a:t>
             </a:r>
           </a:p>
           <a:p>
@@ -1450,91 +2197,85 @@
           <a:p>
             <a:r>
               <a:rPr lang="en-US" baseline="0" dirty="0" smtClean="0"/>
-              <a:t>[show animation]</a:t>
-            </a:r>
-          </a:p>
-          <a:p>
-            <a:r>
-              <a:rPr lang="en-US" baseline="0" dirty="0" smtClean="0"/>
-              <a:t>We started off by learning the basics.  This included learning how to setup our bindings to allow for the knockout validation to work with our knockout bindings as well as learning how to use the required validator.</a:t>
-            </a:r>
-          </a:p>
-          <a:p>
-            <a:endParaRPr lang="en-US" baseline="0" dirty="0" smtClean="0"/>
-          </a:p>
-          <a:p>
-            <a:r>
-              <a:rPr lang="en-US" baseline="0" dirty="0" smtClean="0"/>
-              <a:t>[show animation]</a:t>
-            </a:r>
-          </a:p>
-          <a:p>
-            <a:r>
-              <a:rPr lang="en-US" baseline="0" dirty="0" smtClean="0"/>
-              <a:t>Once we understood how to use the required validator we moved on to learn about some of the other built in validators. The next validators we will learned to use was the min and max validators.  These validators can be used to ensure that our observable is not above or below some predetermined value.</a:t>
-            </a:r>
-          </a:p>
-          <a:p>
-            <a:endParaRPr lang="en-US" baseline="0" dirty="0" smtClean="0"/>
-          </a:p>
-          <a:p>
-            <a:r>
-              <a:rPr lang="en-US" baseline="0" dirty="0" smtClean="0"/>
-              <a:t>[show animation]</a:t>
-            </a:r>
-          </a:p>
-          <a:p>
-            <a:r>
-              <a:rPr lang="en-US" baseline="0" dirty="0" smtClean="0"/>
-              <a:t>The next 2 validators we will learned to use were the equals and not equals validators.  We learned these validators could be used to ensure that our observable value is either equal to or not equal to our rule value.</a:t>
-            </a:r>
-          </a:p>
-          <a:p>
-            <a:endParaRPr lang="en-US" baseline="0" dirty="0" smtClean="0"/>
-          </a:p>
-          <a:p>
-            <a:r>
-              <a:rPr lang="en-US" baseline="0" dirty="0" smtClean="0"/>
-              <a:t>[show animation]</a:t>
-            </a:r>
-          </a:p>
-          <a:p>
-            <a:r>
-              <a:rPr lang="en-US" baseline="0" dirty="0" smtClean="0"/>
-              <a:t>The 3</a:t>
-            </a:r>
-            <a:r>
-              <a:rPr lang="en-US" baseline="30000" dirty="0" smtClean="0"/>
-              <a:t>rd</a:t>
-            </a:r>
-            <a:r>
-              <a:rPr lang="en-US" baseline="0" dirty="0" smtClean="0"/>
-              <a:t> set of validators we will explored was min and max length validators.  These 2 validators can be used to ensure that a string value does not dip below a specified minimum length or exceed a maximum length</a:t>
-            </a:r>
-          </a:p>
-          <a:p>
-            <a:endParaRPr lang="en-US" baseline="0" dirty="0" smtClean="0"/>
-          </a:p>
-          <a:p>
-            <a:r>
-              <a:rPr lang="en-US" baseline="0" dirty="0" smtClean="0"/>
-              <a:t>[show animation]</a:t>
-            </a:r>
-          </a:p>
-          <a:p>
-            <a:r>
-              <a:rPr lang="en-US" baseline="0" dirty="0" smtClean="0"/>
-              <a:t>Finally we wrapped up the module by leaning how to use the pattern validator. We learned that this validator leverages the power of regular expressions and can be used to perform pattern match validation on an observable.</a:t>
-            </a:r>
-          </a:p>
-          <a:p>
-            <a:endParaRPr lang="en-US" baseline="0" dirty="0" smtClean="0"/>
-          </a:p>
-          <a:p>
-            <a:endParaRPr lang="en-US" baseline="0" dirty="0" smtClean="0"/>
-          </a:p>
-          <a:p>
-            <a:endParaRPr lang="en-US" baseline="0" dirty="0" smtClean="0"/>
+              <a:t>Setting up the ability to validated a computed is really not much different than validating an observable with one small difference.  Because </a:t>
+            </a:r>
+            <a:r>
+              <a:rPr lang="en-US" sz="1200" kern="1200" dirty="0" smtClean="0">
+                <a:solidFill>
+                  <a:schemeClr val="tx1"/>
+                </a:solidFill>
+                <a:effectLst/>
+                <a:latin typeface="+mn-lt"/>
+                <a:ea typeface="+mn-ea"/>
+                <a:cs typeface="+mn-cs"/>
+              </a:rPr>
+              <a:t>computed fields are not bound to HTML input elements</a:t>
+            </a:r>
+            <a:r>
+              <a:rPr lang="en-US" sz="1200" kern="1200" baseline="0" dirty="0" smtClean="0">
+                <a:solidFill>
+                  <a:schemeClr val="tx1"/>
+                </a:solidFill>
+                <a:effectLst/>
+                <a:latin typeface="+mn-lt"/>
+                <a:ea typeface="+mn-ea"/>
+                <a:cs typeface="+mn-cs"/>
+              </a:rPr>
+              <a:t> </a:t>
+            </a:r>
+            <a:r>
+              <a:rPr lang="en-US" sz="1200" kern="1200" dirty="0" smtClean="0">
+                <a:solidFill>
+                  <a:schemeClr val="tx1"/>
+                </a:solidFill>
+                <a:effectLst/>
+                <a:latin typeface="+mn-lt"/>
+                <a:ea typeface="+mn-ea"/>
+                <a:cs typeface="+mn-cs"/>
+              </a:rPr>
+              <a:t>we are going to have to do a bit of additional work to get our error message to displayed</a:t>
+            </a:r>
+            <a:r>
+              <a:rPr lang="en-US" sz="1200" kern="1200" baseline="0" dirty="0" smtClean="0">
+                <a:solidFill>
+                  <a:schemeClr val="tx1"/>
+                </a:solidFill>
+                <a:effectLst/>
+                <a:latin typeface="+mn-lt"/>
+                <a:ea typeface="+mn-ea"/>
+                <a:cs typeface="+mn-cs"/>
+              </a:rPr>
+              <a:t> to our user</a:t>
+            </a:r>
+            <a:r>
+              <a:rPr lang="en-US" sz="1200" kern="1200" dirty="0" smtClean="0">
+                <a:solidFill>
+                  <a:schemeClr val="tx1"/>
+                </a:solidFill>
+                <a:effectLst/>
+                <a:latin typeface="+mn-lt"/>
+                <a:ea typeface="+mn-ea"/>
+                <a:cs typeface="+mn-cs"/>
+              </a:rPr>
+              <a:t>.</a:t>
+            </a:r>
+          </a:p>
+          <a:p>
+            <a:r>
+              <a:rPr lang="en-US" sz="1200" kern="1200" dirty="0" smtClean="0">
+                <a:solidFill>
+                  <a:schemeClr val="tx1"/>
+                </a:solidFill>
+                <a:effectLst/>
+                <a:latin typeface="+mn-lt"/>
+                <a:ea typeface="+mn-ea"/>
+                <a:cs typeface="+mn-cs"/>
+              </a:rPr>
+              <a:t> </a:t>
+            </a:r>
+          </a:p>
+          <a:p>
+            <a:endParaRPr lang="en-US" dirty="0"/>
           </a:p>
         </p:txBody>
       </p:sp>
@@ -1555,7 +2296,7 @@
           <a:p>
             <a:fld id="{494C1AC2-DE0A-42B5-890B-DD93F8E37577}" type="slidenum">
               <a:rPr lang="en-US" smtClean="0"/>
-              <a:t>9</a:t>
+              <a:t>8</a:t>
             </a:fld>
             <a:endParaRPr lang="en-US"/>
           </a:p>
@@ -1564,7 +2305,582 @@
     </p:spTree>
     <p:extLst>
       <p:ext uri="{BB962C8B-B14F-4D97-AF65-F5344CB8AC3E}">
-        <p14:creationId xmlns:p14="http://schemas.microsoft.com/office/powerpoint/2010/main" val="3979784674"/>
+        <p14:creationId xmlns:p14="http://schemas.microsoft.com/office/powerpoint/2010/main" val="2016913893"/>
+      </p:ext>
+    </p:extLst>
+  </p:cSld>
+  <p:clrMapOvr>
+    <a:masterClrMapping/>
+  </p:clrMapOvr>
+</p:notes>
+</file>
+
+<file path=ppt/notesSlides/notesSlide7.xml><?xml version="1.0" encoding="utf-8"?>
+<p:notes xmlns:a="http://schemas.openxmlformats.org/drawingml/2006/main" xmlns:r="http://schemas.openxmlformats.org/officeDocument/2006/relationships" xmlns:p="http://schemas.openxmlformats.org/presentationml/2006/main">
+  <p:cSld>
+    <p:spTree>
+      <p:nvGrpSpPr>
+        <p:cNvPr id="1" name=""/>
+        <p:cNvGrpSpPr/>
+        <p:nvPr/>
+      </p:nvGrpSpPr>
+      <p:grpSpPr>
+        <a:xfrm>
+          <a:off x="0" y="0"/>
+          <a:ext cx="0" cy="0"/>
+          <a:chOff x="0" y="0"/>
+          <a:chExt cx="0" cy="0"/>
+        </a:xfrm>
+      </p:grpSpPr>
+      <p:sp>
+        <p:nvSpPr>
+          <p:cNvPr id="2" name="Slide Image Placeholder 1"/>
+          <p:cNvSpPr>
+            <a:spLocks noGrp="1" noRot="1" noChangeAspect="1"/>
+          </p:cNvSpPr>
+          <p:nvPr>
+            <p:ph type="sldImg"/>
+          </p:nvPr>
+        </p:nvSpPr>
+        <p:spPr/>
+      </p:sp>
+      <p:sp>
+        <p:nvSpPr>
+          <p:cNvPr id="3" name="Notes Placeholder 2"/>
+          <p:cNvSpPr>
+            <a:spLocks noGrp="1"/>
+          </p:cNvSpPr>
+          <p:nvPr>
+            <p:ph type="body" idx="1"/>
+          </p:nvPr>
+        </p:nvSpPr>
+        <p:spPr/>
+        <p:txBody>
+          <a:bodyPr/>
+          <a:lstStyle/>
+          <a:p>
+            <a:r>
+              <a:rPr lang="en-US" dirty="0" smtClean="0"/>
+              <a:t>On the screen you</a:t>
+            </a:r>
+            <a:r>
+              <a:rPr lang="en-US" baseline="0" dirty="0" smtClean="0"/>
+              <a:t> should see logic which looks very failure to you, this is the typical setup for a computed observable.</a:t>
+            </a:r>
+          </a:p>
+          <a:p>
+            <a:endParaRPr lang="en-US" baseline="0" dirty="0" smtClean="0"/>
+          </a:p>
+          <a:p>
+            <a:r>
+              <a:rPr lang="en-US" baseline="0" dirty="0" smtClean="0"/>
+              <a:t>[show animation]</a:t>
+            </a:r>
+          </a:p>
+          <a:p>
+            <a:r>
+              <a:rPr lang="en-US" baseline="0" dirty="0" smtClean="0"/>
+              <a:t>Pay attention that inside my computed I am monitoring both the Value 1 and Value 2 observables, this means that each time either of these are updated my computed will be re-evaluated and a value returned.  This also means that each time either value is updated my validation logic will be evaluated.</a:t>
+            </a:r>
+          </a:p>
+          <a:p>
+            <a:endParaRPr lang="en-US" baseline="0" dirty="0" smtClean="0"/>
+          </a:p>
+          <a:p>
+            <a:pPr marL="0" marR="0" indent="0" algn="l" defTabSz="914400" rtl="0" eaLnBrk="1" fontAlgn="auto" latinLnBrk="0" hangingPunct="1">
+              <a:lnSpc>
+                <a:spcPct val="100000"/>
+              </a:lnSpc>
+              <a:spcBef>
+                <a:spcPts val="0"/>
+              </a:spcBef>
+              <a:spcAft>
+                <a:spcPts val="0"/>
+              </a:spcAft>
+              <a:buClrTx/>
+              <a:buSzTx/>
+              <a:buFontTx/>
+              <a:buNone/>
+              <a:tabLst/>
+              <a:defRPr/>
+            </a:pPr>
+            <a:r>
+              <a:rPr lang="en-US" baseline="0" dirty="0" smtClean="0"/>
+              <a:t>[show animation]</a:t>
+            </a:r>
+          </a:p>
+          <a:p>
+            <a:endParaRPr lang="en-US" baseline="0" dirty="0" smtClean="0"/>
+          </a:p>
+          <a:p>
+            <a:r>
+              <a:rPr lang="en-US" baseline="0" dirty="0" smtClean="0"/>
+              <a:t>Once we have our computed setup we now want to define our validation rule</a:t>
+            </a:r>
+          </a:p>
+          <a:p>
+            <a:endParaRPr lang="en-US" baseline="0" dirty="0" smtClean="0"/>
+          </a:p>
+          <a:p>
+            <a:r>
+              <a:rPr lang="en-US" baseline="0" dirty="0" smtClean="0"/>
+              <a:t>[show animation]</a:t>
+            </a:r>
+          </a:p>
+          <a:p>
+            <a:endParaRPr lang="en-US" baseline="0" dirty="0" smtClean="0"/>
+          </a:p>
+          <a:p>
+            <a:r>
+              <a:rPr lang="en-US" baseline="0" dirty="0" smtClean="0"/>
+              <a:t>This validation rule follows the same pattern as we have seen before when creating custom rules, which is great as it means computed observables can use the same validators as non-computed observables</a:t>
+            </a:r>
+          </a:p>
+          <a:p>
+            <a:endParaRPr lang="en-US" baseline="0" dirty="0" smtClean="0"/>
+          </a:p>
+          <a:p>
+            <a:pPr marL="0" marR="0" indent="0" algn="l" defTabSz="914400" rtl="0" eaLnBrk="1" fontAlgn="auto" latinLnBrk="0" hangingPunct="1">
+              <a:lnSpc>
+                <a:spcPct val="100000"/>
+              </a:lnSpc>
+              <a:spcBef>
+                <a:spcPts val="0"/>
+              </a:spcBef>
+              <a:spcAft>
+                <a:spcPts val="0"/>
+              </a:spcAft>
+              <a:buClrTx/>
+              <a:buSzTx/>
+              <a:buFontTx/>
+              <a:buNone/>
+              <a:tabLst/>
+              <a:defRPr/>
+            </a:pPr>
+            <a:r>
+              <a:rPr lang="en-US" baseline="0" dirty="0" smtClean="0"/>
+              <a:t>[show animation]</a:t>
+            </a:r>
+          </a:p>
+          <a:p>
+            <a:endParaRPr lang="en-US" baseline="0" dirty="0" smtClean="0"/>
+          </a:p>
+          <a:p>
+            <a:r>
+              <a:rPr lang="en-US" baseline="0" dirty="0" smtClean="0"/>
+              <a:t>Because we created this custom validator we do need to ensure we register the rule w/in knockout validation so it can be used</a:t>
+            </a:r>
+          </a:p>
+          <a:p>
+            <a:endParaRPr lang="en-US" baseline="0" dirty="0" smtClean="0"/>
+          </a:p>
+          <a:p>
+            <a:pPr marL="0" marR="0" indent="0" algn="l" defTabSz="914400" rtl="0" eaLnBrk="1" fontAlgn="auto" latinLnBrk="0" hangingPunct="1">
+              <a:lnSpc>
+                <a:spcPct val="100000"/>
+              </a:lnSpc>
+              <a:spcBef>
+                <a:spcPts val="0"/>
+              </a:spcBef>
+              <a:spcAft>
+                <a:spcPts val="0"/>
+              </a:spcAft>
+              <a:buClrTx/>
+              <a:buSzTx/>
+              <a:buFontTx/>
+              <a:buNone/>
+              <a:tabLst/>
+              <a:defRPr/>
+            </a:pPr>
+            <a:r>
+              <a:rPr lang="en-US" baseline="0" dirty="0" smtClean="0"/>
+              <a:t>[show animation]</a:t>
+            </a:r>
+          </a:p>
+          <a:p>
+            <a:endParaRPr lang="en-US" baseline="0" dirty="0" smtClean="0"/>
+          </a:p>
+          <a:p>
+            <a:r>
+              <a:rPr lang="en-US" baseline="0" dirty="0" smtClean="0"/>
+              <a:t>Last thing we need to do is wire this validator to our computed.  We will use the standard extends syntax to accomplish this, so again there is nothing different between computed observables and observables</a:t>
+            </a:r>
+          </a:p>
+          <a:p>
+            <a:endParaRPr lang="en-US" dirty="0" smtClean="0"/>
+          </a:p>
+        </p:txBody>
+      </p:sp>
+      <p:sp>
+        <p:nvSpPr>
+          <p:cNvPr id="4" name="Slide Number Placeholder 3"/>
+          <p:cNvSpPr>
+            <a:spLocks noGrp="1"/>
+          </p:cNvSpPr>
+          <p:nvPr>
+            <p:ph type="sldNum" sz="quarter" idx="10"/>
+          </p:nvPr>
+        </p:nvSpPr>
+        <p:spPr/>
+        <p:txBody>
+          <a:bodyPr/>
+          <a:lstStyle/>
+          <a:p>
+            <a:fld id="{494C1AC2-DE0A-42B5-890B-DD93F8E37577}" type="slidenum">
+              <a:rPr lang="en-US" smtClean="0"/>
+              <a:t>9</a:t>
+            </a:fld>
+            <a:endParaRPr lang="en-US"/>
+          </a:p>
+        </p:txBody>
+      </p:sp>
+    </p:spTree>
+    <p:extLst>
+      <p:ext uri="{BB962C8B-B14F-4D97-AF65-F5344CB8AC3E}">
+        <p14:creationId xmlns:p14="http://schemas.microsoft.com/office/powerpoint/2010/main" val="4281950776"/>
+      </p:ext>
+    </p:extLst>
+  </p:cSld>
+  <p:clrMapOvr>
+    <a:masterClrMapping/>
+  </p:clrMapOvr>
+</p:notes>
+</file>
+
+<file path=ppt/notesSlides/notesSlide8.xml><?xml version="1.0" encoding="utf-8"?>
+<p:notes xmlns:a="http://schemas.openxmlformats.org/drawingml/2006/main" xmlns:r="http://schemas.openxmlformats.org/officeDocument/2006/relationships" xmlns:p="http://schemas.openxmlformats.org/presentationml/2006/main">
+  <p:cSld>
+    <p:spTree>
+      <p:nvGrpSpPr>
+        <p:cNvPr id="1" name=""/>
+        <p:cNvGrpSpPr/>
+        <p:nvPr/>
+      </p:nvGrpSpPr>
+      <p:grpSpPr>
+        <a:xfrm>
+          <a:off x="0" y="0"/>
+          <a:ext cx="0" cy="0"/>
+          <a:chOff x="0" y="0"/>
+          <a:chExt cx="0" cy="0"/>
+        </a:xfrm>
+      </p:grpSpPr>
+      <p:sp>
+        <p:nvSpPr>
+          <p:cNvPr id="2" name="Slide Image Placeholder 1"/>
+          <p:cNvSpPr>
+            <a:spLocks noGrp="1" noRot="1" noChangeAspect="1"/>
+          </p:cNvSpPr>
+          <p:nvPr>
+            <p:ph type="sldImg"/>
+          </p:nvPr>
+        </p:nvSpPr>
+        <p:spPr/>
+      </p:sp>
+      <p:sp>
+        <p:nvSpPr>
+          <p:cNvPr id="3" name="Notes Placeholder 2"/>
+          <p:cNvSpPr>
+            <a:spLocks noGrp="1"/>
+          </p:cNvSpPr>
+          <p:nvPr>
+            <p:ph type="body" idx="1"/>
+          </p:nvPr>
+        </p:nvSpPr>
+        <p:spPr/>
+        <p:txBody>
+          <a:bodyPr/>
+          <a:lstStyle/>
+          <a:p>
+            <a:r>
+              <a:rPr lang="en-US" dirty="0" smtClean="0"/>
+              <a:t>Having the ability</a:t>
+            </a:r>
+            <a:r>
+              <a:rPr lang="en-US" baseline="0" dirty="0" smtClean="0"/>
+              <a:t> to validate an observable is great, but there will be cases when you only want to validate the observable under certain conditions.  When using the knockout validation library this is easily supported by using the </a:t>
+            </a:r>
+            <a:r>
+              <a:rPr lang="en-US" baseline="0" dirty="0" err="1" smtClean="0"/>
+              <a:t>OnlyIf</a:t>
+            </a:r>
+            <a:r>
+              <a:rPr lang="en-US" baseline="0" dirty="0" smtClean="0"/>
+              <a:t> parameter in our </a:t>
+            </a:r>
+            <a:r>
+              <a:rPr lang="en-US" baseline="0" dirty="0" err="1" smtClean="0"/>
+              <a:t>validatores</a:t>
+            </a:r>
+            <a:r>
+              <a:rPr lang="en-US" baseline="0" dirty="0" smtClean="0"/>
+              <a:t>.</a:t>
+            </a:r>
+          </a:p>
+          <a:p>
+            <a:endParaRPr lang="en-US" sz="1200" kern="1200" baseline="0" dirty="0" smtClean="0">
+              <a:solidFill>
+                <a:schemeClr val="tx1"/>
+              </a:solidFill>
+              <a:effectLst/>
+              <a:latin typeface="+mn-lt"/>
+              <a:ea typeface="+mn-ea"/>
+              <a:cs typeface="+mn-cs"/>
+            </a:endParaRPr>
+          </a:p>
+          <a:p>
+            <a:r>
+              <a:rPr lang="en-US" sz="1200" kern="1200" baseline="0" dirty="0" smtClean="0">
+                <a:solidFill>
+                  <a:schemeClr val="tx1"/>
+                </a:solidFill>
+                <a:effectLst/>
+                <a:latin typeface="+mn-lt"/>
+                <a:ea typeface="+mn-ea"/>
+                <a:cs typeface="+mn-cs"/>
+              </a:rPr>
+              <a:t>The </a:t>
+            </a:r>
+            <a:r>
+              <a:rPr lang="en-US" sz="1200" kern="1200" baseline="0" dirty="0" err="1" smtClean="0">
+                <a:solidFill>
+                  <a:schemeClr val="tx1"/>
+                </a:solidFill>
+                <a:effectLst/>
+                <a:latin typeface="+mn-lt"/>
+                <a:ea typeface="+mn-ea"/>
+                <a:cs typeface="+mn-cs"/>
+              </a:rPr>
+              <a:t>onlyIf</a:t>
+            </a:r>
+            <a:r>
+              <a:rPr lang="en-US" sz="1200" kern="1200" baseline="0" dirty="0" smtClean="0">
+                <a:solidFill>
+                  <a:schemeClr val="tx1"/>
+                </a:solidFill>
+                <a:effectLst/>
+                <a:latin typeface="+mn-lt"/>
+                <a:ea typeface="+mn-ea"/>
+                <a:cs typeface="+mn-cs"/>
+              </a:rPr>
+              <a:t> parameter will allow you to provide a method to be evaluated in order to determine if the validator should be used.  If the results of this method is true the validator will be applied and if it is false it will not be applied</a:t>
+            </a:r>
+            <a:endParaRPr lang="en-US" sz="1200" kern="1200" dirty="0" smtClean="0">
+              <a:solidFill>
+                <a:schemeClr val="tx1"/>
+              </a:solidFill>
+              <a:effectLst/>
+              <a:latin typeface="+mn-lt"/>
+              <a:ea typeface="+mn-ea"/>
+              <a:cs typeface="+mn-cs"/>
+            </a:endParaRPr>
+          </a:p>
+          <a:p>
+            <a:r>
+              <a:rPr lang="en-US" sz="1200" kern="1200" dirty="0" smtClean="0">
+                <a:solidFill>
+                  <a:schemeClr val="tx1"/>
+                </a:solidFill>
+                <a:effectLst/>
+                <a:latin typeface="+mn-lt"/>
+                <a:ea typeface="+mn-ea"/>
+                <a:cs typeface="+mn-cs"/>
+              </a:rPr>
+              <a:t> </a:t>
+            </a:r>
+          </a:p>
+          <a:p>
+            <a:endParaRPr lang="en-US" dirty="0"/>
+          </a:p>
+        </p:txBody>
+      </p:sp>
+      <p:sp>
+        <p:nvSpPr>
+          <p:cNvPr id="4" name="Slide Number Placeholder 3"/>
+          <p:cNvSpPr>
+            <a:spLocks noGrp="1"/>
+          </p:cNvSpPr>
+          <p:nvPr>
+            <p:ph type="sldNum" sz="quarter" idx="10"/>
+          </p:nvPr>
+        </p:nvSpPr>
+        <p:spPr/>
+        <p:txBody>
+          <a:bodyPr/>
+          <a:lstStyle/>
+          <a:p>
+            <a:fld id="{494C1AC2-DE0A-42B5-890B-DD93F8E37577}" type="slidenum">
+              <a:rPr lang="en-US" smtClean="0"/>
+              <a:t>11</a:t>
+            </a:fld>
+            <a:endParaRPr lang="en-US"/>
+          </a:p>
+        </p:txBody>
+      </p:sp>
+    </p:spTree>
+    <p:extLst>
+      <p:ext uri="{BB962C8B-B14F-4D97-AF65-F5344CB8AC3E}">
+        <p14:creationId xmlns:p14="http://schemas.microsoft.com/office/powerpoint/2010/main" val="1194814148"/>
+      </p:ext>
+    </p:extLst>
+  </p:cSld>
+  <p:clrMapOvr>
+    <a:masterClrMapping/>
+  </p:clrMapOvr>
+</p:notes>
+</file>
+
+<file path=ppt/notesSlides/notesSlide9.xml><?xml version="1.0" encoding="utf-8"?>
+<p:notes xmlns:a="http://schemas.openxmlformats.org/drawingml/2006/main" xmlns:r="http://schemas.openxmlformats.org/officeDocument/2006/relationships" xmlns:p="http://schemas.openxmlformats.org/presentationml/2006/main">
+  <p:cSld>
+    <p:spTree>
+      <p:nvGrpSpPr>
+        <p:cNvPr id="1" name=""/>
+        <p:cNvGrpSpPr/>
+        <p:nvPr/>
+      </p:nvGrpSpPr>
+      <p:grpSpPr>
+        <a:xfrm>
+          <a:off x="0" y="0"/>
+          <a:ext cx="0" cy="0"/>
+          <a:chOff x="0" y="0"/>
+          <a:chExt cx="0" cy="0"/>
+        </a:xfrm>
+      </p:grpSpPr>
+      <p:sp>
+        <p:nvSpPr>
+          <p:cNvPr id="2" name="Slide Image Placeholder 1"/>
+          <p:cNvSpPr>
+            <a:spLocks noGrp="1" noRot="1" noChangeAspect="1"/>
+          </p:cNvSpPr>
+          <p:nvPr>
+            <p:ph type="sldImg"/>
+          </p:nvPr>
+        </p:nvSpPr>
+        <p:spPr/>
+      </p:sp>
+      <p:sp>
+        <p:nvSpPr>
+          <p:cNvPr id="3" name="Notes Placeholder 2"/>
+          <p:cNvSpPr>
+            <a:spLocks noGrp="1"/>
+          </p:cNvSpPr>
+          <p:nvPr>
+            <p:ph type="body" idx="1"/>
+          </p:nvPr>
+        </p:nvSpPr>
+        <p:spPr/>
+        <p:txBody>
+          <a:bodyPr/>
+          <a:lstStyle/>
+          <a:p>
+            <a:r>
+              <a:rPr lang="en-US" dirty="0" smtClean="0"/>
+              <a:t>Adding the ability</a:t>
+            </a:r>
+            <a:r>
+              <a:rPr lang="en-US" baseline="0" dirty="0" smtClean="0"/>
+              <a:t> to make a validator conditional means we need to start off w/ our typical validator binding logic as seen here</a:t>
+            </a:r>
+          </a:p>
+          <a:p>
+            <a:endParaRPr lang="en-US" baseline="0" dirty="0" smtClean="0"/>
+          </a:p>
+          <a:p>
+            <a:r>
+              <a:rPr lang="en-US" baseline="0" dirty="0" smtClean="0"/>
+              <a:t>[show animation]</a:t>
+            </a:r>
+          </a:p>
+          <a:p>
+            <a:endParaRPr lang="en-US" baseline="0" dirty="0" smtClean="0"/>
+          </a:p>
+          <a:p>
+            <a:r>
+              <a:rPr lang="en-US" baseline="0" dirty="0" smtClean="0"/>
+              <a:t>The next thing we need to do is add the </a:t>
+            </a:r>
+            <a:r>
+              <a:rPr lang="en-US" baseline="0" dirty="0" err="1" smtClean="0"/>
+              <a:t>onlyIf</a:t>
+            </a:r>
+            <a:r>
+              <a:rPr lang="en-US" baseline="0" dirty="0" smtClean="0"/>
+              <a:t> parameter.  This is the parameter needed in order to make a validator conditional.  I will warn you that for this to work make sure you have the casing of the parameter correct otherwise it will </a:t>
+            </a:r>
+            <a:r>
+              <a:rPr lang="en-US" baseline="0" dirty="0" err="1" smtClean="0"/>
+              <a:t>nt</a:t>
+            </a:r>
+            <a:r>
+              <a:rPr lang="en-US" baseline="0" dirty="0" smtClean="0"/>
+              <a:t> work and no errors will be provided.</a:t>
+            </a:r>
+          </a:p>
+          <a:p>
+            <a:endParaRPr lang="en-US" baseline="0" dirty="0" smtClean="0"/>
+          </a:p>
+          <a:p>
+            <a:r>
+              <a:rPr lang="en-US" baseline="0" dirty="0" smtClean="0"/>
+              <a:t>[show animation]</a:t>
+            </a:r>
+          </a:p>
+          <a:p>
+            <a:endParaRPr lang="en-US" baseline="0" dirty="0" smtClean="0"/>
+          </a:p>
+          <a:p>
+            <a:r>
+              <a:rPr lang="en-US" baseline="0" dirty="0" smtClean="0"/>
+              <a:t>Once we have our </a:t>
+            </a:r>
+            <a:r>
+              <a:rPr lang="en-US" baseline="0" dirty="0" err="1" smtClean="0"/>
+              <a:t>onlyIf</a:t>
+            </a:r>
+            <a:r>
+              <a:rPr lang="en-US" baseline="0" dirty="0" smtClean="0"/>
+              <a:t> parameter declared we need to create some method which performs an evaluation and returns either true or false.  The resulting value from this method will be used to determine if the validator will be used or not.  It is important to note that you will want to reference another observable in your method in order to have this expression evaluated when other values are updated.</a:t>
+            </a:r>
+            <a:endParaRPr lang="en-US" dirty="0" smtClean="0"/>
+          </a:p>
+        </p:txBody>
+      </p:sp>
+      <p:sp>
+        <p:nvSpPr>
+          <p:cNvPr id="4" name="Slide Number Placeholder 3"/>
+          <p:cNvSpPr>
+            <a:spLocks noGrp="1"/>
+          </p:cNvSpPr>
+          <p:nvPr>
+            <p:ph type="sldNum" sz="quarter" idx="10"/>
+          </p:nvPr>
+        </p:nvSpPr>
+        <p:spPr/>
+        <p:txBody>
+          <a:bodyPr/>
+          <a:lstStyle/>
+          <a:p>
+            <a:fld id="{494C1AC2-DE0A-42B5-890B-DD93F8E37577}" type="slidenum">
+              <a:rPr lang="en-US" smtClean="0">
+                <a:solidFill>
+                  <a:prstClr val="black"/>
+                </a:solidFill>
+              </a:rPr>
+              <a:pPr/>
+              <a:t>12</a:t>
+            </a:fld>
+            <a:endParaRPr lang="en-US">
+              <a:solidFill>
+                <a:prstClr val="black"/>
+              </a:solidFill>
+            </a:endParaRPr>
+          </a:p>
+        </p:txBody>
+      </p:sp>
+    </p:spTree>
+    <p:extLst>
+      <p:ext uri="{BB962C8B-B14F-4D97-AF65-F5344CB8AC3E}">
+        <p14:creationId xmlns:p14="http://schemas.microsoft.com/office/powerpoint/2010/main" val="192339818"/>
       </p:ext>
     </p:extLst>
   </p:cSld>
@@ -3277,8 +4593,13 @@
           <a:p>
             <a:r>
               <a:rPr lang="en-US" dirty="0" smtClean="0"/>
-              <a:t>Module 2: Basic Validation</a:t>
-            </a:r>
+              <a:t>Module </a:t>
+            </a:r>
+            <a:r>
+              <a:rPr lang="en-US" dirty="0" smtClean="0"/>
+              <a:t>3: Advanced Validation</a:t>
+            </a:r>
+            <a:endParaRPr lang="en-US" dirty="0" smtClean="0"/>
           </a:p>
           <a:p>
             <a:endParaRPr lang="en-US" dirty="0" smtClean="0"/>
@@ -3469,7 +4790,93 @@
 </p:sld>
 </file>
 
-<file path=ppt/slides/slide2.xml><?xml version="1.0" encoding="utf-8"?>
+<file path=ppt/slides/slide10.xml><?xml version="1.0" encoding="utf-8"?>
+<p:sld xmlns:a="http://schemas.openxmlformats.org/drawingml/2006/main" xmlns:r="http://schemas.openxmlformats.org/officeDocument/2006/relationships" xmlns:p="http://schemas.openxmlformats.org/presentationml/2006/main">
+  <p:cSld>
+    <p:bg>
+      <p:bgPr>
+        <a:solidFill>
+          <a:schemeClr val="accent6"/>
+        </a:solidFill>
+        <a:effectLst/>
+      </p:bgPr>
+    </p:bg>
+    <p:spTree>
+      <p:nvGrpSpPr>
+        <p:cNvPr id="1" name=""/>
+        <p:cNvGrpSpPr/>
+        <p:nvPr/>
+      </p:nvGrpSpPr>
+      <p:grpSpPr>
+        <a:xfrm>
+          <a:off x="0" y="0"/>
+          <a:ext cx="0" cy="0"/>
+          <a:chOff x="0" y="0"/>
+          <a:chExt cx="0" cy="0"/>
+        </a:xfrm>
+      </p:grpSpPr>
+      <p:sp>
+        <p:nvSpPr>
+          <p:cNvPr id="2" name="Title 1"/>
+          <p:cNvSpPr>
+            <a:spLocks noGrp="1"/>
+          </p:cNvSpPr>
+          <p:nvPr>
+            <p:ph type="title"/>
+          </p:nvPr>
+        </p:nvSpPr>
+        <p:spPr/>
+        <p:txBody>
+          <a:bodyPr/>
+          <a:lstStyle/>
+          <a:p>
+            <a:endParaRPr lang="en-US"/>
+          </a:p>
+        </p:txBody>
+      </p:sp>
+      <p:sp>
+        <p:nvSpPr>
+          <p:cNvPr id="3" name="Text Placeholder 2"/>
+          <p:cNvSpPr>
+            <a:spLocks noGrp="1"/>
+          </p:cNvSpPr>
+          <p:nvPr>
+            <p:ph type="body" idx="1"/>
+          </p:nvPr>
+        </p:nvSpPr>
+        <p:spPr/>
+        <p:txBody>
+          <a:bodyPr/>
+          <a:lstStyle/>
+          <a:p>
+            <a:endParaRPr lang="en-US"/>
+          </a:p>
+        </p:txBody>
+      </p:sp>
+    </p:spTree>
+    <p:extLst>
+      <p:ext uri="{BB962C8B-B14F-4D97-AF65-F5344CB8AC3E}">
+        <p14:creationId xmlns:p14="http://schemas.microsoft.com/office/powerpoint/2010/main" val="3372198076"/>
+      </p:ext>
+    </p:extLst>
+  </p:cSld>
+  <p:clrMapOvr>
+    <a:masterClrMapping/>
+  </p:clrMapOvr>
+  <p:transition>
+    <p:fade/>
+  </p:transition>
+  <p:timing>
+    <p:tnLst>
+      <p:par>
+        <p:cTn id="1" dur="indefinite" restart="never" nodeType="tmRoot"/>
+      </p:par>
+    </p:tnLst>
+  </p:timing>
+</p:sld>
+</file>
+
+<file path=ppt/slides/slide11.xml><?xml version="1.0" encoding="utf-8"?>
 <p:sld xmlns:a="http://schemas.openxmlformats.org/drawingml/2006/main" xmlns:r="http://schemas.openxmlformats.org/officeDocument/2006/relationships" xmlns:p="http://schemas.openxmlformats.org/presentationml/2006/main">
   <p:cSld>
     <p:spTree>
@@ -3526,14 +4933,21 @@
           <a:p>
             <a:r>
               <a:rPr lang="en-US" dirty="0" smtClean="0"/>
-              <a:t>Validating your first observable</a:t>
+              <a:t>Creating Custom Validation Rules</a:t>
             </a:r>
           </a:p>
           <a:p>
             <a:pPr lvl="1"/>
             <a:r>
               <a:rPr lang="en-US" dirty="0" smtClean="0"/>
-              <a:t>Using Required Validator</a:t>
+              <a:t>Creating global or shared rules</a:t>
+            </a:r>
+          </a:p>
+          <a:p>
+            <a:pPr lvl="1"/>
+            <a:r>
+              <a:rPr lang="en-US" dirty="0" smtClean="0"/>
+              <a:t>Creating inline or anonymous rules</a:t>
             </a:r>
           </a:p>
           <a:p>
@@ -3543,44 +4957,2166 @@
           <a:p>
             <a:r>
               <a:rPr lang="en-US" dirty="0" smtClean="0"/>
-              <a:t>Working with Built In Validators</a:t>
+              <a:t>Validating Computed </a:t>
+            </a:r>
+            <a:r>
+              <a:rPr lang="en-US" dirty="0" smtClean="0"/>
+              <a:t>Observables</a:t>
             </a:r>
           </a:p>
           <a:p>
             <a:pPr lvl="1"/>
             <a:r>
               <a:rPr lang="en-US" dirty="0" smtClean="0"/>
-              <a:t>Using Min/Max Validators</a:t>
-            </a:r>
+              <a:t>Create the required validator</a:t>
+            </a:r>
+            <a:endParaRPr lang="en-US" dirty="0"/>
           </a:p>
           <a:p>
             <a:pPr lvl="1"/>
             <a:r>
               <a:rPr lang="en-US" dirty="0" smtClean="0"/>
-              <a:t>Using Equal/Not Equal Validators</a:t>
-            </a:r>
-          </a:p>
-          <a:p>
-            <a:pPr lvl="1"/>
+              <a:t>Register and Attach to the Computed</a:t>
+            </a:r>
+            <a:endParaRPr lang="en-US" dirty="0" smtClean="0"/>
+          </a:p>
+          <a:p>
+            <a:endParaRPr lang="en-US" dirty="0" smtClean="0"/>
+          </a:p>
+          <a:p>
+            <a:r>
+              <a:rPr lang="en-US" dirty="0" smtClean="0">
+                <a:solidFill>
+                  <a:schemeClr val="accent6"/>
+                </a:solidFill>
+              </a:rPr>
+              <a:t>Performing Conditional </a:t>
+            </a:r>
+            <a:r>
+              <a:rPr lang="en-US" dirty="0" smtClean="0">
+                <a:solidFill>
+                  <a:schemeClr val="accent6"/>
+                </a:solidFill>
+              </a:rPr>
+              <a:t>Validations</a:t>
+            </a:r>
+          </a:p>
+          <a:p>
+            <a:endParaRPr lang="en-US" dirty="0" smtClean="0"/>
+          </a:p>
+          <a:p>
             <a:r>
               <a:rPr lang="en-US" dirty="0" smtClean="0"/>
-              <a:t>Using Min/Max Length Validators</a:t>
-            </a:r>
-          </a:p>
-          <a:p>
-            <a:pPr lvl="1"/>
-            <a:r>
-              <a:rPr lang="en-US" dirty="0" smtClean="0"/>
-              <a:t>Using Pattern (aka Regular Expression) Validator</a:t>
-            </a:r>
-            <a:endParaRPr lang="en-US" dirty="0"/>
+              <a:t>Using HTML5 Validation Attributes</a:t>
+            </a:r>
           </a:p>
         </p:txBody>
       </p:sp>
     </p:spTree>
     <p:extLst>
       <p:ext uri="{BB962C8B-B14F-4D97-AF65-F5344CB8AC3E}">
-        <p14:creationId xmlns:p14="http://schemas.microsoft.com/office/powerpoint/2010/main" val="2460144442"/>
+        <p14:creationId xmlns:p14="http://schemas.microsoft.com/office/powerpoint/2010/main" val="933906222"/>
+      </p:ext>
+    </p:extLst>
+  </p:cSld>
+  <p:clrMapOvr>
+    <a:masterClrMapping/>
+  </p:clrMapOvr>
+  <p:transition>
+    <p:fade/>
+  </p:transition>
+  <p:timing>
+    <p:tnLst>
+      <p:par>
+        <p:cTn id="1" dur="indefinite" restart="never" nodeType="tmRoot"/>
+      </p:par>
+    </p:tnLst>
+  </p:timing>
+</p:sld>
+</file>
+
+<file path=ppt/slides/slide12.xml><?xml version="1.0" encoding="utf-8"?>
+<p:sld xmlns:a="http://schemas.openxmlformats.org/drawingml/2006/main" xmlns:r="http://schemas.openxmlformats.org/officeDocument/2006/relationships" xmlns:p="http://schemas.openxmlformats.org/presentationml/2006/main">
+  <p:cSld>
+    <p:spTree>
+      <p:nvGrpSpPr>
+        <p:cNvPr id="1" name=""/>
+        <p:cNvGrpSpPr/>
+        <p:nvPr/>
+      </p:nvGrpSpPr>
+      <p:grpSpPr>
+        <a:xfrm>
+          <a:off x="0" y="0"/>
+          <a:ext cx="0" cy="0"/>
+          <a:chOff x="0" y="0"/>
+          <a:chExt cx="0" cy="0"/>
+        </a:xfrm>
+      </p:grpSpPr>
+      <p:sp>
+        <p:nvSpPr>
+          <p:cNvPr id="2" name="Title 1"/>
+          <p:cNvSpPr>
+            <a:spLocks noGrp="1"/>
+          </p:cNvSpPr>
+          <p:nvPr>
+            <p:ph type="title"/>
+          </p:nvPr>
+        </p:nvSpPr>
+        <p:spPr/>
+        <p:txBody>
+          <a:bodyPr/>
+          <a:lstStyle/>
+          <a:p>
+            <a:r>
+              <a:rPr lang="en-US" dirty="0" smtClean="0"/>
+              <a:t>Conditional Validation</a:t>
+            </a:r>
+            <a:endParaRPr lang="en-US" dirty="0"/>
+          </a:p>
+        </p:txBody>
+      </p:sp>
+      <p:sp>
+        <p:nvSpPr>
+          <p:cNvPr id="3" name="Text Placeholder 2"/>
+          <p:cNvSpPr>
+            <a:spLocks noGrp="1"/>
+          </p:cNvSpPr>
+          <p:nvPr>
+            <p:ph type="body" idx="1"/>
+          </p:nvPr>
+        </p:nvSpPr>
+        <p:spPr>
+          <a:xfrm>
+            <a:off x="457200" y="1371600"/>
+            <a:ext cx="8229600" cy="483577"/>
+          </a:xfrm>
+        </p:spPr>
+        <p:txBody>
+          <a:bodyPr/>
+          <a:lstStyle/>
+          <a:p>
+            <a:pPr marL="0" indent="0">
+              <a:buNone/>
+            </a:pPr>
+            <a:r>
+              <a:rPr lang="en-US" dirty="0" smtClean="0"/>
+              <a:t>Implementing the Validator</a:t>
+            </a:r>
+            <a:endParaRPr lang="en-US" dirty="0"/>
+          </a:p>
+        </p:txBody>
+      </p:sp>
+      <p:sp>
+        <p:nvSpPr>
+          <p:cNvPr id="17" name="Right Triangle 16"/>
+          <p:cNvSpPr/>
+          <p:nvPr/>
+        </p:nvSpPr>
+        <p:spPr bwMode="auto">
+          <a:xfrm rot="10800000">
+            <a:off x="7772400" y="-1"/>
+            <a:ext cx="1371600" cy="1295400"/>
+          </a:xfrm>
+          <a:prstGeom prst="rtTriangle">
+            <a:avLst/>
+          </a:prstGeom>
+          <a:gradFill flip="none" rotWithShape="1">
+            <a:gsLst>
+              <a:gs pos="0">
+                <a:schemeClr val="accent6">
+                  <a:lumMod val="67000"/>
+                </a:schemeClr>
+              </a:gs>
+              <a:gs pos="48000">
+                <a:schemeClr val="accent6">
+                  <a:lumMod val="97000"/>
+                  <a:lumOff val="3000"/>
+                </a:schemeClr>
+              </a:gs>
+              <a:gs pos="100000">
+                <a:schemeClr val="accent6">
+                  <a:lumMod val="60000"/>
+                  <a:lumOff val="40000"/>
+                </a:schemeClr>
+              </a:gs>
+            </a:gsLst>
+            <a:lin ang="18000000" scaled="0"/>
+            <a:tileRect/>
+          </a:gradFill>
+          <a:ln w="9525" algn="ctr">
+            <a:noFill/>
+            <a:miter lim="800000"/>
+            <a:headEnd/>
+            <a:tailEnd/>
+          </a:ln>
+          <a:effectLst>
+            <a:outerShdw blurRad="50800" dist="38100" dir="2700000" algn="tl" rotWithShape="0">
+              <a:prstClr val="black">
+                <a:alpha val="40000"/>
+              </a:prstClr>
+            </a:outerShdw>
+          </a:effectLst>
+        </p:spPr>
+        <p:txBody>
+          <a:bodyPr wrap="none" rtlCol="0" anchor="ctr"/>
+          <a:lstStyle/>
+          <a:p>
+            <a:pPr algn="ctr"/>
+            <a:endParaRPr lang="en-US" sz="2000" dirty="0">
+              <a:solidFill>
+                <a:prstClr val="black"/>
+              </a:solidFill>
+              <a:latin typeface="Tekton Pro" pitchFamily="34" charset="0"/>
+            </a:endParaRPr>
+          </a:p>
+        </p:txBody>
+      </p:sp>
+      <p:sp>
+        <p:nvSpPr>
+          <p:cNvPr id="18" name="TextBox 17"/>
+          <p:cNvSpPr txBox="1"/>
+          <p:nvPr/>
+        </p:nvSpPr>
+        <p:spPr bwMode="auto">
+          <a:xfrm rot="2620387">
+            <a:off x="7653438" y="361299"/>
+            <a:ext cx="1888309" cy="338554"/>
+          </a:xfrm>
+          <a:prstGeom prst="rect">
+            <a:avLst/>
+          </a:prstGeom>
+          <a:noFill/>
+          <a:ln w="9525">
+            <a:noFill/>
+            <a:miter lim="800000"/>
+            <a:headEnd/>
+            <a:tailEnd/>
+          </a:ln>
+        </p:spPr>
+        <p:txBody>
+          <a:bodyPr wrap="square" rtlCol="0">
+            <a:spAutoFit/>
+          </a:bodyPr>
+          <a:lstStyle/>
+          <a:p>
+            <a:pPr algn="ctr"/>
+            <a:r>
+              <a:rPr lang="en-US" sz="1600" dirty="0" smtClean="0">
+                <a:solidFill>
+                  <a:prstClr val="white"/>
+                </a:solidFill>
+                <a:latin typeface="Myriad Pro"/>
+              </a:rPr>
+              <a:t>Coding</a:t>
+            </a:r>
+            <a:endParaRPr lang="en-US" sz="1600" dirty="0">
+              <a:solidFill>
+                <a:prstClr val="white"/>
+              </a:solidFill>
+              <a:latin typeface="Myriad Pro"/>
+            </a:endParaRPr>
+          </a:p>
+        </p:txBody>
+      </p:sp>
+      <p:pic>
+        <p:nvPicPr>
+          <p:cNvPr id="4" name="Picture 3"/>
+          <p:cNvPicPr>
+            <a:picLocks noChangeAspect="1"/>
+          </p:cNvPicPr>
+          <p:nvPr/>
+        </p:nvPicPr>
+        <p:blipFill>
+          <a:blip r:embed="rId3"/>
+          <a:stretch>
+            <a:fillRect/>
+          </a:stretch>
+        </p:blipFill>
+        <p:spPr>
+          <a:xfrm>
+            <a:off x="752475" y="1931377"/>
+            <a:ext cx="7019925" cy="1638300"/>
+          </a:xfrm>
+          <a:prstGeom prst="rect">
+            <a:avLst/>
+          </a:prstGeom>
+        </p:spPr>
+      </p:pic>
+      <p:sp>
+        <p:nvSpPr>
+          <p:cNvPr id="15" name="Right Brace 14"/>
+          <p:cNvSpPr/>
+          <p:nvPr/>
+        </p:nvSpPr>
+        <p:spPr bwMode="auto">
+          <a:xfrm>
+            <a:off x="7234238" y="2054862"/>
+            <a:ext cx="538162" cy="1136495"/>
+          </a:xfrm>
+          <a:prstGeom prst="rightBrace">
+            <a:avLst/>
+          </a:prstGeom>
+          <a:ln>
+            <a:headEnd type="none" w="med" len="med"/>
+            <a:tailEnd type="none" w="med" len="med"/>
+          </a:ln>
+        </p:spPr>
+        <p:style>
+          <a:lnRef idx="3">
+            <a:schemeClr val="accent1"/>
+          </a:lnRef>
+          <a:fillRef idx="0">
+            <a:schemeClr val="accent1"/>
+          </a:fillRef>
+          <a:effectRef idx="2">
+            <a:schemeClr val="accent1"/>
+          </a:effectRef>
+          <a:fontRef idx="minor">
+            <a:schemeClr val="tx1"/>
+          </a:fontRef>
+        </p:style>
+        <p:txBody>
+          <a:bodyPr vert="horz" wrap="none" lIns="91440" tIns="45720" rIns="91440" bIns="45720" rtlCol="0" anchor="ctr" compatLnSpc="1"/>
+          <a:lstStyle/>
+          <a:p>
+            <a:pPr marL="0" marR="0" indent="0" algn="ctr" defTabSz="914400" rtl="0" eaLnBrk="0" fontAlgn="base" latinLnBrk="0" hangingPunct="0">
+              <a:lnSpc>
+                <a:spcPct val="100000"/>
+              </a:lnSpc>
+              <a:spcBef>
+                <a:spcPct val="0"/>
+              </a:spcBef>
+              <a:spcAft>
+                <a:spcPct val="0"/>
+              </a:spcAft>
+              <a:buNone/>
+              <a:tabLst/>
+            </a:pPr>
+            <a:endParaRPr kumimoji="0" lang="en-US" sz="1600" b="1" i="0" u="none" strike="noStrike" baseline="0">
+              <a:solidFill>
+                <a:schemeClr val="tx1">
+                  <a:alpha val="100000"/>
+                </a:schemeClr>
+              </a:solidFill>
+              <a:effectLst/>
+              <a:latin typeface="Arial"/>
+            </a:endParaRPr>
+          </a:p>
+        </p:txBody>
+      </p:sp>
+      <p:sp>
+        <p:nvSpPr>
+          <p:cNvPr id="19" name="Text Placeholder 2"/>
+          <p:cNvSpPr txBox="1">
+            <a:spLocks/>
+          </p:cNvSpPr>
+          <p:nvPr/>
+        </p:nvSpPr>
+        <p:spPr bwMode="auto">
+          <a:xfrm>
+            <a:off x="7946280" y="2258591"/>
+            <a:ext cx="1302623" cy="729036"/>
+          </a:xfrm>
+          <a:prstGeom prst="rect">
+            <a:avLst/>
+          </a:prstGeom>
+          <a:noFill/>
+          <a:ln w="9525">
+            <a:noFill/>
+            <a:miter lim="800000"/>
+            <a:headEnd/>
+            <a:tailEnd/>
+          </a:ln>
+        </p:spPr>
+        <p:txBody>
+          <a:bodyPr vert="horz" wrap="square" lIns="91440" tIns="45720" rIns="91440" bIns="45720" numCol="1" rtlCol="0" anchor="t" anchorCtr="0" compatLnSpc="1">
+            <a:prstTxWarp prst="textNoShape">
+              <a:avLst/>
+            </a:prstTxWarp>
+          </a:bodyPr>
+          <a:lstStyle>
+            <a:lvl1pPr marL="342900" indent="-342900" algn="l" defTabSz="-13873163" rtl="0" eaLnBrk="1" fontAlgn="base" hangingPunct="1">
+              <a:spcBef>
+                <a:spcPct val="20000"/>
+              </a:spcBef>
+              <a:spcAft>
+                <a:spcPct val="0"/>
+              </a:spcAft>
+              <a:buClrTx/>
+              <a:buFont typeface="Wingdings" pitchFamily="2" charset="2"/>
+              <a:buChar char="§"/>
+              <a:defRPr sz="2000" b="1">
+                <a:solidFill>
+                  <a:schemeClr val="tx1"/>
+                </a:solidFill>
+                <a:latin typeface="Myriad Pro Light" pitchFamily="34" charset="0"/>
+                <a:ea typeface="+mn-ea"/>
+                <a:cs typeface="Segoe UI" pitchFamily="34" charset="0"/>
+              </a:defRPr>
+            </a:lvl1pPr>
+            <a:lvl2pPr marL="742950" indent="-285750" algn="l" defTabSz="-13873163" rtl="0" eaLnBrk="1" fontAlgn="base" hangingPunct="1">
+              <a:spcBef>
+                <a:spcPct val="20000"/>
+              </a:spcBef>
+              <a:spcAft>
+                <a:spcPct val="0"/>
+              </a:spcAft>
+              <a:buClrTx/>
+              <a:buSzPct val="50000"/>
+              <a:buFont typeface="Wingdings" pitchFamily="2" charset="2"/>
+              <a:buChar char="o"/>
+              <a:defRPr sz="1800" b="0">
+                <a:solidFill>
+                  <a:schemeClr val="tx1"/>
+                </a:solidFill>
+                <a:latin typeface="Myriad Pro" pitchFamily="34" charset="0"/>
+                <a:cs typeface="Segoe UI" pitchFamily="34" charset="0"/>
+              </a:defRPr>
+            </a:lvl2pPr>
+            <a:lvl3pPr marL="1143000" indent="-228600" algn="l" defTabSz="-13873163" rtl="0" eaLnBrk="1" fontAlgn="base" hangingPunct="1">
+              <a:spcBef>
+                <a:spcPct val="20000"/>
+              </a:spcBef>
+              <a:spcAft>
+                <a:spcPct val="0"/>
+              </a:spcAft>
+              <a:buClrTx/>
+              <a:buSzPct val="50000"/>
+              <a:buFont typeface="Wingdings" pitchFamily="2" charset="2"/>
+              <a:buChar char="o"/>
+              <a:defRPr sz="1600" b="0">
+                <a:solidFill>
+                  <a:schemeClr val="tx1"/>
+                </a:solidFill>
+                <a:latin typeface="Myriad Pro" pitchFamily="34" charset="0"/>
+                <a:cs typeface="Segoe UI" pitchFamily="34" charset="0"/>
+              </a:defRPr>
+            </a:lvl3pPr>
+            <a:lvl4pPr marL="1600200" indent="-228600" algn="l" defTabSz="-13873163" rtl="0" eaLnBrk="1" fontAlgn="base" hangingPunct="1">
+              <a:spcBef>
+                <a:spcPct val="20000"/>
+              </a:spcBef>
+              <a:spcAft>
+                <a:spcPct val="0"/>
+              </a:spcAft>
+              <a:buClrTx/>
+              <a:buSzPct val="50000"/>
+              <a:buFont typeface="Wingdings" pitchFamily="2" charset="2"/>
+              <a:buChar char="o"/>
+              <a:defRPr sz="1400" b="0">
+                <a:solidFill>
+                  <a:schemeClr val="tx1"/>
+                </a:solidFill>
+                <a:latin typeface="Myriad Pro" pitchFamily="34" charset="0"/>
+                <a:cs typeface="Segoe UI" pitchFamily="34" charset="0"/>
+              </a:defRPr>
+            </a:lvl4pPr>
+            <a:lvl5pPr marL="2057400" indent="-228600" algn="l" defTabSz="-13873163" rtl="0" eaLnBrk="1" fontAlgn="base" hangingPunct="1">
+              <a:spcBef>
+                <a:spcPct val="20000"/>
+              </a:spcBef>
+              <a:spcAft>
+                <a:spcPct val="0"/>
+              </a:spcAft>
+              <a:buClrTx/>
+              <a:buSzPct val="50000"/>
+              <a:buFont typeface="Wingdings" pitchFamily="2" charset="2"/>
+              <a:buChar char="o"/>
+              <a:defRPr sz="1200" b="0">
+                <a:solidFill>
+                  <a:schemeClr val="tx1"/>
+                </a:solidFill>
+                <a:latin typeface="Myriad Pro" pitchFamily="34" charset="0"/>
+                <a:cs typeface="Segoe UI" pitchFamily="34" charset="0"/>
+              </a:defRPr>
+            </a:lvl5pPr>
+            <a:lvl6pPr marL="2514600" indent="-228600" algn="l" eaLnBrk="1" fontAlgn="base" hangingPunct="1">
+              <a:spcBef>
+                <a:spcPct val="20000"/>
+              </a:spcBef>
+              <a:spcAft>
+                <a:spcPct val="0"/>
+              </a:spcAft>
+              <a:buClr>
+                <a:schemeClr val="accent1">
+                  <a:alpha val="100000"/>
+                </a:schemeClr>
+              </a:buClr>
+              <a:buFont typeface="Wingdings"/>
+              <a:buChar char=""/>
+              <a:defRPr sz="1400" b="1">
+                <a:solidFill>
+                  <a:schemeClr val="tx1">
+                    <a:alpha val="100000"/>
+                  </a:schemeClr>
+                </a:solidFill>
+                <a:latin typeface="+mn-lt"/>
+              </a:defRPr>
+            </a:lvl6pPr>
+            <a:lvl7pPr marL="2971800" indent="-228600" algn="l" eaLnBrk="1" fontAlgn="base" hangingPunct="1">
+              <a:spcBef>
+                <a:spcPct val="20000"/>
+              </a:spcBef>
+              <a:spcAft>
+                <a:spcPct val="0"/>
+              </a:spcAft>
+              <a:buClr>
+                <a:schemeClr val="accent1">
+                  <a:alpha val="100000"/>
+                </a:schemeClr>
+              </a:buClr>
+              <a:buFont typeface="Wingdings"/>
+              <a:buChar char=""/>
+              <a:defRPr sz="1400" b="1">
+                <a:solidFill>
+                  <a:schemeClr val="tx1">
+                    <a:alpha val="100000"/>
+                  </a:schemeClr>
+                </a:solidFill>
+                <a:latin typeface="+mn-lt"/>
+              </a:defRPr>
+            </a:lvl7pPr>
+            <a:lvl8pPr marL="3429000" indent="-228600" algn="l" eaLnBrk="1" fontAlgn="base" hangingPunct="1">
+              <a:spcBef>
+                <a:spcPct val="20000"/>
+              </a:spcBef>
+              <a:spcAft>
+                <a:spcPct val="0"/>
+              </a:spcAft>
+              <a:buClr>
+                <a:schemeClr val="accent1">
+                  <a:alpha val="100000"/>
+                </a:schemeClr>
+              </a:buClr>
+              <a:buFont typeface="Wingdings"/>
+              <a:buChar char=""/>
+              <a:defRPr sz="1400" b="1">
+                <a:solidFill>
+                  <a:schemeClr val="tx1">
+                    <a:alpha val="100000"/>
+                  </a:schemeClr>
+                </a:solidFill>
+                <a:latin typeface="+mn-lt"/>
+              </a:defRPr>
+            </a:lvl8pPr>
+            <a:lvl9pPr marL="3886200" indent="-228600" algn="l" eaLnBrk="1" fontAlgn="base" hangingPunct="1">
+              <a:spcBef>
+                <a:spcPct val="20000"/>
+              </a:spcBef>
+              <a:spcAft>
+                <a:spcPct val="0"/>
+              </a:spcAft>
+              <a:buClr>
+                <a:schemeClr val="accent1">
+                  <a:alpha val="100000"/>
+                </a:schemeClr>
+              </a:buClr>
+              <a:buFont typeface="Wingdings"/>
+              <a:buChar char=""/>
+              <a:defRPr sz="1400" b="1">
+                <a:solidFill>
+                  <a:schemeClr val="tx1">
+                    <a:alpha val="100000"/>
+                  </a:schemeClr>
+                </a:solidFill>
+                <a:latin typeface="+mn-lt"/>
+              </a:defRPr>
+            </a:lvl9pPr>
+          </a:lstStyle>
+          <a:p>
+            <a:pPr marL="0" indent="0">
+              <a:buFont typeface="Wingdings" pitchFamily="2" charset="2"/>
+              <a:buNone/>
+            </a:pPr>
+            <a:r>
+              <a:rPr lang="en-US" sz="1400" kern="0" dirty="0" smtClean="0"/>
+              <a:t>Typical validator</a:t>
+            </a:r>
+          </a:p>
+          <a:p>
+            <a:pPr marL="0" indent="0">
+              <a:buFont typeface="Wingdings" pitchFamily="2" charset="2"/>
+              <a:buNone/>
+            </a:pPr>
+            <a:r>
+              <a:rPr lang="en-US" sz="1400" kern="0" dirty="0" smtClean="0"/>
+              <a:t>syntax</a:t>
+            </a:r>
+            <a:endParaRPr lang="en-US" sz="1400" kern="0" dirty="0"/>
+          </a:p>
+        </p:txBody>
+      </p:sp>
+      <p:cxnSp>
+        <p:nvCxnSpPr>
+          <p:cNvPr id="20" name="Straight Connector 19"/>
+          <p:cNvCxnSpPr/>
+          <p:nvPr/>
+        </p:nvCxnSpPr>
+        <p:spPr bwMode="auto">
+          <a:xfrm>
+            <a:off x="1669338" y="2987627"/>
+            <a:ext cx="656500" cy="0"/>
+          </a:xfrm>
+          <a:prstGeom prst="line">
+            <a:avLst/>
+          </a:prstGeom>
+          <a:ln>
+            <a:headEnd type="none" w="med" len="med"/>
+            <a:tailEnd type="none" w="med" len="med"/>
+          </a:ln>
+        </p:spPr>
+        <p:style>
+          <a:lnRef idx="3">
+            <a:schemeClr val="accent1"/>
+          </a:lnRef>
+          <a:fillRef idx="0">
+            <a:schemeClr val="accent1"/>
+          </a:fillRef>
+          <a:effectRef idx="2">
+            <a:schemeClr val="accent1"/>
+          </a:effectRef>
+          <a:fontRef idx="minor">
+            <a:schemeClr val="tx1"/>
+          </a:fontRef>
+        </p:style>
+      </p:cxnSp>
+      <p:cxnSp>
+        <p:nvCxnSpPr>
+          <p:cNvPr id="21" name="Straight Connector 20"/>
+          <p:cNvCxnSpPr/>
+          <p:nvPr/>
+        </p:nvCxnSpPr>
+        <p:spPr bwMode="auto">
+          <a:xfrm>
+            <a:off x="2494535" y="2987627"/>
+            <a:ext cx="4858266" cy="0"/>
+          </a:xfrm>
+          <a:prstGeom prst="line">
+            <a:avLst/>
+          </a:prstGeom>
+          <a:ln>
+            <a:headEnd type="none" w="med" len="med"/>
+            <a:tailEnd type="none" w="med" len="med"/>
+          </a:ln>
+        </p:spPr>
+        <p:style>
+          <a:lnRef idx="3">
+            <a:schemeClr val="accent1"/>
+          </a:lnRef>
+          <a:fillRef idx="0">
+            <a:schemeClr val="accent1"/>
+          </a:fillRef>
+          <a:effectRef idx="2">
+            <a:schemeClr val="accent1"/>
+          </a:effectRef>
+          <a:fontRef idx="minor">
+            <a:schemeClr val="tx1"/>
+          </a:fontRef>
+        </p:style>
+      </p:cxnSp>
+    </p:spTree>
+    <p:extLst>
+      <p:ext uri="{BB962C8B-B14F-4D97-AF65-F5344CB8AC3E}">
+        <p14:creationId xmlns:p14="http://schemas.microsoft.com/office/powerpoint/2010/main" val="3117003355"/>
+      </p:ext>
+    </p:extLst>
+  </p:cSld>
+  <p:clrMapOvr>
+    <a:masterClrMapping/>
+  </p:clrMapOvr>
+  <p:transition>
+    <p:fade/>
+  </p:transition>
+  <p:timing>
+    <p:tnLst>
+      <p:par>
+        <p:cTn id="1" dur="indefinite" restart="never" nodeType="tmRoot">
+          <p:childTnLst>
+            <p:seq concurrent="1" nextAc="seek">
+              <p:cTn id="2" dur="indefinite" nodeType="mainSeq">
+                <p:childTnLst>
+                  <p:par>
+                    <p:cTn id="3" fill="hold">
+                      <p:stCondLst>
+                        <p:cond delay="indefinite"/>
+                        <p:cond evt="onBegin" delay="0">
+                          <p:tn val="2"/>
+                        </p:cond>
+                      </p:stCondLst>
+                      <p:childTnLst>
+                        <p:par>
+                          <p:cTn id="4" fill="hold">
+                            <p:stCondLst>
+                              <p:cond delay="0"/>
+                            </p:stCondLst>
+                            <p:childTnLst>
+                              <p:par>
+                                <p:cTn id="5" presetID="1" presetClass="entr" presetSubtype="0" fill="hold" grpId="0" nodeType="withEffect">
+                                  <p:stCondLst>
+                                    <p:cond delay="0"/>
+                                  </p:stCondLst>
+                                  <p:childTnLst>
+                                    <p:set>
+                                      <p:cBhvr>
+                                        <p:cTn id="6" dur="1" fill="hold">
+                                          <p:stCondLst>
+                                            <p:cond delay="0"/>
+                                          </p:stCondLst>
+                                        </p:cTn>
+                                        <p:tgtEl>
+                                          <p:spTgt spid="3">
+                                            <p:txEl>
+                                              <p:pRg st="0" end="0"/>
+                                            </p:txEl>
+                                          </p:spTgt>
+                                        </p:tgtEl>
+                                        <p:attrNameLst>
+                                          <p:attrName>style.visibility</p:attrName>
+                                        </p:attrNameLst>
+                                      </p:cBhvr>
+                                      <p:to>
+                                        <p:strVal val="visible"/>
+                                      </p:to>
+                                    </p:set>
+                                  </p:childTnLst>
+                                </p:cTn>
+                              </p:par>
+                              <p:par>
+                                <p:cTn id="7" presetID="1" presetClass="entr" presetSubtype="0" fill="hold" nodeType="withEffect">
+                                  <p:stCondLst>
+                                    <p:cond delay="0"/>
+                                  </p:stCondLst>
+                                  <p:childTnLst>
+                                    <p:set>
+                                      <p:cBhvr>
+                                        <p:cTn id="8" dur="1" fill="hold">
+                                          <p:stCondLst>
+                                            <p:cond delay="0"/>
+                                          </p:stCondLst>
+                                        </p:cTn>
+                                        <p:tgtEl>
+                                          <p:spTgt spid="4"/>
+                                        </p:tgtEl>
+                                        <p:attrNameLst>
+                                          <p:attrName>style.visibility</p:attrName>
+                                        </p:attrNameLst>
+                                      </p:cBhvr>
+                                      <p:to>
+                                        <p:strVal val="visible"/>
+                                      </p:to>
+                                    </p:set>
+                                  </p:childTnLst>
+                                </p:cTn>
+                              </p:par>
+                            </p:childTnLst>
+                          </p:cTn>
+                        </p:par>
+                      </p:childTnLst>
+                    </p:cTn>
+                  </p:par>
+                  <p:par>
+                    <p:cTn id="9" fill="hold">
+                      <p:stCondLst>
+                        <p:cond delay="indefinite"/>
+                      </p:stCondLst>
+                      <p:childTnLst>
+                        <p:par>
+                          <p:cTn id="10" fill="hold">
+                            <p:stCondLst>
+                              <p:cond delay="0"/>
+                            </p:stCondLst>
+                            <p:childTnLst>
+                              <p:par>
+                                <p:cTn id="11" presetID="1" presetClass="entr" presetSubtype="0" fill="hold" grpId="0" nodeType="clickEffect">
+                                  <p:stCondLst>
+                                    <p:cond delay="0"/>
+                                  </p:stCondLst>
+                                  <p:childTnLst>
+                                    <p:set>
+                                      <p:cBhvr>
+                                        <p:cTn id="12" dur="1" fill="hold">
+                                          <p:stCondLst>
+                                            <p:cond delay="0"/>
+                                          </p:stCondLst>
+                                        </p:cTn>
+                                        <p:tgtEl>
+                                          <p:spTgt spid="15"/>
+                                        </p:tgtEl>
+                                        <p:attrNameLst>
+                                          <p:attrName>style.visibility</p:attrName>
+                                        </p:attrNameLst>
+                                      </p:cBhvr>
+                                      <p:to>
+                                        <p:strVal val="visible"/>
+                                      </p:to>
+                                    </p:set>
+                                  </p:childTnLst>
+                                </p:cTn>
+                              </p:par>
+                              <p:par>
+                                <p:cTn id="13" presetID="1" presetClass="entr" presetSubtype="0" fill="hold" grpId="0" nodeType="withEffect">
+                                  <p:stCondLst>
+                                    <p:cond delay="0"/>
+                                  </p:stCondLst>
+                                  <p:childTnLst>
+                                    <p:set>
+                                      <p:cBhvr>
+                                        <p:cTn id="14" dur="1" fill="hold">
+                                          <p:stCondLst>
+                                            <p:cond delay="0"/>
+                                          </p:stCondLst>
+                                        </p:cTn>
+                                        <p:tgtEl>
+                                          <p:spTgt spid="19"/>
+                                        </p:tgtEl>
+                                        <p:attrNameLst>
+                                          <p:attrName>style.visibility</p:attrName>
+                                        </p:attrNameLst>
+                                      </p:cBhvr>
+                                      <p:to>
+                                        <p:strVal val="visible"/>
+                                      </p:to>
+                                    </p:set>
+                                  </p:childTnLst>
+                                </p:cTn>
+                              </p:par>
+                            </p:childTnLst>
+                          </p:cTn>
+                        </p:par>
+                      </p:childTnLst>
+                    </p:cTn>
+                  </p:par>
+                  <p:par>
+                    <p:cTn id="15" fill="hold">
+                      <p:stCondLst>
+                        <p:cond delay="indefinite"/>
+                      </p:stCondLst>
+                      <p:childTnLst>
+                        <p:par>
+                          <p:cTn id="16" fill="hold">
+                            <p:stCondLst>
+                              <p:cond delay="0"/>
+                            </p:stCondLst>
+                            <p:childTnLst>
+                              <p:par>
+                                <p:cTn id="17" presetID="1" presetClass="entr" presetSubtype="0" fill="hold" nodeType="clickEffect">
+                                  <p:stCondLst>
+                                    <p:cond delay="0"/>
+                                  </p:stCondLst>
+                                  <p:childTnLst>
+                                    <p:set>
+                                      <p:cBhvr>
+                                        <p:cTn id="18" dur="1" fill="hold">
+                                          <p:stCondLst>
+                                            <p:cond delay="0"/>
+                                          </p:stCondLst>
+                                        </p:cTn>
+                                        <p:tgtEl>
+                                          <p:spTgt spid="20"/>
+                                        </p:tgtEl>
+                                        <p:attrNameLst>
+                                          <p:attrName>style.visibility</p:attrName>
+                                        </p:attrNameLst>
+                                      </p:cBhvr>
+                                      <p:to>
+                                        <p:strVal val="visible"/>
+                                      </p:to>
+                                    </p:set>
+                                  </p:childTnLst>
+                                </p:cTn>
+                              </p:par>
+                              <p:par>
+                                <p:cTn id="19" presetID="10" presetClass="exit" presetSubtype="0" fill="hold" grpId="1" nodeType="withEffect">
+                                  <p:stCondLst>
+                                    <p:cond delay="0"/>
+                                  </p:stCondLst>
+                                  <p:childTnLst>
+                                    <p:animEffect transition="out" filter="fade">
+                                      <p:cBhvr>
+                                        <p:cTn id="20" dur="500"/>
+                                        <p:tgtEl>
+                                          <p:spTgt spid="15"/>
+                                        </p:tgtEl>
+                                      </p:cBhvr>
+                                    </p:animEffect>
+                                    <p:set>
+                                      <p:cBhvr>
+                                        <p:cTn id="21" dur="1" fill="hold">
+                                          <p:stCondLst>
+                                            <p:cond delay="499"/>
+                                          </p:stCondLst>
+                                        </p:cTn>
+                                        <p:tgtEl>
+                                          <p:spTgt spid="15"/>
+                                        </p:tgtEl>
+                                        <p:attrNameLst>
+                                          <p:attrName>style.visibility</p:attrName>
+                                        </p:attrNameLst>
+                                      </p:cBhvr>
+                                      <p:to>
+                                        <p:strVal val="hidden"/>
+                                      </p:to>
+                                    </p:set>
+                                  </p:childTnLst>
+                                </p:cTn>
+                              </p:par>
+                              <p:par>
+                                <p:cTn id="22" presetID="10" presetClass="exit" presetSubtype="0" fill="hold" grpId="1" nodeType="withEffect">
+                                  <p:stCondLst>
+                                    <p:cond delay="0"/>
+                                  </p:stCondLst>
+                                  <p:childTnLst>
+                                    <p:animEffect transition="out" filter="fade">
+                                      <p:cBhvr>
+                                        <p:cTn id="23" dur="500"/>
+                                        <p:tgtEl>
+                                          <p:spTgt spid="19"/>
+                                        </p:tgtEl>
+                                      </p:cBhvr>
+                                    </p:animEffect>
+                                    <p:set>
+                                      <p:cBhvr>
+                                        <p:cTn id="24" dur="1" fill="hold">
+                                          <p:stCondLst>
+                                            <p:cond delay="499"/>
+                                          </p:stCondLst>
+                                        </p:cTn>
+                                        <p:tgtEl>
+                                          <p:spTgt spid="19"/>
+                                        </p:tgtEl>
+                                        <p:attrNameLst>
+                                          <p:attrName>style.visibility</p:attrName>
+                                        </p:attrNameLst>
+                                      </p:cBhvr>
+                                      <p:to>
+                                        <p:strVal val="hidden"/>
+                                      </p:to>
+                                    </p:set>
+                                  </p:childTnLst>
+                                </p:cTn>
+                              </p:par>
+                            </p:childTnLst>
+                          </p:cTn>
+                        </p:par>
+                      </p:childTnLst>
+                    </p:cTn>
+                  </p:par>
+                  <p:par>
+                    <p:cTn id="25" fill="hold">
+                      <p:stCondLst>
+                        <p:cond delay="indefinite"/>
+                      </p:stCondLst>
+                      <p:childTnLst>
+                        <p:par>
+                          <p:cTn id="26" fill="hold">
+                            <p:stCondLst>
+                              <p:cond delay="0"/>
+                            </p:stCondLst>
+                            <p:childTnLst>
+                              <p:par>
+                                <p:cTn id="27" presetID="1" presetClass="entr" presetSubtype="0" fill="hold" nodeType="clickEffect">
+                                  <p:stCondLst>
+                                    <p:cond delay="0"/>
+                                  </p:stCondLst>
+                                  <p:childTnLst>
+                                    <p:set>
+                                      <p:cBhvr>
+                                        <p:cTn id="28" dur="1" fill="hold">
+                                          <p:stCondLst>
+                                            <p:cond delay="0"/>
+                                          </p:stCondLst>
+                                        </p:cTn>
+                                        <p:tgtEl>
+                                          <p:spTgt spid="21"/>
+                                        </p:tgtEl>
+                                        <p:attrNameLst>
+                                          <p:attrName>style.visibility</p:attrName>
+                                        </p:attrNameLst>
+                                      </p:cBhvr>
+                                      <p:to>
+                                        <p:strVal val="visible"/>
+                                      </p:to>
+                                    </p:set>
+                                  </p:childTnLst>
+                                </p:cTn>
+                              </p:par>
+                              <p:par>
+                                <p:cTn id="29" presetID="10" presetClass="exit" presetSubtype="0" fill="hold" nodeType="withEffect">
+                                  <p:stCondLst>
+                                    <p:cond delay="0"/>
+                                  </p:stCondLst>
+                                  <p:childTnLst>
+                                    <p:animEffect transition="out" filter="fade">
+                                      <p:cBhvr>
+                                        <p:cTn id="30" dur="500"/>
+                                        <p:tgtEl>
+                                          <p:spTgt spid="20"/>
+                                        </p:tgtEl>
+                                      </p:cBhvr>
+                                    </p:animEffect>
+                                    <p:set>
+                                      <p:cBhvr>
+                                        <p:cTn id="31" dur="1" fill="hold">
+                                          <p:stCondLst>
+                                            <p:cond delay="499"/>
+                                          </p:stCondLst>
+                                        </p:cTn>
+                                        <p:tgtEl>
+                                          <p:spTgt spid="20"/>
+                                        </p:tgtEl>
+                                        <p:attrNameLst>
+                                          <p:attrName>style.visibility</p:attrName>
+                                        </p:attrNameLst>
+                                      </p:cBhvr>
+                                      <p:to>
+                                        <p:strVal val="hidden"/>
+                                      </p:to>
+                                    </p:set>
+                                  </p:childTnLst>
+                                </p:cTn>
+                              </p:par>
+                            </p:childTnLst>
+                          </p:cTn>
+                        </p:par>
+                      </p:childTnLst>
+                    </p:cTn>
+                  </p:par>
+                </p:childTnLst>
+              </p:cTn>
+              <p:prevCondLst>
+                <p:cond evt="onPrev" delay="0">
+                  <p:tgtEl>
+                    <p:sldTgt/>
+                  </p:tgtEl>
+                </p:cond>
+              </p:prevCondLst>
+              <p:nextCondLst>
+                <p:cond evt="onNext" delay="0">
+                  <p:tgtEl>
+                    <p:sldTgt/>
+                  </p:tgtEl>
+                </p:cond>
+              </p:nextCondLst>
+            </p:seq>
+          </p:childTnLst>
+        </p:cTn>
+      </p:par>
+    </p:tnLst>
+    <p:bldLst>
+      <p:bldP spid="3" grpId="0" build="p"/>
+      <p:bldP spid="15" grpId="0" animBg="1"/>
+      <p:bldP spid="15" grpId="1" animBg="1"/>
+      <p:bldP spid="19" grpId="0"/>
+      <p:bldP spid="19" grpId="1"/>
+    </p:bldLst>
+  </p:timing>
+</p:sld>
+</file>
+
+<file path=ppt/slides/slide13.xml><?xml version="1.0" encoding="utf-8"?>
+<p:sld xmlns:a="http://schemas.openxmlformats.org/drawingml/2006/main" xmlns:r="http://schemas.openxmlformats.org/officeDocument/2006/relationships" xmlns:p="http://schemas.openxmlformats.org/presentationml/2006/main">
+  <p:cSld>
+    <p:bg>
+      <p:bgPr>
+        <a:solidFill>
+          <a:schemeClr val="accent6"/>
+        </a:solidFill>
+        <a:effectLst/>
+      </p:bgPr>
+    </p:bg>
+    <p:spTree>
+      <p:nvGrpSpPr>
+        <p:cNvPr id="1" name=""/>
+        <p:cNvGrpSpPr/>
+        <p:nvPr/>
+      </p:nvGrpSpPr>
+      <p:grpSpPr>
+        <a:xfrm>
+          <a:off x="0" y="0"/>
+          <a:ext cx="0" cy="0"/>
+          <a:chOff x="0" y="0"/>
+          <a:chExt cx="0" cy="0"/>
+        </a:xfrm>
+      </p:grpSpPr>
+      <p:sp>
+        <p:nvSpPr>
+          <p:cNvPr id="2" name="Title 1"/>
+          <p:cNvSpPr>
+            <a:spLocks noGrp="1"/>
+          </p:cNvSpPr>
+          <p:nvPr>
+            <p:ph type="title"/>
+          </p:nvPr>
+        </p:nvSpPr>
+        <p:spPr/>
+        <p:txBody>
+          <a:bodyPr/>
+          <a:lstStyle/>
+          <a:p>
+            <a:endParaRPr lang="en-US"/>
+          </a:p>
+        </p:txBody>
+      </p:sp>
+      <p:sp>
+        <p:nvSpPr>
+          <p:cNvPr id="3" name="Text Placeholder 2"/>
+          <p:cNvSpPr>
+            <a:spLocks noGrp="1"/>
+          </p:cNvSpPr>
+          <p:nvPr>
+            <p:ph type="body" idx="1"/>
+          </p:nvPr>
+        </p:nvSpPr>
+        <p:spPr/>
+        <p:txBody>
+          <a:bodyPr/>
+          <a:lstStyle/>
+          <a:p>
+            <a:endParaRPr lang="en-US"/>
+          </a:p>
+        </p:txBody>
+      </p:sp>
+    </p:spTree>
+    <p:extLst>
+      <p:ext uri="{BB962C8B-B14F-4D97-AF65-F5344CB8AC3E}">
+        <p14:creationId xmlns:p14="http://schemas.microsoft.com/office/powerpoint/2010/main" val="602568682"/>
+      </p:ext>
+    </p:extLst>
+  </p:cSld>
+  <p:clrMapOvr>
+    <a:masterClrMapping/>
+  </p:clrMapOvr>
+  <p:transition>
+    <p:fade/>
+  </p:transition>
+  <p:timing>
+    <p:tnLst>
+      <p:par>
+        <p:cTn id="1" dur="indefinite" restart="never" nodeType="tmRoot"/>
+      </p:par>
+    </p:tnLst>
+  </p:timing>
+</p:sld>
+</file>
+
+<file path=ppt/slides/slide14.xml><?xml version="1.0" encoding="utf-8"?>
+<p:sld xmlns:a="http://schemas.openxmlformats.org/drawingml/2006/main" xmlns:r="http://schemas.openxmlformats.org/officeDocument/2006/relationships" xmlns:p="http://schemas.openxmlformats.org/presentationml/2006/main">
+  <p:cSld>
+    <p:spTree>
+      <p:nvGrpSpPr>
+        <p:cNvPr id="1" name=""/>
+        <p:cNvGrpSpPr/>
+        <p:nvPr/>
+      </p:nvGrpSpPr>
+      <p:grpSpPr>
+        <a:xfrm>
+          <a:off x="0" y="0"/>
+          <a:ext cx="0" cy="0"/>
+          <a:chOff x="0" y="0"/>
+          <a:chExt cx="0" cy="0"/>
+        </a:xfrm>
+      </p:grpSpPr>
+      <p:sp>
+        <p:nvSpPr>
+          <p:cNvPr id="2" name="Title 1"/>
+          <p:cNvSpPr>
+            <a:spLocks noGrp="1"/>
+          </p:cNvSpPr>
+          <p:nvPr>
+            <p:ph type="title"/>
+          </p:nvPr>
+        </p:nvSpPr>
+        <p:spPr/>
+        <p:txBody>
+          <a:bodyPr/>
+          <a:lstStyle/>
+          <a:p>
+            <a:r>
+              <a:rPr lang="en-US" dirty="0" smtClean="0"/>
+              <a:t>Agenda</a:t>
+            </a:r>
+            <a:endParaRPr lang="en-US" dirty="0"/>
+          </a:p>
+        </p:txBody>
+      </p:sp>
+      <p:sp>
+        <p:nvSpPr>
+          <p:cNvPr id="3" name="Text Placeholder 2"/>
+          <p:cNvSpPr>
+            <a:spLocks noGrp="1"/>
+          </p:cNvSpPr>
+          <p:nvPr>
+            <p:ph type="body" idx="1"/>
+          </p:nvPr>
+        </p:nvSpPr>
+        <p:spPr/>
+        <p:txBody>
+          <a:bodyPr/>
+          <a:lstStyle/>
+          <a:p>
+            <a:r>
+              <a:rPr lang="en-US" dirty="0" smtClean="0"/>
+              <a:t>Creating Custom Validation Rules</a:t>
+            </a:r>
+          </a:p>
+          <a:p>
+            <a:pPr lvl="1"/>
+            <a:r>
+              <a:rPr lang="en-US" dirty="0" smtClean="0"/>
+              <a:t>Creating global or shared rules</a:t>
+            </a:r>
+          </a:p>
+          <a:p>
+            <a:pPr lvl="1"/>
+            <a:r>
+              <a:rPr lang="en-US" dirty="0" smtClean="0"/>
+              <a:t>Creating inline or anonymous rules</a:t>
+            </a:r>
+          </a:p>
+          <a:p>
+            <a:pPr lvl="1"/>
+            <a:endParaRPr lang="en-US" dirty="0" smtClean="0"/>
+          </a:p>
+          <a:p>
+            <a:r>
+              <a:rPr lang="en-US" dirty="0" smtClean="0"/>
+              <a:t>Validating Computed </a:t>
+            </a:r>
+            <a:r>
+              <a:rPr lang="en-US" dirty="0" smtClean="0"/>
+              <a:t>Observables</a:t>
+            </a:r>
+          </a:p>
+          <a:p>
+            <a:pPr lvl="1"/>
+            <a:r>
+              <a:rPr lang="en-US" dirty="0" smtClean="0"/>
+              <a:t>Create the required validator</a:t>
+            </a:r>
+            <a:endParaRPr lang="en-US" dirty="0"/>
+          </a:p>
+          <a:p>
+            <a:pPr lvl="1"/>
+            <a:r>
+              <a:rPr lang="en-US" dirty="0" smtClean="0"/>
+              <a:t>Register and Attach to the Computed</a:t>
+            </a:r>
+            <a:endParaRPr lang="en-US" dirty="0" smtClean="0"/>
+          </a:p>
+          <a:p>
+            <a:endParaRPr lang="en-US" dirty="0" smtClean="0"/>
+          </a:p>
+          <a:p>
+            <a:r>
+              <a:rPr lang="en-US" dirty="0" smtClean="0"/>
+              <a:t>Performing Conditional </a:t>
+            </a:r>
+            <a:r>
+              <a:rPr lang="en-US" dirty="0" smtClean="0"/>
+              <a:t>Validations</a:t>
+            </a:r>
+          </a:p>
+          <a:p>
+            <a:endParaRPr lang="en-US" dirty="0" smtClean="0"/>
+          </a:p>
+          <a:p>
+            <a:r>
+              <a:rPr lang="en-US" dirty="0" smtClean="0">
+                <a:solidFill>
+                  <a:schemeClr val="accent6"/>
+                </a:solidFill>
+              </a:rPr>
+              <a:t>Using HTML5 Validation Attributes</a:t>
+            </a:r>
+          </a:p>
+        </p:txBody>
+      </p:sp>
+    </p:spTree>
+    <p:extLst>
+      <p:ext uri="{BB962C8B-B14F-4D97-AF65-F5344CB8AC3E}">
+        <p14:creationId xmlns:p14="http://schemas.microsoft.com/office/powerpoint/2010/main" val="4046346376"/>
+      </p:ext>
+    </p:extLst>
+  </p:cSld>
+  <p:clrMapOvr>
+    <a:masterClrMapping/>
+  </p:clrMapOvr>
+  <p:transition>
+    <p:fade/>
+  </p:transition>
+  <p:timing>
+    <p:tnLst>
+      <p:par>
+        <p:cTn id="1" dur="indefinite" restart="never" nodeType="tmRoot"/>
+      </p:par>
+    </p:tnLst>
+  </p:timing>
+</p:sld>
+</file>
+
+<file path=ppt/slides/slide15.xml><?xml version="1.0" encoding="utf-8"?>
+<p:sld xmlns:a="http://schemas.openxmlformats.org/drawingml/2006/main" xmlns:r="http://schemas.openxmlformats.org/officeDocument/2006/relationships" xmlns:p="http://schemas.openxmlformats.org/presentationml/2006/main">
+  <p:cSld>
+    <p:spTree>
+      <p:nvGrpSpPr>
+        <p:cNvPr id="1" name=""/>
+        <p:cNvGrpSpPr/>
+        <p:nvPr/>
+      </p:nvGrpSpPr>
+      <p:grpSpPr>
+        <a:xfrm>
+          <a:off x="0" y="0"/>
+          <a:ext cx="0" cy="0"/>
+          <a:chOff x="0" y="0"/>
+          <a:chExt cx="0" cy="0"/>
+        </a:xfrm>
+      </p:grpSpPr>
+      <p:sp>
+        <p:nvSpPr>
+          <p:cNvPr id="2" name="Title 1"/>
+          <p:cNvSpPr>
+            <a:spLocks noGrp="1"/>
+          </p:cNvSpPr>
+          <p:nvPr>
+            <p:ph type="title"/>
+          </p:nvPr>
+        </p:nvSpPr>
+        <p:spPr/>
+        <p:txBody>
+          <a:bodyPr/>
+          <a:lstStyle/>
+          <a:p>
+            <a:r>
+              <a:rPr lang="en-US" dirty="0" smtClean="0"/>
+              <a:t>HTML 5 Validation</a:t>
+            </a:r>
+            <a:endParaRPr lang="en-US" dirty="0"/>
+          </a:p>
+        </p:txBody>
+      </p:sp>
+      <p:sp>
+        <p:nvSpPr>
+          <p:cNvPr id="3" name="Text Placeholder 2"/>
+          <p:cNvSpPr>
+            <a:spLocks noGrp="1"/>
+          </p:cNvSpPr>
+          <p:nvPr>
+            <p:ph type="body" idx="1"/>
+          </p:nvPr>
+        </p:nvSpPr>
+        <p:spPr>
+          <a:xfrm>
+            <a:off x="457200" y="1371600"/>
+            <a:ext cx="8229600" cy="483577"/>
+          </a:xfrm>
+        </p:spPr>
+        <p:txBody>
+          <a:bodyPr/>
+          <a:lstStyle/>
+          <a:p>
+            <a:pPr marL="0" indent="0">
+              <a:buNone/>
+            </a:pPr>
+            <a:r>
+              <a:rPr lang="en-US" dirty="0" smtClean="0"/>
+              <a:t>Implementing HTML 5 Validators</a:t>
+            </a:r>
+            <a:endParaRPr lang="en-US" dirty="0"/>
+          </a:p>
+        </p:txBody>
+      </p:sp>
+      <p:sp>
+        <p:nvSpPr>
+          <p:cNvPr id="17" name="Right Triangle 16"/>
+          <p:cNvSpPr/>
+          <p:nvPr/>
+        </p:nvSpPr>
+        <p:spPr bwMode="auto">
+          <a:xfrm rot="10800000">
+            <a:off x="7772400" y="-1"/>
+            <a:ext cx="1371600" cy="1295400"/>
+          </a:xfrm>
+          <a:prstGeom prst="rtTriangle">
+            <a:avLst/>
+          </a:prstGeom>
+          <a:gradFill flip="none" rotWithShape="1">
+            <a:gsLst>
+              <a:gs pos="0">
+                <a:schemeClr val="accent6">
+                  <a:lumMod val="67000"/>
+                </a:schemeClr>
+              </a:gs>
+              <a:gs pos="48000">
+                <a:schemeClr val="accent6">
+                  <a:lumMod val="97000"/>
+                  <a:lumOff val="3000"/>
+                </a:schemeClr>
+              </a:gs>
+              <a:gs pos="100000">
+                <a:schemeClr val="accent6">
+                  <a:lumMod val="60000"/>
+                  <a:lumOff val="40000"/>
+                </a:schemeClr>
+              </a:gs>
+            </a:gsLst>
+            <a:lin ang="18000000" scaled="0"/>
+            <a:tileRect/>
+          </a:gradFill>
+          <a:ln w="9525" algn="ctr">
+            <a:noFill/>
+            <a:miter lim="800000"/>
+            <a:headEnd/>
+            <a:tailEnd/>
+          </a:ln>
+          <a:effectLst>
+            <a:outerShdw blurRad="50800" dist="38100" dir="2700000" algn="tl" rotWithShape="0">
+              <a:prstClr val="black">
+                <a:alpha val="40000"/>
+              </a:prstClr>
+            </a:outerShdw>
+          </a:effectLst>
+        </p:spPr>
+        <p:txBody>
+          <a:bodyPr wrap="none" rtlCol="0" anchor="ctr"/>
+          <a:lstStyle/>
+          <a:p>
+            <a:pPr algn="ctr"/>
+            <a:endParaRPr lang="en-US" sz="2000" dirty="0">
+              <a:solidFill>
+                <a:prstClr val="black"/>
+              </a:solidFill>
+              <a:latin typeface="Tekton Pro" pitchFamily="34" charset="0"/>
+            </a:endParaRPr>
+          </a:p>
+        </p:txBody>
+      </p:sp>
+      <p:sp>
+        <p:nvSpPr>
+          <p:cNvPr id="18" name="TextBox 17"/>
+          <p:cNvSpPr txBox="1"/>
+          <p:nvPr/>
+        </p:nvSpPr>
+        <p:spPr bwMode="auto">
+          <a:xfrm rot="2620387">
+            <a:off x="7653438" y="361299"/>
+            <a:ext cx="1888309" cy="338554"/>
+          </a:xfrm>
+          <a:prstGeom prst="rect">
+            <a:avLst/>
+          </a:prstGeom>
+          <a:noFill/>
+          <a:ln w="9525">
+            <a:noFill/>
+            <a:miter lim="800000"/>
+            <a:headEnd/>
+            <a:tailEnd/>
+          </a:ln>
+        </p:spPr>
+        <p:txBody>
+          <a:bodyPr wrap="square" rtlCol="0">
+            <a:spAutoFit/>
+          </a:bodyPr>
+          <a:lstStyle/>
+          <a:p>
+            <a:pPr algn="ctr"/>
+            <a:r>
+              <a:rPr lang="en-US" sz="1600" dirty="0" smtClean="0">
+                <a:solidFill>
+                  <a:prstClr val="white"/>
+                </a:solidFill>
+                <a:latin typeface="Myriad Pro"/>
+              </a:rPr>
+              <a:t>Coding</a:t>
+            </a:r>
+            <a:endParaRPr lang="en-US" sz="1600" dirty="0">
+              <a:solidFill>
+                <a:prstClr val="white"/>
+              </a:solidFill>
+              <a:latin typeface="Myriad Pro"/>
+            </a:endParaRPr>
+          </a:p>
+        </p:txBody>
+      </p:sp>
+      <p:pic>
+        <p:nvPicPr>
+          <p:cNvPr id="5" name="Picture 4"/>
+          <p:cNvPicPr>
+            <a:picLocks noChangeAspect="1"/>
+          </p:cNvPicPr>
+          <p:nvPr/>
+        </p:nvPicPr>
+        <p:blipFill>
+          <a:blip r:embed="rId3"/>
+          <a:stretch>
+            <a:fillRect/>
+          </a:stretch>
+        </p:blipFill>
+        <p:spPr>
+          <a:xfrm>
+            <a:off x="571500" y="1931377"/>
+            <a:ext cx="8115300" cy="1457325"/>
+          </a:xfrm>
+          <a:prstGeom prst="rect">
+            <a:avLst/>
+          </a:prstGeom>
+        </p:spPr>
+      </p:pic>
+      <p:sp>
+        <p:nvSpPr>
+          <p:cNvPr id="12" name="Text Placeholder 2"/>
+          <p:cNvSpPr txBox="1">
+            <a:spLocks/>
+          </p:cNvSpPr>
+          <p:nvPr/>
+        </p:nvSpPr>
+        <p:spPr bwMode="auto">
+          <a:xfrm>
+            <a:off x="457200" y="3545840"/>
+            <a:ext cx="8229600" cy="483577"/>
+          </a:xfrm>
+          <a:prstGeom prst="rect">
+            <a:avLst/>
+          </a:prstGeom>
+          <a:noFill/>
+          <a:ln w="9525">
+            <a:noFill/>
+            <a:miter lim="800000"/>
+            <a:headEnd/>
+            <a:tailEnd/>
+          </a:ln>
+        </p:spPr>
+        <p:txBody>
+          <a:bodyPr vert="horz" wrap="square" lIns="91440" tIns="45720" rIns="91440" bIns="45720" numCol="1" rtlCol="0" anchor="t" anchorCtr="0" compatLnSpc="1">
+            <a:prstTxWarp prst="textNoShape">
+              <a:avLst/>
+            </a:prstTxWarp>
+          </a:bodyPr>
+          <a:lstStyle>
+            <a:lvl1pPr marL="342900" indent="-342900" algn="l" defTabSz="-13873163" rtl="0" eaLnBrk="1" fontAlgn="base" hangingPunct="1">
+              <a:spcBef>
+                <a:spcPct val="20000"/>
+              </a:spcBef>
+              <a:spcAft>
+                <a:spcPct val="0"/>
+              </a:spcAft>
+              <a:buClrTx/>
+              <a:buFont typeface="Wingdings" pitchFamily="2" charset="2"/>
+              <a:buChar char="§"/>
+              <a:defRPr sz="2000" b="1">
+                <a:solidFill>
+                  <a:schemeClr val="tx1"/>
+                </a:solidFill>
+                <a:latin typeface="Myriad Pro Light" pitchFamily="34" charset="0"/>
+                <a:ea typeface="+mn-ea"/>
+                <a:cs typeface="Segoe UI" pitchFamily="34" charset="0"/>
+              </a:defRPr>
+            </a:lvl1pPr>
+            <a:lvl2pPr marL="742950" indent="-285750" algn="l" defTabSz="-13873163" rtl="0" eaLnBrk="1" fontAlgn="base" hangingPunct="1">
+              <a:spcBef>
+                <a:spcPct val="20000"/>
+              </a:spcBef>
+              <a:spcAft>
+                <a:spcPct val="0"/>
+              </a:spcAft>
+              <a:buClrTx/>
+              <a:buSzPct val="50000"/>
+              <a:buFont typeface="Wingdings" pitchFamily="2" charset="2"/>
+              <a:buChar char="o"/>
+              <a:defRPr sz="1800" b="0">
+                <a:solidFill>
+                  <a:schemeClr val="tx1"/>
+                </a:solidFill>
+                <a:latin typeface="Myriad Pro" pitchFamily="34" charset="0"/>
+                <a:cs typeface="Segoe UI" pitchFamily="34" charset="0"/>
+              </a:defRPr>
+            </a:lvl2pPr>
+            <a:lvl3pPr marL="1143000" indent="-228600" algn="l" defTabSz="-13873163" rtl="0" eaLnBrk="1" fontAlgn="base" hangingPunct="1">
+              <a:spcBef>
+                <a:spcPct val="20000"/>
+              </a:spcBef>
+              <a:spcAft>
+                <a:spcPct val="0"/>
+              </a:spcAft>
+              <a:buClrTx/>
+              <a:buSzPct val="50000"/>
+              <a:buFont typeface="Wingdings" pitchFamily="2" charset="2"/>
+              <a:buChar char="o"/>
+              <a:defRPr sz="1600" b="0">
+                <a:solidFill>
+                  <a:schemeClr val="tx1"/>
+                </a:solidFill>
+                <a:latin typeface="Myriad Pro" pitchFamily="34" charset="0"/>
+                <a:cs typeface="Segoe UI" pitchFamily="34" charset="0"/>
+              </a:defRPr>
+            </a:lvl3pPr>
+            <a:lvl4pPr marL="1600200" indent="-228600" algn="l" defTabSz="-13873163" rtl="0" eaLnBrk="1" fontAlgn="base" hangingPunct="1">
+              <a:spcBef>
+                <a:spcPct val="20000"/>
+              </a:spcBef>
+              <a:spcAft>
+                <a:spcPct val="0"/>
+              </a:spcAft>
+              <a:buClrTx/>
+              <a:buSzPct val="50000"/>
+              <a:buFont typeface="Wingdings" pitchFamily="2" charset="2"/>
+              <a:buChar char="o"/>
+              <a:defRPr sz="1400" b="0">
+                <a:solidFill>
+                  <a:schemeClr val="tx1"/>
+                </a:solidFill>
+                <a:latin typeface="Myriad Pro" pitchFamily="34" charset="0"/>
+                <a:cs typeface="Segoe UI" pitchFamily="34" charset="0"/>
+              </a:defRPr>
+            </a:lvl4pPr>
+            <a:lvl5pPr marL="2057400" indent="-228600" algn="l" defTabSz="-13873163" rtl="0" eaLnBrk="1" fontAlgn="base" hangingPunct="1">
+              <a:spcBef>
+                <a:spcPct val="20000"/>
+              </a:spcBef>
+              <a:spcAft>
+                <a:spcPct val="0"/>
+              </a:spcAft>
+              <a:buClrTx/>
+              <a:buSzPct val="50000"/>
+              <a:buFont typeface="Wingdings" pitchFamily="2" charset="2"/>
+              <a:buChar char="o"/>
+              <a:defRPr sz="1200" b="0">
+                <a:solidFill>
+                  <a:schemeClr val="tx1"/>
+                </a:solidFill>
+                <a:latin typeface="Myriad Pro" pitchFamily="34" charset="0"/>
+                <a:cs typeface="Segoe UI" pitchFamily="34" charset="0"/>
+              </a:defRPr>
+            </a:lvl5pPr>
+            <a:lvl6pPr marL="2514600" indent="-228600" algn="l" eaLnBrk="1" fontAlgn="base" hangingPunct="1">
+              <a:spcBef>
+                <a:spcPct val="20000"/>
+              </a:spcBef>
+              <a:spcAft>
+                <a:spcPct val="0"/>
+              </a:spcAft>
+              <a:buClr>
+                <a:schemeClr val="accent1">
+                  <a:alpha val="100000"/>
+                </a:schemeClr>
+              </a:buClr>
+              <a:buFont typeface="Wingdings"/>
+              <a:buChar char=""/>
+              <a:defRPr sz="1400" b="1">
+                <a:solidFill>
+                  <a:schemeClr val="tx1">
+                    <a:alpha val="100000"/>
+                  </a:schemeClr>
+                </a:solidFill>
+                <a:latin typeface="+mn-lt"/>
+              </a:defRPr>
+            </a:lvl6pPr>
+            <a:lvl7pPr marL="2971800" indent="-228600" algn="l" eaLnBrk="1" fontAlgn="base" hangingPunct="1">
+              <a:spcBef>
+                <a:spcPct val="20000"/>
+              </a:spcBef>
+              <a:spcAft>
+                <a:spcPct val="0"/>
+              </a:spcAft>
+              <a:buClr>
+                <a:schemeClr val="accent1">
+                  <a:alpha val="100000"/>
+                </a:schemeClr>
+              </a:buClr>
+              <a:buFont typeface="Wingdings"/>
+              <a:buChar char=""/>
+              <a:defRPr sz="1400" b="1">
+                <a:solidFill>
+                  <a:schemeClr val="tx1">
+                    <a:alpha val="100000"/>
+                  </a:schemeClr>
+                </a:solidFill>
+                <a:latin typeface="+mn-lt"/>
+              </a:defRPr>
+            </a:lvl7pPr>
+            <a:lvl8pPr marL="3429000" indent="-228600" algn="l" eaLnBrk="1" fontAlgn="base" hangingPunct="1">
+              <a:spcBef>
+                <a:spcPct val="20000"/>
+              </a:spcBef>
+              <a:spcAft>
+                <a:spcPct val="0"/>
+              </a:spcAft>
+              <a:buClr>
+                <a:schemeClr val="accent1">
+                  <a:alpha val="100000"/>
+                </a:schemeClr>
+              </a:buClr>
+              <a:buFont typeface="Wingdings"/>
+              <a:buChar char=""/>
+              <a:defRPr sz="1400" b="1">
+                <a:solidFill>
+                  <a:schemeClr val="tx1">
+                    <a:alpha val="100000"/>
+                  </a:schemeClr>
+                </a:solidFill>
+                <a:latin typeface="+mn-lt"/>
+              </a:defRPr>
+            </a:lvl8pPr>
+            <a:lvl9pPr marL="3886200" indent="-228600" algn="l" eaLnBrk="1" fontAlgn="base" hangingPunct="1">
+              <a:spcBef>
+                <a:spcPct val="20000"/>
+              </a:spcBef>
+              <a:spcAft>
+                <a:spcPct val="0"/>
+              </a:spcAft>
+              <a:buClr>
+                <a:schemeClr val="accent1">
+                  <a:alpha val="100000"/>
+                </a:schemeClr>
+              </a:buClr>
+              <a:buFont typeface="Wingdings"/>
+              <a:buChar char=""/>
+              <a:defRPr sz="1400" b="1">
+                <a:solidFill>
+                  <a:schemeClr val="tx1">
+                    <a:alpha val="100000"/>
+                  </a:schemeClr>
+                </a:solidFill>
+                <a:latin typeface="+mn-lt"/>
+              </a:defRPr>
+            </a:lvl9pPr>
+          </a:lstStyle>
+          <a:p>
+            <a:pPr marL="0" indent="0">
+              <a:buFont typeface="Wingdings" pitchFamily="2" charset="2"/>
+              <a:buNone/>
+            </a:pPr>
+            <a:r>
+              <a:rPr lang="en-US" kern="0" dirty="0" smtClean="0"/>
+              <a:t>Configuring Knockout Validation</a:t>
+            </a:r>
+            <a:endParaRPr lang="en-US" kern="0" dirty="0"/>
+          </a:p>
+        </p:txBody>
+      </p:sp>
+      <p:pic>
+        <p:nvPicPr>
+          <p:cNvPr id="6" name="Picture 5"/>
+          <p:cNvPicPr>
+            <a:picLocks noChangeAspect="1"/>
+          </p:cNvPicPr>
+          <p:nvPr/>
+        </p:nvPicPr>
+        <p:blipFill>
+          <a:blip r:embed="rId4"/>
+          <a:stretch>
+            <a:fillRect/>
+          </a:stretch>
+        </p:blipFill>
+        <p:spPr>
+          <a:xfrm>
+            <a:off x="571500" y="4060239"/>
+            <a:ext cx="4781550" cy="1295400"/>
+          </a:xfrm>
+          <a:prstGeom prst="rect">
+            <a:avLst/>
+          </a:prstGeom>
+        </p:spPr>
+      </p:pic>
+      <p:cxnSp>
+        <p:nvCxnSpPr>
+          <p:cNvPr id="16" name="Straight Connector 15"/>
+          <p:cNvCxnSpPr/>
+          <p:nvPr/>
+        </p:nvCxnSpPr>
+        <p:spPr bwMode="auto">
+          <a:xfrm>
+            <a:off x="5601258" y="2306907"/>
+            <a:ext cx="656500" cy="0"/>
+          </a:xfrm>
+          <a:prstGeom prst="line">
+            <a:avLst/>
+          </a:prstGeom>
+          <a:ln>
+            <a:headEnd type="none" w="med" len="med"/>
+            <a:tailEnd type="none" w="med" len="med"/>
+          </a:ln>
+        </p:spPr>
+        <p:style>
+          <a:lnRef idx="3">
+            <a:schemeClr val="accent1"/>
+          </a:lnRef>
+          <a:fillRef idx="0">
+            <a:schemeClr val="accent1"/>
+          </a:fillRef>
+          <a:effectRef idx="2">
+            <a:schemeClr val="accent1"/>
+          </a:effectRef>
+          <a:fontRef idx="minor">
+            <a:schemeClr val="tx1"/>
+          </a:fontRef>
+        </p:style>
+      </p:cxnSp>
+      <p:cxnSp>
+        <p:nvCxnSpPr>
+          <p:cNvPr id="22" name="Straight Connector 21"/>
+          <p:cNvCxnSpPr/>
+          <p:nvPr/>
+        </p:nvCxnSpPr>
+        <p:spPr bwMode="auto">
+          <a:xfrm>
+            <a:off x="5448858" y="2977467"/>
+            <a:ext cx="1510742" cy="0"/>
+          </a:xfrm>
+          <a:prstGeom prst="line">
+            <a:avLst/>
+          </a:prstGeom>
+          <a:ln>
+            <a:headEnd type="none" w="med" len="med"/>
+            <a:tailEnd type="none" w="med" len="med"/>
+          </a:ln>
+        </p:spPr>
+        <p:style>
+          <a:lnRef idx="3">
+            <a:schemeClr val="accent1"/>
+          </a:lnRef>
+          <a:fillRef idx="0">
+            <a:schemeClr val="accent1"/>
+          </a:fillRef>
+          <a:effectRef idx="2">
+            <a:schemeClr val="accent1"/>
+          </a:effectRef>
+          <a:fontRef idx="minor">
+            <a:schemeClr val="tx1"/>
+          </a:fontRef>
+        </p:style>
+      </p:cxnSp>
+      <p:cxnSp>
+        <p:nvCxnSpPr>
+          <p:cNvPr id="23" name="Straight Connector 22"/>
+          <p:cNvCxnSpPr/>
+          <p:nvPr/>
+        </p:nvCxnSpPr>
+        <p:spPr bwMode="auto">
+          <a:xfrm>
+            <a:off x="571500" y="3282267"/>
+            <a:ext cx="7780020" cy="0"/>
+          </a:xfrm>
+          <a:prstGeom prst="line">
+            <a:avLst/>
+          </a:prstGeom>
+          <a:ln>
+            <a:headEnd type="none" w="med" len="med"/>
+            <a:tailEnd type="none" w="med" len="med"/>
+          </a:ln>
+        </p:spPr>
+        <p:style>
+          <a:lnRef idx="3">
+            <a:schemeClr val="accent1"/>
+          </a:lnRef>
+          <a:fillRef idx="0">
+            <a:schemeClr val="accent1"/>
+          </a:fillRef>
+          <a:effectRef idx="2">
+            <a:schemeClr val="accent1"/>
+          </a:effectRef>
+          <a:fontRef idx="minor">
+            <a:schemeClr val="tx1"/>
+          </a:fontRef>
+        </p:style>
+      </p:cxnSp>
+      <p:sp>
+        <p:nvSpPr>
+          <p:cNvPr id="24" name="Right Brace 23"/>
+          <p:cNvSpPr/>
+          <p:nvPr/>
+        </p:nvSpPr>
+        <p:spPr bwMode="auto">
+          <a:xfrm>
+            <a:off x="3702677" y="4075868"/>
+            <a:ext cx="538162" cy="801587"/>
+          </a:xfrm>
+          <a:prstGeom prst="rightBrace">
+            <a:avLst/>
+          </a:prstGeom>
+          <a:ln>
+            <a:headEnd type="none" w="med" len="med"/>
+            <a:tailEnd type="none" w="med" len="med"/>
+          </a:ln>
+        </p:spPr>
+        <p:style>
+          <a:lnRef idx="3">
+            <a:schemeClr val="accent1"/>
+          </a:lnRef>
+          <a:fillRef idx="0">
+            <a:schemeClr val="accent1"/>
+          </a:fillRef>
+          <a:effectRef idx="2">
+            <a:schemeClr val="accent1"/>
+          </a:effectRef>
+          <a:fontRef idx="minor">
+            <a:schemeClr val="tx1"/>
+          </a:fontRef>
+        </p:style>
+        <p:txBody>
+          <a:bodyPr vert="horz" wrap="none" lIns="91440" tIns="45720" rIns="91440" bIns="45720" rtlCol="0" anchor="ctr" compatLnSpc="1"/>
+          <a:lstStyle/>
+          <a:p>
+            <a:pPr marL="0" marR="0" indent="0" algn="ctr" defTabSz="914400" rtl="0" eaLnBrk="0" fontAlgn="base" latinLnBrk="0" hangingPunct="0">
+              <a:lnSpc>
+                <a:spcPct val="100000"/>
+              </a:lnSpc>
+              <a:spcBef>
+                <a:spcPct val="0"/>
+              </a:spcBef>
+              <a:spcAft>
+                <a:spcPct val="0"/>
+              </a:spcAft>
+              <a:buNone/>
+              <a:tabLst/>
+            </a:pPr>
+            <a:endParaRPr kumimoji="0" lang="en-US" sz="1600" b="1" i="0" u="none" strike="noStrike" baseline="0">
+              <a:solidFill>
+                <a:schemeClr val="tx1">
+                  <a:alpha val="100000"/>
+                </a:schemeClr>
+              </a:solidFill>
+              <a:effectLst/>
+              <a:latin typeface="Arial"/>
+            </a:endParaRPr>
+          </a:p>
+        </p:txBody>
+      </p:sp>
+      <p:sp>
+        <p:nvSpPr>
+          <p:cNvPr id="25" name="Text Placeholder 2"/>
+          <p:cNvSpPr txBox="1">
+            <a:spLocks/>
+          </p:cNvSpPr>
+          <p:nvPr/>
+        </p:nvSpPr>
+        <p:spPr bwMode="auto">
+          <a:xfrm>
+            <a:off x="4298635" y="4112143"/>
+            <a:ext cx="1302623" cy="729036"/>
+          </a:xfrm>
+          <a:prstGeom prst="rect">
+            <a:avLst/>
+          </a:prstGeom>
+          <a:noFill/>
+          <a:ln w="9525">
+            <a:noFill/>
+            <a:miter lim="800000"/>
+            <a:headEnd/>
+            <a:tailEnd/>
+          </a:ln>
+        </p:spPr>
+        <p:txBody>
+          <a:bodyPr vert="horz" wrap="square" lIns="91440" tIns="45720" rIns="91440" bIns="45720" numCol="1" rtlCol="0" anchor="t" anchorCtr="0" compatLnSpc="1">
+            <a:prstTxWarp prst="textNoShape">
+              <a:avLst/>
+            </a:prstTxWarp>
+          </a:bodyPr>
+          <a:lstStyle>
+            <a:lvl1pPr marL="342900" indent="-342900" algn="l" defTabSz="-13873163" rtl="0" eaLnBrk="1" fontAlgn="base" hangingPunct="1">
+              <a:spcBef>
+                <a:spcPct val="20000"/>
+              </a:spcBef>
+              <a:spcAft>
+                <a:spcPct val="0"/>
+              </a:spcAft>
+              <a:buClrTx/>
+              <a:buFont typeface="Wingdings" pitchFamily="2" charset="2"/>
+              <a:buChar char="§"/>
+              <a:defRPr sz="2000" b="1">
+                <a:solidFill>
+                  <a:schemeClr val="tx1"/>
+                </a:solidFill>
+                <a:latin typeface="Myriad Pro Light" pitchFamily="34" charset="0"/>
+                <a:ea typeface="+mn-ea"/>
+                <a:cs typeface="Segoe UI" pitchFamily="34" charset="0"/>
+              </a:defRPr>
+            </a:lvl1pPr>
+            <a:lvl2pPr marL="742950" indent="-285750" algn="l" defTabSz="-13873163" rtl="0" eaLnBrk="1" fontAlgn="base" hangingPunct="1">
+              <a:spcBef>
+                <a:spcPct val="20000"/>
+              </a:spcBef>
+              <a:spcAft>
+                <a:spcPct val="0"/>
+              </a:spcAft>
+              <a:buClrTx/>
+              <a:buSzPct val="50000"/>
+              <a:buFont typeface="Wingdings" pitchFamily="2" charset="2"/>
+              <a:buChar char="o"/>
+              <a:defRPr sz="1800" b="0">
+                <a:solidFill>
+                  <a:schemeClr val="tx1"/>
+                </a:solidFill>
+                <a:latin typeface="Myriad Pro" pitchFamily="34" charset="0"/>
+                <a:cs typeface="Segoe UI" pitchFamily="34" charset="0"/>
+              </a:defRPr>
+            </a:lvl2pPr>
+            <a:lvl3pPr marL="1143000" indent="-228600" algn="l" defTabSz="-13873163" rtl="0" eaLnBrk="1" fontAlgn="base" hangingPunct="1">
+              <a:spcBef>
+                <a:spcPct val="20000"/>
+              </a:spcBef>
+              <a:spcAft>
+                <a:spcPct val="0"/>
+              </a:spcAft>
+              <a:buClrTx/>
+              <a:buSzPct val="50000"/>
+              <a:buFont typeface="Wingdings" pitchFamily="2" charset="2"/>
+              <a:buChar char="o"/>
+              <a:defRPr sz="1600" b="0">
+                <a:solidFill>
+                  <a:schemeClr val="tx1"/>
+                </a:solidFill>
+                <a:latin typeface="Myriad Pro" pitchFamily="34" charset="0"/>
+                <a:cs typeface="Segoe UI" pitchFamily="34" charset="0"/>
+              </a:defRPr>
+            </a:lvl3pPr>
+            <a:lvl4pPr marL="1600200" indent="-228600" algn="l" defTabSz="-13873163" rtl="0" eaLnBrk="1" fontAlgn="base" hangingPunct="1">
+              <a:spcBef>
+                <a:spcPct val="20000"/>
+              </a:spcBef>
+              <a:spcAft>
+                <a:spcPct val="0"/>
+              </a:spcAft>
+              <a:buClrTx/>
+              <a:buSzPct val="50000"/>
+              <a:buFont typeface="Wingdings" pitchFamily="2" charset="2"/>
+              <a:buChar char="o"/>
+              <a:defRPr sz="1400" b="0">
+                <a:solidFill>
+                  <a:schemeClr val="tx1"/>
+                </a:solidFill>
+                <a:latin typeface="Myriad Pro" pitchFamily="34" charset="0"/>
+                <a:cs typeface="Segoe UI" pitchFamily="34" charset="0"/>
+              </a:defRPr>
+            </a:lvl4pPr>
+            <a:lvl5pPr marL="2057400" indent="-228600" algn="l" defTabSz="-13873163" rtl="0" eaLnBrk="1" fontAlgn="base" hangingPunct="1">
+              <a:spcBef>
+                <a:spcPct val="20000"/>
+              </a:spcBef>
+              <a:spcAft>
+                <a:spcPct val="0"/>
+              </a:spcAft>
+              <a:buClrTx/>
+              <a:buSzPct val="50000"/>
+              <a:buFont typeface="Wingdings" pitchFamily="2" charset="2"/>
+              <a:buChar char="o"/>
+              <a:defRPr sz="1200" b="0">
+                <a:solidFill>
+                  <a:schemeClr val="tx1"/>
+                </a:solidFill>
+                <a:latin typeface="Myriad Pro" pitchFamily="34" charset="0"/>
+                <a:cs typeface="Segoe UI" pitchFamily="34" charset="0"/>
+              </a:defRPr>
+            </a:lvl5pPr>
+            <a:lvl6pPr marL="2514600" indent="-228600" algn="l" eaLnBrk="1" fontAlgn="base" hangingPunct="1">
+              <a:spcBef>
+                <a:spcPct val="20000"/>
+              </a:spcBef>
+              <a:spcAft>
+                <a:spcPct val="0"/>
+              </a:spcAft>
+              <a:buClr>
+                <a:schemeClr val="accent1">
+                  <a:alpha val="100000"/>
+                </a:schemeClr>
+              </a:buClr>
+              <a:buFont typeface="Wingdings"/>
+              <a:buChar char=""/>
+              <a:defRPr sz="1400" b="1">
+                <a:solidFill>
+                  <a:schemeClr val="tx1">
+                    <a:alpha val="100000"/>
+                  </a:schemeClr>
+                </a:solidFill>
+                <a:latin typeface="+mn-lt"/>
+              </a:defRPr>
+            </a:lvl6pPr>
+            <a:lvl7pPr marL="2971800" indent="-228600" algn="l" eaLnBrk="1" fontAlgn="base" hangingPunct="1">
+              <a:spcBef>
+                <a:spcPct val="20000"/>
+              </a:spcBef>
+              <a:spcAft>
+                <a:spcPct val="0"/>
+              </a:spcAft>
+              <a:buClr>
+                <a:schemeClr val="accent1">
+                  <a:alpha val="100000"/>
+                </a:schemeClr>
+              </a:buClr>
+              <a:buFont typeface="Wingdings"/>
+              <a:buChar char=""/>
+              <a:defRPr sz="1400" b="1">
+                <a:solidFill>
+                  <a:schemeClr val="tx1">
+                    <a:alpha val="100000"/>
+                  </a:schemeClr>
+                </a:solidFill>
+                <a:latin typeface="+mn-lt"/>
+              </a:defRPr>
+            </a:lvl7pPr>
+            <a:lvl8pPr marL="3429000" indent="-228600" algn="l" eaLnBrk="1" fontAlgn="base" hangingPunct="1">
+              <a:spcBef>
+                <a:spcPct val="20000"/>
+              </a:spcBef>
+              <a:spcAft>
+                <a:spcPct val="0"/>
+              </a:spcAft>
+              <a:buClr>
+                <a:schemeClr val="accent1">
+                  <a:alpha val="100000"/>
+                </a:schemeClr>
+              </a:buClr>
+              <a:buFont typeface="Wingdings"/>
+              <a:buChar char=""/>
+              <a:defRPr sz="1400" b="1">
+                <a:solidFill>
+                  <a:schemeClr val="tx1">
+                    <a:alpha val="100000"/>
+                  </a:schemeClr>
+                </a:solidFill>
+                <a:latin typeface="+mn-lt"/>
+              </a:defRPr>
+            </a:lvl8pPr>
+            <a:lvl9pPr marL="3886200" indent="-228600" algn="l" eaLnBrk="1" fontAlgn="base" hangingPunct="1">
+              <a:spcBef>
+                <a:spcPct val="20000"/>
+              </a:spcBef>
+              <a:spcAft>
+                <a:spcPct val="0"/>
+              </a:spcAft>
+              <a:buClr>
+                <a:schemeClr val="accent1">
+                  <a:alpha val="100000"/>
+                </a:schemeClr>
+              </a:buClr>
+              <a:buFont typeface="Wingdings"/>
+              <a:buChar char=""/>
+              <a:defRPr sz="1400" b="1">
+                <a:solidFill>
+                  <a:schemeClr val="tx1">
+                    <a:alpha val="100000"/>
+                  </a:schemeClr>
+                </a:solidFill>
+                <a:latin typeface="+mn-lt"/>
+              </a:defRPr>
+            </a:lvl9pPr>
+          </a:lstStyle>
+          <a:p>
+            <a:pPr marL="0" indent="0">
+              <a:buFont typeface="Wingdings" pitchFamily="2" charset="2"/>
+              <a:buNone/>
+            </a:pPr>
+            <a:r>
+              <a:rPr lang="en-US" sz="1400" kern="0" dirty="0" smtClean="0"/>
+              <a:t>Enables the HTML 5 validation</a:t>
+            </a:r>
+            <a:endParaRPr lang="en-US" sz="1400" kern="0" dirty="0"/>
+          </a:p>
+        </p:txBody>
+      </p:sp>
+    </p:spTree>
+    <p:extLst>
+      <p:ext uri="{BB962C8B-B14F-4D97-AF65-F5344CB8AC3E}">
+        <p14:creationId xmlns:p14="http://schemas.microsoft.com/office/powerpoint/2010/main" val="803562866"/>
       </p:ext>
     </p:extLst>
   </p:cSld>
@@ -3627,11 +7163,7 @@
                                           </p:stCondLst>
                                         </p:cTn>
                                         <p:tgtEl>
-                                          <p:spTgt spid="3">
-                                            <p:txEl>
-                                              <p:pRg st="0" end="0"/>
-                                            </p:txEl>
-                                          </p:spTgt>
+                                          <p:spTgt spid="5"/>
                                         </p:tgtEl>
                                         <p:attrNameLst>
                                           <p:attrName>style.visibility</p:attrName>
@@ -3645,7 +7177,7 @@
                                 </p:cTn>
                               </p:par>
                               <p:par>
-                                <p:cTn id="7" presetID="1" presetClass="entr" presetSubtype="0" fill="hold" nodeType="withEffect">
+                                <p:cTn id="7" presetID="1" presetClass="entr" presetSubtype="0" fill="hold" grpId="0" nodeType="withEffect">
                                   <p:stCondLst>
                                     <p:cond delay="0"/>
                                   </p:stCondLst>
@@ -3660,7 +7192,7 @@
                                         <p:tgtEl>
                                           <p:spTgt spid="3">
                                             <p:txEl>
-                                              <p:pRg st="1" end="1"/>
+                                              <p:pRg st="0" end="0"/>
                                             </p:txEl>
                                           </p:spTgt>
                                         </p:tgtEl>
@@ -3707,11 +7239,7 @@
                                           </p:stCondLst>
                                         </p:cTn>
                                         <p:tgtEl>
-                                          <p:spTgt spid="3">
-                                            <p:txEl>
-                                              <p:pRg st="3" end="3"/>
-                                            </p:txEl>
-                                          </p:spTgt>
+                                          <p:spTgt spid="16"/>
                                         </p:tgtEl>
                                         <p:attrNameLst>
                                           <p:attrName>style.visibility</p:attrName>
@@ -3738,11 +7266,7 @@
                                           </p:stCondLst>
                                         </p:cTn>
                                         <p:tgtEl>
-                                          <p:spTgt spid="3">
-                                            <p:txEl>
-                                              <p:pRg st="4" end="4"/>
-                                            </p:txEl>
-                                          </p:spTgt>
+                                          <p:spTgt spid="22"/>
                                         </p:tgtEl>
                                         <p:attrNameLst>
                                           <p:attrName>style.visibility</p:attrName>
@@ -3787,11 +7311,7 @@
                                           </p:stCondLst>
                                         </p:cTn>
                                         <p:tgtEl>
-                                          <p:spTgt spid="3">
-                                            <p:txEl>
-                                              <p:pRg st="5" end="5"/>
-                                            </p:txEl>
-                                          </p:spTgt>
+                                          <p:spTgt spid="23"/>
                                         </p:tgtEl>
                                         <p:attrNameLst>
                                           <p:attrName>style.visibility</p:attrName>
@@ -3804,6 +7324,76 @@
                                   </p:childTnLst>
                                 </p:cTn>
                               </p:par>
+                              <p:par>
+                                <p:cTn id="19" presetID="10" presetClass="exit" presetSubtype="0" fill="hold" nodeType="withEffect">
+                                  <p:stCondLst>
+                                    <p:cond delay="0"/>
+                                  </p:stCondLst>
+                                  <p:childTnLst>
+                                    <p:animEffect transition="out" filter="fade">
+                                      <p:cBhvr>
+                                        <p:cTn id="20" dur="500"/>
+                                        <p:tgtEl>
+                                          <p:spTgt spid="16"/>
+                                        </p:tgtEl>
+                                      </p:cBhvr>
+                                    </p:animEffect>
+                                    <p:set>
+                                      <p:cBhvr>
+                                        <p:cTn id="21" dur="1" fill="hold">
+                                          <p:stCondLst>
+                                            <p:cond delay="499"/>
+                                          </p:stCondLst>
+                                        </p:cTn>
+                                        <p:tgtEl>
+                                          <p:spTgt spid="16"/>
+                                        </p:tgtEl>
+                                        <p:attrNameLst>
+                                          <p:attrName>style.visibility</p:attrName>
+                                        </p:attrNameLst>
+                                      </p:cBhvr>
+                                      <p:to>
+                                        <p:strVal val="hidden"/>
+                                      </p:to>
+                                    </p:set>
+                                  </p:childTnLst>
+                                </p:cTn>
+                              </p:par>
+                              <p:par>
+                                <p:cTn id="22" presetID="10" presetClass="exit" presetSubtype="0" fill="hold" nodeType="withEffect">
+                                  <p:stCondLst>
+                                    <p:cond delay="0"/>
+                                  </p:stCondLst>
+                                  <p:childTnLst>
+                                    <p:animEffect transition="out" filter="fade">
+                                      <p:cBhvr>
+                                        <p:cTn id="23" dur="500"/>
+                                        <p:tgtEl>
+                                          <p:spTgt spid="22"/>
+                                        </p:tgtEl>
+                                      </p:cBhvr>
+                                    </p:animEffect>
+                                    <p:set>
+                                      <p:cBhvr>
+                                        <p:cTn id="24" dur="1" fill="hold">
+                                          <p:stCondLst>
+                                            <p:cond delay="499"/>
+                                          </p:stCondLst>
+                                        </p:cTn>
+                                        <p:tgtEl>
+                                          <p:spTgt spid="22"/>
+                                        </p:tgtEl>
+                                        <p:attrNameLst>
+                                          <p:attrName>style.visibility</p:attrName>
+                                        </p:attrNameLst>
+                                      </p:cBhvr>
+                                      <p:to>
+                                        <p:strVal val="hidden"/>
+                                      </p:to>
+                                    </p:set>
+                                  </p:childTnLst>
+                                </p:cTn>
+                              </p:par>
                             </p:childTnLst>
                           </p:cTn>
                         </p:par>
@@ -3811,36 +7401,32 @@
                     </p:cTn>
                   </p:par>
                   <p:par>
-                    <p:cTn id="19" fill="hold">
+                    <p:cTn id="25" fill="hold">
                       <p:stCondLst>
                         <p:cond delay="indefinite"/>
                       </p:stCondLst>
                       <p:childTnLst>
                         <p:par>
-                          <p:cTn id="20" fill="hold">
+                          <p:cTn id="26" fill="hold">
                             <p:stCondLst>
                               <p:cond delay="0"/>
                             </p:stCondLst>
                             <p:childTnLst>
                               <p:par>
-                                <p:cTn id="21" presetID="1" presetClass="entr" presetSubtype="0" fill="hold" nodeType="clickEffect">
+                                <p:cTn id="27" presetID="1" presetClass="entr" presetSubtype="0" fill="hold" grpId="0" nodeType="clickEffect">
                                   <p:stCondLst>
                                     <p:cond delay="0"/>
                                   </p:stCondLst>
                                   <p:childTnLst>
                                     <p:set>
                                       <p:cBhvr>
-                                        <p:cTn id="22" dur="1" fill="hold">
+                                        <p:cTn id="28" dur="1" fill="hold">
                                           <p:stCondLst>
                                             <p:cond delay="0"/>
                                           </p:stCondLst>
                                         </p:cTn>
                                         <p:tgtEl>
-                                          <p:spTgt spid="3">
-                                            <p:txEl>
-                                              <p:pRg st="6" end="6"/>
-                                            </p:txEl>
-                                          </p:spTgt>
+                                          <p:spTgt spid="12"/>
                                         </p:tgtEl>
                                         <p:attrNameLst>
                                           <p:attrName>style.visibility</p:attrName>
@@ -3853,6 +7439,68 @@
                                   </p:childTnLst>
                                 </p:cTn>
                               </p:par>
+                              <p:par>
+                                <p:cTn id="29" presetID="1" presetClass="entr" presetSubtype="0" fill="hold" nodeType="withEffect">
+                                  <p:stCondLst>
+                                    <p:cond delay="0"/>
+                                  </p:stCondLst>
+                                  <p:childTnLst>
+                                    <p:set>
+                                      <p:cBhvr>
+                                        <p:cTn id="30" dur="1" fill="hold">
+                                          <p:stCondLst>
+                                            <p:cond delay="0"/>
+                                          </p:stCondLst>
+                                        </p:cTn>
+                                        <p:tgtEl>
+                                          <p:spTgt spid="6"/>
+                                        </p:tgtEl>
+                                        <p:attrNameLst>
+                                          <p:attrName>style.visibility</p:attrName>
+                                        </p:attrNameLst>
+                                      </p:cBhvr>
+                                      <p:to>
+                                        <p:strVal val="visible"/>
+                                      </p:to>
+                                    </p:set>
+                                  </p:childTnLst>
+                                </p:cTn>
+                              </p:par>
+                              <p:par>
+                                <p:cTn id="31" presetID="10" presetClass="exit" presetSubtype="0" fill="hold" nodeType="withEffect">
+                                  <p:stCondLst>
+                                    <p:cond delay="0"/>
+                                  </p:stCondLst>
+                                  <p:childTnLst>
+                                    <p:animEffect transition="out" filter="fade">
+                                      <p:cBhvr>
+                                        <p:cTn id="32" dur="500"/>
+                                        <p:tgtEl>
+                                          <p:spTgt spid="23"/>
+                                        </p:tgtEl>
+                                      </p:cBhvr>
+                                    </p:animEffect>
+                                    <p:set>
+                                      <p:cBhvr>
+                                        <p:cTn id="33" dur="1" fill="hold">
+                                          <p:stCondLst>
+                                            <p:cond delay="499"/>
+                                          </p:stCondLst>
+                                        </p:cTn>
+                                        <p:tgtEl>
+                                          <p:spTgt spid="23"/>
+                                        </p:tgtEl>
+                                        <p:attrNameLst>
+                                          <p:attrName>style.visibility</p:attrName>
+                                        </p:attrNameLst>
+                                      </p:cBhvr>
+                                      <p:to>
+                                        <p:strVal val="hidden"/>
+                                      </p:to>
+                                    </p:set>
+                                  </p:childTnLst>
+                                </p:cTn>
+                              </p:par>
                             </p:childTnLst>
                           </p:cTn>
                         </p:par>
@@ -3860,36 +7508,59 @@
                     </p:cTn>
                   </p:par>
                   <p:par>
-                    <p:cTn id="23" fill="hold">
+                    <p:cTn id="34" fill="hold">
                       <p:stCondLst>
                         <p:cond delay="indefinite"/>
                       </p:stCondLst>
                       <p:childTnLst>
                         <p:par>
-                          <p:cTn id="24" fill="hold">
+                          <p:cTn id="35" fill="hold">
                             <p:stCondLst>
                               <p:cond delay="0"/>
                             </p:stCondLst>
                             <p:childTnLst>
                               <p:par>
-                                <p:cTn id="25" presetID="1" presetClass="entr" presetSubtype="0" fill="hold" nodeType="clickEffect">
+                                <p:cTn id="36" presetID="1" presetClass="entr" presetSubtype="0" fill="hold" grpId="0" nodeType="clickEffect">
                                   <p:stCondLst>
                                     <p:cond delay="0"/>
                                   </p:stCondLst>
                                   <p:childTnLst>
                                     <p:set>
                                       <p:cBhvr>
-                                        <p:cTn id="26" dur="1" fill="hold">
+                                        <p:cTn id="37" dur="1" fill="hold">
                                           <p:stCondLst>
                                             <p:cond delay="0"/>
                                           </p:stCondLst>
                                         </p:cTn>
                                         <p:tgtEl>
-                                          <p:spTgt spid="3">
-                                            <p:txEl>
-                                              <p:pRg st="7" end="7"/>
-                                            </p:txEl>
-                                          </p:spTgt>
+                                          <p:spTgt spid="24"/>
+                                        </p:tgtEl>
+                                        <p:attrNameLst>
+                                          <p:attrName>style.visibility</p:attrName>
+                                        </p:attrNameLst>
+                                      </p:cBhvr>
+                                      <p:to>
+                                        <p:strVal val="visible"/>
+                                      </p:to>
+                                    </p:set>
+                                  </p:childTnLst>
+                                </p:cTn>
+                              </p:par>
+                              <p:par>
+                                <p:cTn id="38" presetID="1" presetClass="entr" presetSubtype="0" fill="hold" grpId="0" nodeType="withEffect">
+                                  <p:stCondLst>
+                                    <p:cond delay="0"/>
+                                  </p:stCondLst>
+                                  <p:childTnLst>
+                                    <p:set>
+                                      <p:cBhvr>
+                                        <p:cTn id="39" dur="1" fill="hold">
+                                          <p:stCondLst>
+                                            <p:cond delay="0"/>
+                                          </p:stCondLst>
+                                        </p:cTn>
+                                        <p:tgtEl>
+                                          <p:spTgt spid="25"/>
                                         </p:tgtEl>
                                         <p:attrNameLst>
                                           <p:attrName>style.visibility</p:attrName>
@@ -3927,6 +7598,705 @@
             </p:seq>
           </p:childTnLst>
         </p:cTn>
+      </p:par>
+    </p:tnLst>
+    <p:bldLst>
+      <p:bldP spid="3" grpId="0" build="p"/>
+      <p:bldP spid="12" grpId="0"/>
+      <p:bldP spid="24" grpId="0" animBg="1"/>
+      <p:bldP spid="25" grpId="0"/>
+    </p:bldLst>
+  </p:timing>
+</p:sld>
+</file>
+
+<file path=ppt/slides/slide16.xml><?xml version="1.0" encoding="utf-8"?>
+<p:sld xmlns:a="http://schemas.openxmlformats.org/drawingml/2006/main" xmlns:r="http://schemas.openxmlformats.org/officeDocument/2006/relationships" xmlns:p="http://schemas.openxmlformats.org/presentationml/2006/main">
+  <p:cSld>
+    <p:bg>
+      <p:bgPr>
+        <a:solidFill>
+          <a:schemeClr val="accent6"/>
+        </a:solidFill>
+        <a:effectLst/>
+      </p:bgPr>
+    </p:bg>
+    <p:spTree>
+      <p:nvGrpSpPr>
+        <p:cNvPr id="1" name=""/>
+        <p:cNvGrpSpPr/>
+        <p:nvPr/>
+      </p:nvGrpSpPr>
+      <p:grpSpPr>
+        <a:xfrm>
+          <a:off x="0" y="0"/>
+          <a:ext cx="0" cy="0"/>
+          <a:chOff x="0" y="0"/>
+          <a:chExt cx="0" cy="0"/>
+        </a:xfrm>
+      </p:grpSpPr>
+      <p:sp>
+        <p:nvSpPr>
+          <p:cNvPr id="2" name="Title 1"/>
+          <p:cNvSpPr>
+            <a:spLocks noGrp="1"/>
+          </p:cNvSpPr>
+          <p:nvPr>
+            <p:ph type="title"/>
+          </p:nvPr>
+        </p:nvSpPr>
+        <p:spPr/>
+        <p:txBody>
+          <a:bodyPr/>
+          <a:lstStyle/>
+          <a:p>
+            <a:endParaRPr lang="en-US"/>
+          </a:p>
+        </p:txBody>
+      </p:sp>
+      <p:sp>
+        <p:nvSpPr>
+          <p:cNvPr id="3" name="Text Placeholder 2"/>
+          <p:cNvSpPr>
+            <a:spLocks noGrp="1"/>
+          </p:cNvSpPr>
+          <p:nvPr>
+            <p:ph type="body" idx="1"/>
+          </p:nvPr>
+        </p:nvSpPr>
+        <p:spPr/>
+        <p:txBody>
+          <a:bodyPr/>
+          <a:lstStyle/>
+          <a:p>
+            <a:endParaRPr lang="en-US"/>
+          </a:p>
+        </p:txBody>
+      </p:sp>
+    </p:spTree>
+    <p:extLst>
+      <p:ext uri="{BB962C8B-B14F-4D97-AF65-F5344CB8AC3E}">
+        <p14:creationId xmlns:p14="http://schemas.microsoft.com/office/powerpoint/2010/main" val="1583432083"/>
+      </p:ext>
+    </p:extLst>
+  </p:cSld>
+  <p:clrMapOvr>
+    <a:masterClrMapping/>
+  </p:clrMapOvr>
+  <p:transition>
+    <p:fade/>
+  </p:transition>
+  <p:timing>
+    <p:tnLst>
+      <p:par>
+        <p:cTn id="1" dur="indefinite" restart="never" nodeType="tmRoot"/>
+      </p:par>
+    </p:tnLst>
+  </p:timing>
+</p:sld>
+</file>
+
+<file path=ppt/slides/slide17.xml><?xml version="1.0" encoding="utf-8"?>
+<p:sld xmlns:a="http://schemas.openxmlformats.org/drawingml/2006/main" xmlns:r="http://schemas.openxmlformats.org/officeDocument/2006/relationships" xmlns:p="http://schemas.openxmlformats.org/presentationml/2006/main">
+  <p:cSld>
+    <p:spTree>
+      <p:nvGrpSpPr>
+        <p:cNvPr id="1" name=""/>
+        <p:cNvGrpSpPr/>
+        <p:nvPr/>
+      </p:nvGrpSpPr>
+      <p:grpSpPr>
+        <a:xfrm>
+          <a:off x="0" y="0"/>
+          <a:ext cx="0" cy="0"/>
+          <a:chOff x="0" y="0"/>
+          <a:chExt cx="0" cy="0"/>
+        </a:xfrm>
+      </p:grpSpPr>
+      <p:sp>
+        <p:nvSpPr>
+          <p:cNvPr id="2" name="Title 1"/>
+          <p:cNvSpPr>
+            <a:spLocks noGrp="1"/>
+          </p:cNvSpPr>
+          <p:nvPr>
+            <p:ph type="title"/>
+          </p:nvPr>
+        </p:nvSpPr>
+        <p:spPr/>
+        <p:txBody>
+          <a:bodyPr/>
+          <a:lstStyle/>
+          <a:p>
+            <a:r>
+              <a:rPr lang="en-US" dirty="0" smtClean="0"/>
+              <a:t>Summary</a:t>
+            </a:r>
+            <a:endParaRPr lang="en-US" dirty="0"/>
+          </a:p>
+        </p:txBody>
+      </p:sp>
+      <p:sp>
+        <p:nvSpPr>
+          <p:cNvPr id="3" name="Text Placeholder 2"/>
+          <p:cNvSpPr>
+            <a:spLocks noGrp="1"/>
+          </p:cNvSpPr>
+          <p:nvPr>
+            <p:ph type="body" idx="1"/>
+          </p:nvPr>
+        </p:nvSpPr>
+        <p:spPr/>
+        <p:txBody>
+          <a:bodyPr/>
+          <a:lstStyle/>
+          <a:p>
+            <a:r>
+              <a:rPr lang="en-US" dirty="0" smtClean="0"/>
+              <a:t>Created Custom Validation Rules</a:t>
+            </a:r>
+            <a:endParaRPr lang="en-US" dirty="0" smtClean="0"/>
+          </a:p>
+          <a:p>
+            <a:pPr lvl="1"/>
+            <a:r>
+              <a:rPr lang="en-US" dirty="0" smtClean="0"/>
+              <a:t>Created both Global and Inline rules</a:t>
+            </a:r>
+            <a:endParaRPr lang="en-US" dirty="0" smtClean="0"/>
+          </a:p>
+          <a:p>
+            <a:pPr lvl="1"/>
+            <a:endParaRPr lang="en-US" dirty="0" smtClean="0"/>
+          </a:p>
+          <a:p>
+            <a:r>
+              <a:rPr lang="en-US" dirty="0" smtClean="0"/>
+              <a:t>Validated Computed Observables</a:t>
+            </a:r>
+            <a:endParaRPr lang="en-US" dirty="0"/>
+          </a:p>
+          <a:p>
+            <a:pPr lvl="1"/>
+            <a:r>
+              <a:rPr lang="en-US" dirty="0"/>
+              <a:t>Created </a:t>
+            </a:r>
+            <a:r>
+              <a:rPr lang="en-US" dirty="0" smtClean="0"/>
+              <a:t>our rule and attached it.</a:t>
+            </a:r>
+          </a:p>
+          <a:p>
+            <a:endParaRPr lang="en-US" dirty="0" smtClean="0"/>
+          </a:p>
+          <a:p>
+            <a:r>
+              <a:rPr lang="en-US" dirty="0" smtClean="0"/>
+              <a:t>Performed Conditional Validation</a:t>
+            </a:r>
+            <a:endParaRPr lang="en-US" dirty="0"/>
+          </a:p>
+          <a:p>
+            <a:pPr lvl="1"/>
+            <a:r>
+              <a:rPr lang="en-US" dirty="0" smtClean="0"/>
+              <a:t>Leaned to use the </a:t>
+            </a:r>
+            <a:r>
+              <a:rPr lang="en-US" dirty="0" err="1" smtClean="0"/>
+              <a:t>OnlyIf</a:t>
+            </a:r>
+            <a:r>
+              <a:rPr lang="en-US" dirty="0" smtClean="0"/>
+              <a:t> parameter</a:t>
+            </a:r>
+          </a:p>
+          <a:p>
+            <a:pPr lvl="1"/>
+            <a:endParaRPr lang="en-US" dirty="0"/>
+          </a:p>
+          <a:p>
+            <a:r>
+              <a:rPr lang="en-US" dirty="0" smtClean="0"/>
+              <a:t>Learned to use the HTML 5 Attributes</a:t>
+            </a:r>
+            <a:endParaRPr lang="en-US" dirty="0"/>
+          </a:p>
+          <a:p>
+            <a:pPr lvl="1"/>
+            <a:r>
+              <a:rPr lang="en-US" dirty="0" smtClean="0"/>
+              <a:t>Learned how to configure and implement</a:t>
+            </a:r>
+            <a:endParaRPr lang="en-US" dirty="0"/>
+          </a:p>
+          <a:p>
+            <a:pPr marL="457200" lvl="1" indent="0">
+              <a:buNone/>
+            </a:pPr>
+            <a:endParaRPr lang="en-US" dirty="0" smtClean="0"/>
+          </a:p>
+          <a:p>
+            <a:pPr lvl="1"/>
+            <a:endParaRPr lang="en-US" dirty="0" smtClean="0"/>
+          </a:p>
+          <a:p>
+            <a:pPr marL="457200" lvl="1" indent="0">
+              <a:buNone/>
+            </a:pPr>
+            <a:endParaRPr lang="en-US" dirty="0"/>
+          </a:p>
+          <a:p>
+            <a:pPr marL="457200" lvl="1" indent="0">
+              <a:buNone/>
+            </a:pPr>
+            <a:endParaRPr lang="en-US" dirty="0" smtClean="0"/>
+          </a:p>
+        </p:txBody>
+      </p:sp>
+    </p:spTree>
+    <p:extLst>
+      <p:ext uri="{BB962C8B-B14F-4D97-AF65-F5344CB8AC3E}">
+        <p14:creationId xmlns:p14="http://schemas.microsoft.com/office/powerpoint/2010/main" val="2776193582"/>
+      </p:ext>
+    </p:extLst>
+  </p:cSld>
+  <p:clrMapOvr>
+    <a:masterClrMapping/>
+  </p:clrMapOvr>
+  <p:transition>
+    <p:fade/>
+  </p:transition>
+  <p:timing>
+    <p:tnLst>
+      <p:par>
+        <p:cTn id="1" dur="indefinite" restart="never" nodeType="tmRoot">
+          <p:childTnLst>
+            <p:seq concurrent="1" nextAc="seek">
+              <p:cTn id="2" dur="indefinite" nodeType="mainSeq">
+                <p:childTnLst>
+                  <p:par>
+                    <p:cTn id="3" fill="hold">
+                      <p:stCondLst>
+                        <p:cond delay="indefinite"/>
+                      </p:stCondLst>
+                      <p:childTnLst>
+                        <p:par>
+                          <p:cTn id="4" fill="hold">
+                            <p:stCondLst>
+                              <p:cond delay="0"/>
+                            </p:stCondLst>
+                            <p:childTnLst>
+                              <p:par>
+                                <p:cTn id="5" presetID="3" presetClass="emph" presetSubtype="2" fill="hold" nodeType="clickEffect">
+                                  <p:stCondLst>
+                                    <p:cond delay="0"/>
+                                  </p:stCondLst>
+                                  <p:iterate type="lt">
+                                    <p:tmPct val="0"/>
+                                  </p:iterate>
+                                  <p:childTnLst>
+                                    <p:animClr clrSpc="rgb" dir="cw">
+                                      <p:cBhvr override="childStyle">
+                                        <p:cTn id="6" dur="500" fill="hold"/>
+                                        <p:tgtEl>
+                                          <p:spTgt spid="3">
+                                            <p:txEl>
+                                              <p:pRg st="1" end="1"/>
+                                            </p:txEl>
+                                          </p:spTgt>
+                                        </p:tgtEl>
+                                        <p:attrNameLst>
+                                          <p:attrName>style.color</p:attrName>
+                                        </p:attrNameLst>
+                                      </p:cBhvr>
+                                      <p:to>
+                                        <a:srgbClr val="CC6109"/>
+                                      </p:to>
+                                    </p:animClr>
+                                  </p:childTnLst>
+                                </p:cTn>
+                              </p:par>
+                            </p:childTnLst>
+                          </p:cTn>
+                        </p:par>
+                      </p:childTnLst>
+                    </p:cTn>
+                  </p:par>
+                  <p:par>
+                    <p:cTn id="7" fill="hold">
+                      <p:stCondLst>
+                        <p:cond delay="indefinite"/>
+                      </p:stCondLst>
+                      <p:childTnLst>
+                        <p:par>
+                          <p:cTn id="8" fill="hold">
+                            <p:stCondLst>
+                              <p:cond delay="0"/>
+                            </p:stCondLst>
+                            <p:childTnLst>
+                              <p:par>
+                                <p:cTn id="9" presetID="3" presetClass="emph" presetSubtype="2" fill="hold" nodeType="clickEffect">
+                                  <p:stCondLst>
+                                    <p:cond delay="0"/>
+                                  </p:stCondLst>
+                                  <p:iterate type="lt">
+                                    <p:tmPct val="0"/>
+                                  </p:iterate>
+                                  <p:childTnLst>
+                                    <p:animClr clrSpc="rgb" dir="cw">
+                                      <p:cBhvr override="childStyle">
+                                        <p:cTn id="10" dur="500" fill="hold"/>
+                                        <p:tgtEl>
+                                          <p:spTgt spid="3">
+                                            <p:txEl>
+                                              <p:pRg st="4" end="4"/>
+                                            </p:txEl>
+                                          </p:spTgt>
+                                        </p:tgtEl>
+                                        <p:attrNameLst>
+                                          <p:attrName>style.color</p:attrName>
+                                        </p:attrNameLst>
+                                      </p:cBhvr>
+                                      <p:to>
+                                        <a:srgbClr val="CC6109"/>
+                                      </p:to>
+                                    </p:animClr>
+                                  </p:childTnLst>
+                                </p:cTn>
+                              </p:par>
+                              <p:par>
+                                <p:cTn id="11" presetID="3" presetClass="emph" presetSubtype="2" fill="hold" nodeType="withEffect">
+                                  <p:stCondLst>
+                                    <p:cond delay="0"/>
+                                  </p:stCondLst>
+                                  <p:iterate type="lt">
+                                    <p:tmPct val="0"/>
+                                  </p:iterate>
+                                  <p:childTnLst>
+                                    <p:animClr clrSpc="rgb" dir="cw">
+                                      <p:cBhvr override="childStyle">
+                                        <p:cTn id="12" dur="500" fill="hold"/>
+                                        <p:tgtEl>
+                                          <p:spTgt spid="3">
+                                            <p:txEl>
+                                              <p:pRg st="1" end="1"/>
+                                            </p:txEl>
+                                          </p:spTgt>
+                                        </p:tgtEl>
+                                        <p:attrNameLst>
+                                          <p:attrName>style.color</p:attrName>
+                                        </p:attrNameLst>
+                                      </p:cBhvr>
+                                      <p:to>
+                                        <a:schemeClr val="tx1"/>
+                                      </p:to>
+                                    </p:animClr>
+                                  </p:childTnLst>
+                                </p:cTn>
+                              </p:par>
+                            </p:childTnLst>
+                          </p:cTn>
+                        </p:par>
+                      </p:childTnLst>
+                    </p:cTn>
+                  </p:par>
+                  <p:par>
+                    <p:cTn id="13" fill="hold">
+                      <p:stCondLst>
+                        <p:cond delay="indefinite"/>
+                      </p:stCondLst>
+                      <p:childTnLst>
+                        <p:par>
+                          <p:cTn id="14" fill="hold">
+                            <p:stCondLst>
+                              <p:cond delay="0"/>
+                            </p:stCondLst>
+                            <p:childTnLst>
+                              <p:par>
+                                <p:cTn id="15" presetID="3" presetClass="emph" presetSubtype="2" fill="hold" nodeType="clickEffect">
+                                  <p:stCondLst>
+                                    <p:cond delay="0"/>
+                                  </p:stCondLst>
+                                  <p:iterate type="lt">
+                                    <p:tmPct val="0"/>
+                                  </p:iterate>
+                                  <p:childTnLst>
+                                    <p:animClr clrSpc="rgb" dir="cw">
+                                      <p:cBhvr override="childStyle">
+                                        <p:cTn id="16" dur="500" fill="hold"/>
+                                        <p:tgtEl>
+                                          <p:spTgt spid="3">
+                                            <p:txEl>
+                                              <p:pRg st="7" end="7"/>
+                                            </p:txEl>
+                                          </p:spTgt>
+                                        </p:tgtEl>
+                                        <p:attrNameLst>
+                                          <p:attrName>style.color</p:attrName>
+                                        </p:attrNameLst>
+                                      </p:cBhvr>
+                                      <p:to>
+                                        <a:srgbClr val="CC6109"/>
+                                      </p:to>
+                                    </p:animClr>
+                                  </p:childTnLst>
+                                </p:cTn>
+                              </p:par>
+                              <p:par>
+                                <p:cTn id="17" presetID="3" presetClass="emph" presetSubtype="2" fill="hold" nodeType="withEffect">
+                                  <p:stCondLst>
+                                    <p:cond delay="0"/>
+                                  </p:stCondLst>
+                                  <p:iterate type="lt">
+                                    <p:tmPct val="0"/>
+                                  </p:iterate>
+                                  <p:childTnLst>
+                                    <p:animClr clrSpc="rgb" dir="cw">
+                                      <p:cBhvr override="childStyle">
+                                        <p:cTn id="18" dur="500" fill="hold"/>
+                                        <p:tgtEl>
+                                          <p:spTgt spid="3">
+                                            <p:txEl>
+                                              <p:pRg st="4" end="4"/>
+                                            </p:txEl>
+                                          </p:spTgt>
+                                        </p:tgtEl>
+                                        <p:attrNameLst>
+                                          <p:attrName>style.color</p:attrName>
+                                        </p:attrNameLst>
+                                      </p:cBhvr>
+                                      <p:to>
+                                        <a:schemeClr val="tx1"/>
+                                      </p:to>
+                                    </p:animClr>
+                                  </p:childTnLst>
+                                </p:cTn>
+                              </p:par>
+                            </p:childTnLst>
+                          </p:cTn>
+                        </p:par>
+                      </p:childTnLst>
+                    </p:cTn>
+                  </p:par>
+                  <p:par>
+                    <p:cTn id="19" fill="hold">
+                      <p:stCondLst>
+                        <p:cond delay="indefinite"/>
+                      </p:stCondLst>
+                      <p:childTnLst>
+                        <p:par>
+                          <p:cTn id="20" fill="hold">
+                            <p:stCondLst>
+                              <p:cond delay="0"/>
+                            </p:stCondLst>
+                            <p:childTnLst>
+                              <p:par>
+                                <p:cTn id="21" presetID="3" presetClass="emph" presetSubtype="2" fill="hold" nodeType="clickEffect">
+                                  <p:stCondLst>
+                                    <p:cond delay="0"/>
+                                  </p:stCondLst>
+                                  <p:iterate type="lt">
+                                    <p:tmPct val="0"/>
+                                  </p:iterate>
+                                  <p:childTnLst>
+                                    <p:animClr clrSpc="rgb" dir="cw">
+                                      <p:cBhvr override="childStyle">
+                                        <p:cTn id="22" dur="500" fill="hold"/>
+                                        <p:tgtEl>
+                                          <p:spTgt spid="3">
+                                            <p:txEl>
+                                              <p:pRg st="10" end="10"/>
+                                            </p:txEl>
+                                          </p:spTgt>
+                                        </p:tgtEl>
+                                        <p:attrNameLst>
+                                          <p:attrName>style.color</p:attrName>
+                                        </p:attrNameLst>
+                                      </p:cBhvr>
+                                      <p:to>
+                                        <a:srgbClr val="CC6109"/>
+                                      </p:to>
+                                    </p:animClr>
+                                  </p:childTnLst>
+                                </p:cTn>
+                              </p:par>
+                              <p:par>
+                                <p:cTn id="23" presetID="3" presetClass="emph" presetSubtype="2" fill="hold" nodeType="withEffect">
+                                  <p:stCondLst>
+                                    <p:cond delay="0"/>
+                                  </p:stCondLst>
+                                  <p:iterate type="lt">
+                                    <p:tmPct val="0"/>
+                                  </p:iterate>
+                                  <p:childTnLst>
+                                    <p:animClr clrSpc="rgb" dir="cw">
+                                      <p:cBhvr override="childStyle">
+                                        <p:cTn id="24" dur="500" fill="hold"/>
+                                        <p:tgtEl>
+                                          <p:spTgt spid="3">
+                                            <p:txEl>
+                                              <p:pRg st="7" end="7"/>
+                                            </p:txEl>
+                                          </p:spTgt>
+                                        </p:tgtEl>
+                                        <p:attrNameLst>
+                                          <p:attrName>style.color</p:attrName>
+                                        </p:attrNameLst>
+                                      </p:cBhvr>
+                                      <p:to>
+                                        <a:schemeClr val="tx1"/>
+                                      </p:to>
+                                    </p:animClr>
+                                  </p:childTnLst>
+                                </p:cTn>
+                              </p:par>
+                            </p:childTnLst>
+                          </p:cTn>
+                        </p:par>
+                      </p:childTnLst>
+                    </p:cTn>
+                  </p:par>
+                </p:childTnLst>
+              </p:cTn>
+              <p:prevCondLst>
+                <p:cond evt="onPrev" delay="0">
+                  <p:tgtEl>
+                    <p:sldTgt/>
+                  </p:tgtEl>
+                </p:cond>
+              </p:prevCondLst>
+              <p:nextCondLst>
+                <p:cond evt="onNext" delay="0">
+                  <p:tgtEl>
+                    <p:sldTgt/>
+                  </p:tgtEl>
+                </p:cond>
+              </p:nextCondLst>
+            </p:seq>
+          </p:childTnLst>
+        </p:cTn>
+      </p:par>
+    </p:tnLst>
+  </p:timing>
+</p:sld>
+</file>
+
+<file path=ppt/slides/slide2.xml><?xml version="1.0" encoding="utf-8"?>
+<p:sld xmlns:a="http://schemas.openxmlformats.org/drawingml/2006/main" xmlns:r="http://schemas.openxmlformats.org/officeDocument/2006/relationships" xmlns:p="http://schemas.openxmlformats.org/presentationml/2006/main">
+  <p:cSld>
+    <p:spTree>
+      <p:nvGrpSpPr>
+        <p:cNvPr id="1" name=""/>
+        <p:cNvGrpSpPr/>
+        <p:nvPr/>
+      </p:nvGrpSpPr>
+      <p:grpSpPr>
+        <a:xfrm>
+          <a:off x="0" y="0"/>
+          <a:ext cx="0" cy="0"/>
+          <a:chOff x="0" y="0"/>
+          <a:chExt cx="0" cy="0"/>
+        </a:xfrm>
+      </p:grpSpPr>
+      <p:sp>
+        <p:nvSpPr>
+          <p:cNvPr id="2" name="Title 1"/>
+          <p:cNvSpPr>
+            <a:spLocks noGrp="1"/>
+          </p:cNvSpPr>
+          <p:nvPr>
+            <p:ph type="title"/>
+          </p:nvPr>
+        </p:nvSpPr>
+        <p:spPr/>
+        <p:txBody>
+          <a:bodyPr/>
+          <a:lstStyle/>
+          <a:p>
+            <a:r>
+              <a:rPr lang="en-US" dirty="0" smtClean="0"/>
+              <a:t>Agenda</a:t>
+            </a:r>
+            <a:endParaRPr lang="en-US" dirty="0"/>
+          </a:p>
+        </p:txBody>
+      </p:sp>
+      <p:sp>
+        <p:nvSpPr>
+          <p:cNvPr id="3" name="Text Placeholder 2"/>
+          <p:cNvSpPr>
+            <a:spLocks noGrp="1"/>
+          </p:cNvSpPr>
+          <p:nvPr>
+            <p:ph type="body" idx="1"/>
+          </p:nvPr>
+        </p:nvSpPr>
+        <p:spPr/>
+        <p:txBody>
+          <a:bodyPr/>
+          <a:lstStyle/>
+          <a:p>
+            <a:r>
+              <a:rPr lang="en-US" dirty="0" smtClean="0"/>
+              <a:t>Creating Custom Validation </a:t>
+            </a:r>
+            <a:r>
+              <a:rPr lang="en-US" dirty="0" smtClean="0"/>
+              <a:t>Rules</a:t>
+            </a:r>
+          </a:p>
+          <a:p>
+            <a:endParaRPr lang="en-US" dirty="0" smtClean="0"/>
+          </a:p>
+          <a:p>
+            <a:r>
+              <a:rPr lang="en-US" dirty="0" smtClean="0"/>
+              <a:t>Validating Computed </a:t>
+            </a:r>
+            <a:r>
+              <a:rPr lang="en-US" dirty="0" smtClean="0"/>
+              <a:t>Observables</a:t>
+            </a:r>
+          </a:p>
+          <a:p>
+            <a:endParaRPr lang="en-US" dirty="0" smtClean="0"/>
+          </a:p>
+          <a:p>
+            <a:r>
+              <a:rPr lang="en-US" dirty="0" smtClean="0"/>
+              <a:t>Performing Conditional Validations</a:t>
+            </a:r>
+          </a:p>
+          <a:p>
+            <a:endParaRPr lang="en-US" dirty="0" smtClean="0"/>
+          </a:p>
+          <a:p>
+            <a:r>
+              <a:rPr lang="en-US" dirty="0" smtClean="0"/>
+              <a:t>Using HTML5 Validation Attributes</a:t>
+            </a:r>
+          </a:p>
+        </p:txBody>
+      </p:sp>
+    </p:spTree>
+    <p:extLst>
+      <p:ext uri="{BB962C8B-B14F-4D97-AF65-F5344CB8AC3E}">
+        <p14:creationId xmlns:p14="http://schemas.microsoft.com/office/powerpoint/2010/main" val="2390925800"/>
+      </p:ext>
+    </p:extLst>
+  </p:cSld>
+  <p:clrMapOvr>
+    <a:masterClrMapping/>
+  </p:clrMapOvr>
+  <p:transition>
+    <p:fade/>
+  </p:transition>
+  <p:timing>
+    <p:tnLst>
+      <p:par>
+        <p:cTn id="1" dur="indefinite" restart="never" nodeType="tmRoot"/>
       </p:par>
     </p:tnLst>
   </p:timing>
@@ -6483,14 +10853,6 @@
 <file path=ppt/slides/slide8.xml><?xml version="1.0" encoding="utf-8"?>
 <p:sld xmlns:a="http://schemas.openxmlformats.org/drawingml/2006/main" xmlns:r="http://schemas.openxmlformats.org/officeDocument/2006/relationships" xmlns:p="http://schemas.openxmlformats.org/presentationml/2006/main">
   <p:cSld>
-    <p:bg>
-      <p:bgPr>
-        <a:solidFill>
-          <a:schemeClr val="accent6"/>
-        </a:solidFill>
-        <a:effectLst/>
-      </p:bgPr>
-    </p:bg>
     <p:spTree>
       <p:nvGrpSpPr>
         <p:cNvPr id="1" name=""/>
@@ -6520,7 +10882,11 @@
           <a:bodyPr/>
           <a:lstStyle/>
           <a:p>
-            <a:endParaRPr lang="en-US"/>
+            <a:r>
+              <a:rPr lang="en-US" dirty="0" smtClean="0"/>
+              <a:t>Agenda</a:t>
+            </a:r>
+            <a:endParaRPr lang="en-US" dirty="0"/>
           </a:p>
         </p:txBody>
       </p:sp>
@@ -6539,14 +10905,91 @@
           <a:bodyPr/>
           <a:lstStyle/>
           <a:p>
-            <a:endParaRPr lang="en-US"/>
+            <a:r>
+              <a:rPr lang="en-US" dirty="0" smtClean="0"/>
+              <a:t>Creating Custom Validation Rules</a:t>
+            </a:r>
+          </a:p>
+          <a:p>
+            <a:pPr lvl="1"/>
+            <a:r>
+              <a:rPr lang="en-US" dirty="0" smtClean="0"/>
+              <a:t>Creating global or shared rules</a:t>
+            </a:r>
+          </a:p>
+          <a:p>
+            <a:pPr lvl="1"/>
+            <a:r>
+              <a:rPr lang="en-US" dirty="0" smtClean="0"/>
+              <a:t>Creating inline or anonymous rules</a:t>
+            </a:r>
+          </a:p>
+          <a:p>
+            <a:pPr lvl="1"/>
+            <a:endParaRPr lang="en-US" dirty="0" smtClean="0"/>
+          </a:p>
+          <a:p>
+            <a:r>
+              <a:rPr lang="en-US" dirty="0" smtClean="0"/>
+              <a:t>Validating Computed </a:t>
+            </a:r>
+            <a:r>
+              <a:rPr lang="en-US" dirty="0" smtClean="0"/>
+              <a:t>Observables</a:t>
+            </a:r>
+          </a:p>
+          <a:p>
+            <a:pPr lvl="1"/>
+            <a:r>
+              <a:rPr lang="en-US" dirty="0" smtClean="0">
+                <a:solidFill>
+                  <a:schemeClr val="accent6"/>
+                </a:solidFill>
+              </a:rPr>
+              <a:t>Create the required validator</a:t>
+            </a:r>
+            <a:endParaRPr lang="en-US" dirty="0">
+              <a:solidFill>
+                <a:schemeClr val="accent6"/>
+              </a:solidFill>
+            </a:endParaRPr>
+          </a:p>
+          <a:p>
+            <a:pPr lvl="1"/>
+            <a:r>
+              <a:rPr lang="en-US" dirty="0" smtClean="0">
+                <a:solidFill>
+                  <a:schemeClr val="accent6"/>
+                </a:solidFill>
+              </a:rPr>
+              <a:t>Register and Attach to the Computed</a:t>
+            </a:r>
+            <a:endParaRPr lang="en-US" dirty="0" smtClean="0"/>
+          </a:p>
+          <a:p>
+            <a:endParaRPr lang="en-US" dirty="0" smtClean="0"/>
+          </a:p>
+          <a:p>
+            <a:r>
+              <a:rPr lang="en-US" dirty="0" smtClean="0"/>
+              <a:t>Performing Conditional Validations</a:t>
+            </a:r>
+          </a:p>
+          <a:p>
+            <a:endParaRPr lang="en-US" dirty="0" smtClean="0"/>
+          </a:p>
+          <a:p>
+            <a:r>
+              <a:rPr lang="en-US" dirty="0" smtClean="0"/>
+              <a:t>Using HTML5 Validation Attributes</a:t>
+            </a:r>
           </a:p>
         </p:txBody>
       </p:sp>
     </p:spTree>
     <p:extLst>
       <p:ext uri="{BB962C8B-B14F-4D97-AF65-F5344CB8AC3E}">
-        <p14:creationId xmlns:p14="http://schemas.microsoft.com/office/powerpoint/2010/main" val="3372198076"/>
+        <p14:creationId xmlns:p14="http://schemas.microsoft.com/office/powerpoint/2010/main" val="2674610600"/>
       </p:ext>
     </p:extLst>
   </p:cSld>
@@ -6600,7 +11043,7 @@
           <a:p>
             <a:r>
               <a:rPr lang="en-US" dirty="0" smtClean="0"/>
-              <a:t>Summary</a:t>
+              <a:t>Validating Computed Observables</a:t>
             </a:r>
             <a:endParaRPr lang="en-US" dirty="0"/>
           </a:p>
@@ -6616,76 +11059,816 @@
             <p:ph type="body" idx="1"/>
           </p:nvPr>
         </p:nvSpPr>
-        <p:spPr/>
+        <p:spPr>
+          <a:xfrm>
+            <a:off x="457200" y="1371600"/>
+            <a:ext cx="8229600" cy="483577"/>
+          </a:xfrm>
+        </p:spPr>
         <p:txBody>
           <a:bodyPr/>
           <a:lstStyle/>
           <a:p>
+            <a:pPr marL="0" indent="0">
+              <a:buNone/>
+            </a:pPr>
             <a:r>
               <a:rPr lang="en-US" dirty="0" smtClean="0"/>
-              <a:t>Validate our first observable</a:t>
-            </a:r>
-          </a:p>
-          <a:p>
-            <a:pPr lvl="1"/>
-            <a:r>
-              <a:rPr lang="en-US" dirty="0" smtClean="0"/>
-              <a:t>Used Required Validator</a:t>
-            </a:r>
-          </a:p>
-          <a:p>
-            <a:pPr lvl="1"/>
-            <a:endParaRPr lang="en-US" dirty="0" smtClean="0"/>
-          </a:p>
-          <a:p>
-            <a:r>
-              <a:rPr lang="en-US" dirty="0" smtClean="0"/>
-              <a:t>Learned to use the Built </a:t>
-            </a:r>
-            <a:r>
-              <a:rPr lang="en-US" dirty="0"/>
-              <a:t>i</a:t>
-            </a:r>
-            <a:r>
-              <a:rPr lang="en-US" dirty="0" smtClean="0"/>
-              <a:t>n Validators</a:t>
-            </a:r>
-          </a:p>
-          <a:p>
-            <a:pPr lvl="1"/>
-            <a:r>
-              <a:rPr lang="en-US" dirty="0" smtClean="0"/>
-              <a:t>Used Min/Max Validators</a:t>
-            </a:r>
-          </a:p>
-          <a:p>
-            <a:pPr lvl="1"/>
-            <a:r>
-              <a:rPr lang="en-US" dirty="0" smtClean="0"/>
-              <a:t>Used Equal/Not Equal Validators</a:t>
-            </a:r>
-          </a:p>
-          <a:p>
-            <a:pPr lvl="1"/>
-            <a:r>
-              <a:rPr lang="en-US" dirty="0" smtClean="0"/>
-              <a:t>Used Min/Max Length Validators</a:t>
-            </a:r>
-          </a:p>
-          <a:p>
-            <a:pPr lvl="1"/>
-            <a:r>
-              <a:rPr lang="en-US" dirty="0" smtClean="0"/>
-              <a:t>Used Pattern (aka Regular Expression) Validator</a:t>
+              <a:t>Creating the Computed Observable</a:t>
             </a:r>
             <a:endParaRPr lang="en-US" dirty="0"/>
           </a:p>
         </p:txBody>
       </p:sp>
+      <p:sp>
+        <p:nvSpPr>
+          <p:cNvPr id="17" name="Right Triangle 16"/>
+          <p:cNvSpPr/>
+          <p:nvPr/>
+        </p:nvSpPr>
+        <p:spPr bwMode="auto">
+          <a:xfrm rot="10800000">
+            <a:off x="7772400" y="-1"/>
+            <a:ext cx="1371600" cy="1295400"/>
+          </a:xfrm>
+          <a:prstGeom prst="rtTriangle">
+            <a:avLst/>
+          </a:prstGeom>
+          <a:gradFill flip="none" rotWithShape="1">
+            <a:gsLst>
+              <a:gs pos="0">
+                <a:schemeClr val="accent6">
+                  <a:lumMod val="67000"/>
+                </a:schemeClr>
+              </a:gs>
+              <a:gs pos="48000">
+                <a:schemeClr val="accent6">
+                  <a:lumMod val="97000"/>
+                  <a:lumOff val="3000"/>
+                </a:schemeClr>
+              </a:gs>
+              <a:gs pos="100000">
+                <a:schemeClr val="accent6">
+                  <a:lumMod val="60000"/>
+                  <a:lumOff val="40000"/>
+                </a:schemeClr>
+              </a:gs>
+            </a:gsLst>
+            <a:lin ang="18000000" scaled="0"/>
+            <a:tileRect/>
+          </a:gradFill>
+          <a:ln w="9525" algn="ctr">
+            <a:noFill/>
+            <a:miter lim="800000"/>
+            <a:headEnd/>
+            <a:tailEnd/>
+          </a:ln>
+          <a:effectLst>
+            <a:outerShdw blurRad="50800" dist="38100" dir="2700000" algn="tl" rotWithShape="0">
+              <a:prstClr val="black">
+                <a:alpha val="40000"/>
+              </a:prstClr>
+            </a:outerShdw>
+          </a:effectLst>
+        </p:spPr>
+        <p:txBody>
+          <a:bodyPr wrap="none" rtlCol="0" anchor="ctr"/>
+          <a:lstStyle/>
+          <a:p>
+            <a:pPr algn="ctr"/>
+            <a:endParaRPr lang="en-US" sz="2000" dirty="0">
+              <a:latin typeface="Tekton Pro" pitchFamily="34" charset="0"/>
+            </a:endParaRPr>
+          </a:p>
+        </p:txBody>
+      </p:sp>
+      <p:sp>
+        <p:nvSpPr>
+          <p:cNvPr id="18" name="TextBox 17"/>
+          <p:cNvSpPr txBox="1"/>
+          <p:nvPr/>
+        </p:nvSpPr>
+        <p:spPr bwMode="auto">
+          <a:xfrm rot="2620387">
+            <a:off x="7653438" y="361299"/>
+            <a:ext cx="1888309" cy="338554"/>
+          </a:xfrm>
+          <a:prstGeom prst="rect">
+            <a:avLst/>
+          </a:prstGeom>
+          <a:noFill/>
+          <a:ln w="9525">
+            <a:noFill/>
+            <a:miter lim="800000"/>
+            <a:headEnd/>
+            <a:tailEnd/>
+          </a:ln>
+        </p:spPr>
+        <p:txBody>
+          <a:bodyPr wrap="square" rtlCol="0">
+            <a:spAutoFit/>
+          </a:bodyPr>
+          <a:lstStyle/>
+          <a:p>
+            <a:pPr algn="ctr"/>
+            <a:r>
+              <a:rPr lang="en-US" sz="1600" dirty="0" smtClean="0">
+                <a:solidFill>
+                  <a:schemeClr val="bg1"/>
+                </a:solidFill>
+                <a:latin typeface="+mj-lt"/>
+              </a:rPr>
+              <a:t>Coding</a:t>
+            </a:r>
+            <a:endParaRPr lang="en-US" sz="1600" dirty="0">
+              <a:solidFill>
+                <a:schemeClr val="bg1"/>
+              </a:solidFill>
+              <a:latin typeface="+mj-lt"/>
+            </a:endParaRPr>
+          </a:p>
+        </p:txBody>
+      </p:sp>
+      <p:pic>
+        <p:nvPicPr>
+          <p:cNvPr id="5" name="Picture 4"/>
+          <p:cNvPicPr>
+            <a:picLocks noChangeAspect="1"/>
+          </p:cNvPicPr>
+          <p:nvPr/>
+        </p:nvPicPr>
+        <p:blipFill>
+          <a:blip r:embed="rId3"/>
+          <a:stretch>
+            <a:fillRect/>
+          </a:stretch>
+        </p:blipFill>
+        <p:spPr>
+          <a:xfrm>
+            <a:off x="736908" y="1931377"/>
+            <a:ext cx="4067175" cy="876300"/>
+          </a:xfrm>
+          <a:prstGeom prst="rect">
+            <a:avLst/>
+          </a:prstGeom>
+        </p:spPr>
+      </p:pic>
+      <p:sp>
+        <p:nvSpPr>
+          <p:cNvPr id="16" name="Text Placeholder 2"/>
+          <p:cNvSpPr txBox="1">
+            <a:spLocks/>
+          </p:cNvSpPr>
+          <p:nvPr/>
+        </p:nvSpPr>
+        <p:spPr bwMode="auto">
+          <a:xfrm>
+            <a:off x="459472" y="2956220"/>
+            <a:ext cx="8229600" cy="483577"/>
+          </a:xfrm>
+          <a:prstGeom prst="rect">
+            <a:avLst/>
+          </a:prstGeom>
+          <a:noFill/>
+          <a:ln w="9525">
+            <a:noFill/>
+            <a:miter lim="800000"/>
+            <a:headEnd/>
+            <a:tailEnd/>
+          </a:ln>
+        </p:spPr>
+        <p:txBody>
+          <a:bodyPr vert="horz" wrap="square" lIns="91440" tIns="45720" rIns="91440" bIns="45720" numCol="1" rtlCol="0" anchor="t" anchorCtr="0" compatLnSpc="1">
+            <a:prstTxWarp prst="textNoShape">
+              <a:avLst/>
+            </a:prstTxWarp>
+          </a:bodyPr>
+          <a:lstStyle>
+            <a:lvl1pPr marL="342900" indent="-342900" algn="l" defTabSz="-13873163" rtl="0" eaLnBrk="1" fontAlgn="base" hangingPunct="1">
+              <a:spcBef>
+                <a:spcPct val="20000"/>
+              </a:spcBef>
+              <a:spcAft>
+                <a:spcPct val="0"/>
+              </a:spcAft>
+              <a:buClrTx/>
+              <a:buFont typeface="Wingdings" pitchFamily="2" charset="2"/>
+              <a:buChar char="§"/>
+              <a:defRPr sz="2000" b="1">
+                <a:solidFill>
+                  <a:schemeClr val="tx1"/>
+                </a:solidFill>
+                <a:latin typeface="Myriad Pro Light" pitchFamily="34" charset="0"/>
+                <a:ea typeface="+mn-ea"/>
+                <a:cs typeface="Segoe UI" pitchFamily="34" charset="0"/>
+              </a:defRPr>
+            </a:lvl1pPr>
+            <a:lvl2pPr marL="742950" indent="-285750" algn="l" defTabSz="-13873163" rtl="0" eaLnBrk="1" fontAlgn="base" hangingPunct="1">
+              <a:spcBef>
+                <a:spcPct val="20000"/>
+              </a:spcBef>
+              <a:spcAft>
+                <a:spcPct val="0"/>
+              </a:spcAft>
+              <a:buClrTx/>
+              <a:buSzPct val="50000"/>
+              <a:buFont typeface="Wingdings" pitchFamily="2" charset="2"/>
+              <a:buChar char="o"/>
+              <a:defRPr sz="1800" b="0">
+                <a:solidFill>
+                  <a:schemeClr val="tx1"/>
+                </a:solidFill>
+                <a:latin typeface="Myriad Pro" pitchFamily="34" charset="0"/>
+                <a:cs typeface="Segoe UI" pitchFamily="34" charset="0"/>
+              </a:defRPr>
+            </a:lvl2pPr>
+            <a:lvl3pPr marL="1143000" indent="-228600" algn="l" defTabSz="-13873163" rtl="0" eaLnBrk="1" fontAlgn="base" hangingPunct="1">
+              <a:spcBef>
+                <a:spcPct val="20000"/>
+              </a:spcBef>
+              <a:spcAft>
+                <a:spcPct val="0"/>
+              </a:spcAft>
+              <a:buClrTx/>
+              <a:buSzPct val="50000"/>
+              <a:buFont typeface="Wingdings" pitchFamily="2" charset="2"/>
+              <a:buChar char="o"/>
+              <a:defRPr sz="1600" b="0">
+                <a:solidFill>
+                  <a:schemeClr val="tx1"/>
+                </a:solidFill>
+                <a:latin typeface="Myriad Pro" pitchFamily="34" charset="0"/>
+                <a:cs typeface="Segoe UI" pitchFamily="34" charset="0"/>
+              </a:defRPr>
+            </a:lvl3pPr>
+            <a:lvl4pPr marL="1600200" indent="-228600" algn="l" defTabSz="-13873163" rtl="0" eaLnBrk="1" fontAlgn="base" hangingPunct="1">
+              <a:spcBef>
+                <a:spcPct val="20000"/>
+              </a:spcBef>
+              <a:spcAft>
+                <a:spcPct val="0"/>
+              </a:spcAft>
+              <a:buClrTx/>
+              <a:buSzPct val="50000"/>
+              <a:buFont typeface="Wingdings" pitchFamily="2" charset="2"/>
+              <a:buChar char="o"/>
+              <a:defRPr sz="1400" b="0">
+                <a:solidFill>
+                  <a:schemeClr val="tx1"/>
+                </a:solidFill>
+                <a:latin typeface="Myriad Pro" pitchFamily="34" charset="0"/>
+                <a:cs typeface="Segoe UI" pitchFamily="34" charset="0"/>
+              </a:defRPr>
+            </a:lvl4pPr>
+            <a:lvl5pPr marL="2057400" indent="-228600" algn="l" defTabSz="-13873163" rtl="0" eaLnBrk="1" fontAlgn="base" hangingPunct="1">
+              <a:spcBef>
+                <a:spcPct val="20000"/>
+              </a:spcBef>
+              <a:spcAft>
+                <a:spcPct val="0"/>
+              </a:spcAft>
+              <a:buClrTx/>
+              <a:buSzPct val="50000"/>
+              <a:buFont typeface="Wingdings" pitchFamily="2" charset="2"/>
+              <a:buChar char="o"/>
+              <a:defRPr sz="1200" b="0">
+                <a:solidFill>
+                  <a:schemeClr val="tx1"/>
+                </a:solidFill>
+                <a:latin typeface="Myriad Pro" pitchFamily="34" charset="0"/>
+                <a:cs typeface="Segoe UI" pitchFamily="34" charset="0"/>
+              </a:defRPr>
+            </a:lvl5pPr>
+            <a:lvl6pPr marL="2514600" indent="-228600" algn="l" eaLnBrk="1" fontAlgn="base" hangingPunct="1">
+              <a:spcBef>
+                <a:spcPct val="20000"/>
+              </a:spcBef>
+              <a:spcAft>
+                <a:spcPct val="0"/>
+              </a:spcAft>
+              <a:buClr>
+                <a:schemeClr val="accent1">
+                  <a:alpha val="100000"/>
+                </a:schemeClr>
+              </a:buClr>
+              <a:buFont typeface="Wingdings"/>
+              <a:buChar char=""/>
+              <a:defRPr sz="1400" b="1">
+                <a:solidFill>
+                  <a:schemeClr val="tx1">
+                    <a:alpha val="100000"/>
+                  </a:schemeClr>
+                </a:solidFill>
+                <a:latin typeface="+mn-lt"/>
+              </a:defRPr>
+            </a:lvl6pPr>
+            <a:lvl7pPr marL="2971800" indent="-228600" algn="l" eaLnBrk="1" fontAlgn="base" hangingPunct="1">
+              <a:spcBef>
+                <a:spcPct val="20000"/>
+              </a:spcBef>
+              <a:spcAft>
+                <a:spcPct val="0"/>
+              </a:spcAft>
+              <a:buClr>
+                <a:schemeClr val="accent1">
+                  <a:alpha val="100000"/>
+                </a:schemeClr>
+              </a:buClr>
+              <a:buFont typeface="Wingdings"/>
+              <a:buChar char=""/>
+              <a:defRPr sz="1400" b="1">
+                <a:solidFill>
+                  <a:schemeClr val="tx1">
+                    <a:alpha val="100000"/>
+                  </a:schemeClr>
+                </a:solidFill>
+                <a:latin typeface="+mn-lt"/>
+              </a:defRPr>
+            </a:lvl7pPr>
+            <a:lvl8pPr marL="3429000" indent="-228600" algn="l" eaLnBrk="1" fontAlgn="base" hangingPunct="1">
+              <a:spcBef>
+                <a:spcPct val="20000"/>
+              </a:spcBef>
+              <a:spcAft>
+                <a:spcPct val="0"/>
+              </a:spcAft>
+              <a:buClr>
+                <a:schemeClr val="accent1">
+                  <a:alpha val="100000"/>
+                </a:schemeClr>
+              </a:buClr>
+              <a:buFont typeface="Wingdings"/>
+              <a:buChar char=""/>
+              <a:defRPr sz="1400" b="1">
+                <a:solidFill>
+                  <a:schemeClr val="tx1">
+                    <a:alpha val="100000"/>
+                  </a:schemeClr>
+                </a:solidFill>
+                <a:latin typeface="+mn-lt"/>
+              </a:defRPr>
+            </a:lvl8pPr>
+            <a:lvl9pPr marL="3886200" indent="-228600" algn="l" eaLnBrk="1" fontAlgn="base" hangingPunct="1">
+              <a:spcBef>
+                <a:spcPct val="20000"/>
+              </a:spcBef>
+              <a:spcAft>
+                <a:spcPct val="0"/>
+              </a:spcAft>
+              <a:buClr>
+                <a:schemeClr val="accent1">
+                  <a:alpha val="100000"/>
+                </a:schemeClr>
+              </a:buClr>
+              <a:buFont typeface="Wingdings"/>
+              <a:buChar char=""/>
+              <a:defRPr sz="1400" b="1">
+                <a:solidFill>
+                  <a:schemeClr val="tx1">
+                    <a:alpha val="100000"/>
+                  </a:schemeClr>
+                </a:solidFill>
+                <a:latin typeface="+mn-lt"/>
+              </a:defRPr>
+            </a:lvl9pPr>
+          </a:lstStyle>
+          <a:p>
+            <a:pPr marL="0" indent="0">
+              <a:buFont typeface="Wingdings" pitchFamily="2" charset="2"/>
+              <a:buNone/>
+            </a:pPr>
+            <a:r>
+              <a:rPr lang="en-US" kern="0" dirty="0" smtClean="0"/>
+              <a:t>Setup the Validation</a:t>
+            </a:r>
+            <a:endParaRPr lang="en-US" kern="0" dirty="0"/>
+          </a:p>
+        </p:txBody>
+      </p:sp>
+      <p:pic>
+        <p:nvPicPr>
+          <p:cNvPr id="7" name="Picture 6"/>
+          <p:cNvPicPr>
+            <a:picLocks noChangeAspect="1"/>
+          </p:cNvPicPr>
+          <p:nvPr/>
+        </p:nvPicPr>
+        <p:blipFill>
+          <a:blip r:embed="rId4"/>
+          <a:stretch>
+            <a:fillRect/>
+          </a:stretch>
+        </p:blipFill>
+        <p:spPr>
+          <a:xfrm>
+            <a:off x="588061" y="3535332"/>
+            <a:ext cx="7667625" cy="2390775"/>
+          </a:xfrm>
+          <a:prstGeom prst="rect">
+            <a:avLst/>
+          </a:prstGeom>
+        </p:spPr>
+      </p:pic>
+      <p:sp>
+        <p:nvSpPr>
+          <p:cNvPr id="24" name="Right Brace 23"/>
+          <p:cNvSpPr/>
+          <p:nvPr/>
+        </p:nvSpPr>
+        <p:spPr bwMode="auto">
+          <a:xfrm>
+            <a:off x="4967291" y="3621035"/>
+            <a:ext cx="538162" cy="1136495"/>
+          </a:xfrm>
+          <a:prstGeom prst="rightBrace">
+            <a:avLst/>
+          </a:prstGeom>
+          <a:ln>
+            <a:headEnd type="none" w="med" len="med"/>
+            <a:tailEnd type="none" w="med" len="med"/>
+          </a:ln>
+        </p:spPr>
+        <p:style>
+          <a:lnRef idx="3">
+            <a:schemeClr val="accent1"/>
+          </a:lnRef>
+          <a:fillRef idx="0">
+            <a:schemeClr val="accent1"/>
+          </a:fillRef>
+          <a:effectRef idx="2">
+            <a:schemeClr val="accent1"/>
+          </a:effectRef>
+          <a:fontRef idx="minor">
+            <a:schemeClr val="tx1"/>
+          </a:fontRef>
+        </p:style>
+        <p:txBody>
+          <a:bodyPr vert="horz" wrap="none" lIns="91440" tIns="45720" rIns="91440" bIns="45720" rtlCol="0" anchor="ctr" compatLnSpc="1"/>
+          <a:lstStyle/>
+          <a:p>
+            <a:pPr marL="0" marR="0" indent="0" algn="ctr" defTabSz="914400" rtl="0" eaLnBrk="0" fontAlgn="base" latinLnBrk="0" hangingPunct="0">
+              <a:lnSpc>
+                <a:spcPct val="100000"/>
+              </a:lnSpc>
+              <a:spcBef>
+                <a:spcPct val="0"/>
+              </a:spcBef>
+              <a:spcAft>
+                <a:spcPct val="0"/>
+              </a:spcAft>
+              <a:buNone/>
+              <a:tabLst/>
+            </a:pPr>
+            <a:endParaRPr kumimoji="0" lang="en-US" sz="1600" b="1" i="0" u="none" strike="noStrike" baseline="0">
+              <a:solidFill>
+                <a:schemeClr val="tx1">
+                  <a:alpha val="100000"/>
+                </a:schemeClr>
+              </a:solidFill>
+              <a:effectLst/>
+              <a:latin typeface="Arial"/>
+            </a:endParaRPr>
+          </a:p>
+        </p:txBody>
+      </p:sp>
+      <p:sp>
+        <p:nvSpPr>
+          <p:cNvPr id="25" name="Text Placeholder 2"/>
+          <p:cNvSpPr txBox="1">
+            <a:spLocks/>
+          </p:cNvSpPr>
+          <p:nvPr/>
+        </p:nvSpPr>
+        <p:spPr bwMode="auto">
+          <a:xfrm>
+            <a:off x="5839857" y="4025844"/>
+            <a:ext cx="2714423" cy="354003"/>
+          </a:xfrm>
+          <a:prstGeom prst="rect">
+            <a:avLst/>
+          </a:prstGeom>
+          <a:noFill/>
+          <a:ln w="9525">
+            <a:noFill/>
+            <a:miter lim="800000"/>
+            <a:headEnd/>
+            <a:tailEnd/>
+          </a:ln>
+        </p:spPr>
+        <p:txBody>
+          <a:bodyPr vert="horz" wrap="square" lIns="91440" tIns="45720" rIns="91440" bIns="45720" numCol="1" rtlCol="0" anchor="t" anchorCtr="0" compatLnSpc="1">
+            <a:prstTxWarp prst="textNoShape">
+              <a:avLst/>
+            </a:prstTxWarp>
+          </a:bodyPr>
+          <a:lstStyle>
+            <a:lvl1pPr marL="342900" indent="-342900" algn="l" defTabSz="-13873163" rtl="0" eaLnBrk="1" fontAlgn="base" hangingPunct="1">
+              <a:spcBef>
+                <a:spcPct val="20000"/>
+              </a:spcBef>
+              <a:spcAft>
+                <a:spcPct val="0"/>
+              </a:spcAft>
+              <a:buClrTx/>
+              <a:buFont typeface="Wingdings" pitchFamily="2" charset="2"/>
+              <a:buChar char="§"/>
+              <a:defRPr sz="2000" b="1">
+                <a:solidFill>
+                  <a:schemeClr val="tx1"/>
+                </a:solidFill>
+                <a:latin typeface="Myriad Pro Light" pitchFamily="34" charset="0"/>
+                <a:ea typeface="+mn-ea"/>
+                <a:cs typeface="Segoe UI" pitchFamily="34" charset="0"/>
+              </a:defRPr>
+            </a:lvl1pPr>
+            <a:lvl2pPr marL="742950" indent="-285750" algn="l" defTabSz="-13873163" rtl="0" eaLnBrk="1" fontAlgn="base" hangingPunct="1">
+              <a:spcBef>
+                <a:spcPct val="20000"/>
+              </a:spcBef>
+              <a:spcAft>
+                <a:spcPct val="0"/>
+              </a:spcAft>
+              <a:buClrTx/>
+              <a:buSzPct val="50000"/>
+              <a:buFont typeface="Wingdings" pitchFamily="2" charset="2"/>
+              <a:buChar char="o"/>
+              <a:defRPr sz="1800" b="0">
+                <a:solidFill>
+                  <a:schemeClr val="tx1"/>
+                </a:solidFill>
+                <a:latin typeface="Myriad Pro" pitchFamily="34" charset="0"/>
+                <a:cs typeface="Segoe UI" pitchFamily="34" charset="0"/>
+              </a:defRPr>
+            </a:lvl2pPr>
+            <a:lvl3pPr marL="1143000" indent="-228600" algn="l" defTabSz="-13873163" rtl="0" eaLnBrk="1" fontAlgn="base" hangingPunct="1">
+              <a:spcBef>
+                <a:spcPct val="20000"/>
+              </a:spcBef>
+              <a:spcAft>
+                <a:spcPct val="0"/>
+              </a:spcAft>
+              <a:buClrTx/>
+              <a:buSzPct val="50000"/>
+              <a:buFont typeface="Wingdings" pitchFamily="2" charset="2"/>
+              <a:buChar char="o"/>
+              <a:defRPr sz="1600" b="0">
+                <a:solidFill>
+                  <a:schemeClr val="tx1"/>
+                </a:solidFill>
+                <a:latin typeface="Myriad Pro" pitchFamily="34" charset="0"/>
+                <a:cs typeface="Segoe UI" pitchFamily="34" charset="0"/>
+              </a:defRPr>
+            </a:lvl3pPr>
+            <a:lvl4pPr marL="1600200" indent="-228600" algn="l" defTabSz="-13873163" rtl="0" eaLnBrk="1" fontAlgn="base" hangingPunct="1">
+              <a:spcBef>
+                <a:spcPct val="20000"/>
+              </a:spcBef>
+              <a:spcAft>
+                <a:spcPct val="0"/>
+              </a:spcAft>
+              <a:buClrTx/>
+              <a:buSzPct val="50000"/>
+              <a:buFont typeface="Wingdings" pitchFamily="2" charset="2"/>
+              <a:buChar char="o"/>
+              <a:defRPr sz="1400" b="0">
+                <a:solidFill>
+                  <a:schemeClr val="tx1"/>
+                </a:solidFill>
+                <a:latin typeface="Myriad Pro" pitchFamily="34" charset="0"/>
+                <a:cs typeface="Segoe UI" pitchFamily="34" charset="0"/>
+              </a:defRPr>
+            </a:lvl4pPr>
+            <a:lvl5pPr marL="2057400" indent="-228600" algn="l" defTabSz="-13873163" rtl="0" eaLnBrk="1" fontAlgn="base" hangingPunct="1">
+              <a:spcBef>
+                <a:spcPct val="20000"/>
+              </a:spcBef>
+              <a:spcAft>
+                <a:spcPct val="0"/>
+              </a:spcAft>
+              <a:buClrTx/>
+              <a:buSzPct val="50000"/>
+              <a:buFont typeface="Wingdings" pitchFamily="2" charset="2"/>
+              <a:buChar char="o"/>
+              <a:defRPr sz="1200" b="0">
+                <a:solidFill>
+                  <a:schemeClr val="tx1"/>
+                </a:solidFill>
+                <a:latin typeface="Myriad Pro" pitchFamily="34" charset="0"/>
+                <a:cs typeface="Segoe UI" pitchFamily="34" charset="0"/>
+              </a:defRPr>
+            </a:lvl5pPr>
+            <a:lvl6pPr marL="2514600" indent="-228600" algn="l" eaLnBrk="1" fontAlgn="base" hangingPunct="1">
+              <a:spcBef>
+                <a:spcPct val="20000"/>
+              </a:spcBef>
+              <a:spcAft>
+                <a:spcPct val="0"/>
+              </a:spcAft>
+              <a:buClr>
+                <a:schemeClr val="accent1">
+                  <a:alpha val="100000"/>
+                </a:schemeClr>
+              </a:buClr>
+              <a:buFont typeface="Wingdings"/>
+              <a:buChar char=""/>
+              <a:defRPr sz="1400" b="1">
+                <a:solidFill>
+                  <a:schemeClr val="tx1">
+                    <a:alpha val="100000"/>
+                  </a:schemeClr>
+                </a:solidFill>
+                <a:latin typeface="+mn-lt"/>
+              </a:defRPr>
+            </a:lvl6pPr>
+            <a:lvl7pPr marL="2971800" indent="-228600" algn="l" eaLnBrk="1" fontAlgn="base" hangingPunct="1">
+              <a:spcBef>
+                <a:spcPct val="20000"/>
+              </a:spcBef>
+              <a:spcAft>
+                <a:spcPct val="0"/>
+              </a:spcAft>
+              <a:buClr>
+                <a:schemeClr val="accent1">
+                  <a:alpha val="100000"/>
+                </a:schemeClr>
+              </a:buClr>
+              <a:buFont typeface="Wingdings"/>
+              <a:buChar char=""/>
+              <a:defRPr sz="1400" b="1">
+                <a:solidFill>
+                  <a:schemeClr val="tx1">
+                    <a:alpha val="100000"/>
+                  </a:schemeClr>
+                </a:solidFill>
+                <a:latin typeface="+mn-lt"/>
+              </a:defRPr>
+            </a:lvl7pPr>
+            <a:lvl8pPr marL="3429000" indent="-228600" algn="l" eaLnBrk="1" fontAlgn="base" hangingPunct="1">
+              <a:spcBef>
+                <a:spcPct val="20000"/>
+              </a:spcBef>
+              <a:spcAft>
+                <a:spcPct val="0"/>
+              </a:spcAft>
+              <a:buClr>
+                <a:schemeClr val="accent1">
+                  <a:alpha val="100000"/>
+                </a:schemeClr>
+              </a:buClr>
+              <a:buFont typeface="Wingdings"/>
+              <a:buChar char=""/>
+              <a:defRPr sz="1400" b="1">
+                <a:solidFill>
+                  <a:schemeClr val="tx1">
+                    <a:alpha val="100000"/>
+                  </a:schemeClr>
+                </a:solidFill>
+                <a:latin typeface="+mn-lt"/>
+              </a:defRPr>
+            </a:lvl8pPr>
+            <a:lvl9pPr marL="3886200" indent="-228600" algn="l" eaLnBrk="1" fontAlgn="base" hangingPunct="1">
+              <a:spcBef>
+                <a:spcPct val="20000"/>
+              </a:spcBef>
+              <a:spcAft>
+                <a:spcPct val="0"/>
+              </a:spcAft>
+              <a:buClr>
+                <a:schemeClr val="accent1">
+                  <a:alpha val="100000"/>
+                </a:schemeClr>
+              </a:buClr>
+              <a:buFont typeface="Wingdings"/>
+              <a:buChar char=""/>
+              <a:defRPr sz="1400" b="1">
+                <a:solidFill>
+                  <a:schemeClr val="tx1">
+                    <a:alpha val="100000"/>
+                  </a:schemeClr>
+                </a:solidFill>
+                <a:latin typeface="+mn-lt"/>
+              </a:defRPr>
+            </a:lvl9pPr>
+          </a:lstStyle>
+          <a:p>
+            <a:pPr marL="0" indent="0">
+              <a:buFont typeface="Wingdings" pitchFamily="2" charset="2"/>
+              <a:buNone/>
+            </a:pPr>
+            <a:r>
+              <a:rPr lang="en-US" sz="1400" kern="0" dirty="0" smtClean="0"/>
+              <a:t>Typical Custom Validator</a:t>
+            </a:r>
+            <a:endParaRPr lang="en-US" sz="1400" kern="0" dirty="0"/>
+          </a:p>
+        </p:txBody>
+      </p:sp>
+      <p:cxnSp>
+        <p:nvCxnSpPr>
+          <p:cNvPr id="26" name="Straight Connector 25"/>
+          <p:cNvCxnSpPr/>
+          <p:nvPr/>
+        </p:nvCxnSpPr>
+        <p:spPr bwMode="auto">
+          <a:xfrm>
+            <a:off x="683900" y="5391913"/>
+            <a:ext cx="3318257" cy="0"/>
+          </a:xfrm>
+          <a:prstGeom prst="line">
+            <a:avLst/>
+          </a:prstGeom>
+          <a:ln>
+            <a:headEnd type="none" w="med" len="med"/>
+            <a:tailEnd type="none" w="med" len="med"/>
+          </a:ln>
+        </p:spPr>
+        <p:style>
+          <a:lnRef idx="3">
+            <a:schemeClr val="accent1"/>
+          </a:lnRef>
+          <a:fillRef idx="0">
+            <a:schemeClr val="accent1"/>
+          </a:fillRef>
+          <a:effectRef idx="2">
+            <a:schemeClr val="accent1"/>
+          </a:effectRef>
+          <a:fontRef idx="minor">
+            <a:schemeClr val="tx1"/>
+          </a:fontRef>
+        </p:style>
+      </p:cxnSp>
+      <p:cxnSp>
+        <p:nvCxnSpPr>
+          <p:cNvPr id="31" name="Straight Connector 30"/>
+          <p:cNvCxnSpPr/>
+          <p:nvPr/>
+        </p:nvCxnSpPr>
+        <p:spPr bwMode="auto">
+          <a:xfrm>
+            <a:off x="676076" y="5815759"/>
+            <a:ext cx="7112980" cy="0"/>
+          </a:xfrm>
+          <a:prstGeom prst="line">
+            <a:avLst/>
+          </a:prstGeom>
+          <a:ln>
+            <a:headEnd type="none" w="med" len="med"/>
+            <a:tailEnd type="none" w="med" len="med"/>
+          </a:ln>
+        </p:spPr>
+        <p:style>
+          <a:lnRef idx="3">
+            <a:schemeClr val="accent1"/>
+          </a:lnRef>
+          <a:fillRef idx="0">
+            <a:schemeClr val="accent1"/>
+          </a:fillRef>
+          <a:effectRef idx="2">
+            <a:schemeClr val="accent1"/>
+          </a:effectRef>
+          <a:fontRef idx="minor">
+            <a:schemeClr val="tx1"/>
+          </a:fontRef>
+        </p:style>
+      </p:cxnSp>
+      <p:cxnSp>
+        <p:nvCxnSpPr>
+          <p:cNvPr id="32" name="Straight Connector 31"/>
+          <p:cNvCxnSpPr/>
+          <p:nvPr/>
+        </p:nvCxnSpPr>
+        <p:spPr bwMode="auto">
+          <a:xfrm>
+            <a:off x="1898427" y="2460532"/>
+            <a:ext cx="2493055" cy="0"/>
+          </a:xfrm>
+          <a:prstGeom prst="line">
+            <a:avLst/>
+          </a:prstGeom>
+          <a:ln>
+            <a:headEnd type="none" w="med" len="med"/>
+            <a:tailEnd type="none" w="med" len="med"/>
+          </a:ln>
+        </p:spPr>
+        <p:style>
+          <a:lnRef idx="3">
+            <a:schemeClr val="accent1"/>
+          </a:lnRef>
+          <a:fillRef idx="0">
+            <a:schemeClr val="accent1"/>
+          </a:fillRef>
+          <a:effectRef idx="2">
+            <a:schemeClr val="accent1"/>
+          </a:effectRef>
+          <a:fontRef idx="minor">
+            <a:schemeClr val="tx1"/>
+          </a:fontRef>
+        </p:style>
+      </p:cxnSp>
     </p:spTree>
     <p:extLst>
       <p:ext uri="{BB962C8B-B14F-4D97-AF65-F5344CB8AC3E}">
-        <p14:creationId xmlns:p14="http://schemas.microsoft.com/office/powerpoint/2010/main" val="2776193582"/>
+        <p14:creationId xmlns:p14="http://schemas.microsoft.com/office/powerpoint/2010/main" val="22477814"/>
       </p:ext>
     </p:extLst>
   </p:cSld>
@@ -6707,6 +11890,9 @@
                     <p:cTn id="3" fill="hold">
                       <p:stCondLst>
                         <p:cond delay="indefinite"/>
+                        <p:cond evt="onBegin" delay="0">
+                          <p:tn val="2"/>
+                        </p:cond>
                       </p:stCondLst>
                       <p:childTnLst>
                         <p:par>
@@ -6716,32 +11902,60 @@
                             </p:stCondLst>
                             <p:childTnLst>
                               <p:par>
-                                <p:cTn id="5" presetID="3" presetClass="emph" presetSubtype="2" fill="hold" nodeType="clickEffect">
+                                <p:cTn id="5" presetID="1" presetClass="entr" presetSubtype="0" fill="hold" grpId="0" nodeType="withEffect">
                                   <p:stCondLst>
                                     <p:cond delay="0"/>
                                   </p:stCondLst>
-                                  <p:iterate type="lt">
-                                    <p:tmPct val="0"/>
-                                  </p:iterate>
                                   <p:childTnLst>
-                                    <p:animClr clrSpc="rgb" dir="cw">
-                                      <p:cBhvr override="childStyle">
-                                        <p:cTn id="6" dur="500" fill="hold"/>
+                                    <p:set>
+                                      <p:cBhvr>
+                                        <p:cTn id="6" dur="1" fill="hold">
+                                          <p:stCondLst>
+                                            <p:cond delay="0"/>
+                                          </p:stCondLst>
+                                        </p:cTn>
                                         <p:tgtEl>
                                           <p:spTgt spid="3">
                                             <p:txEl>
-                                              <p:pRg st="1" end="1"/>
+                                              <p:pRg st="0" end="0"/>
                                             </p:txEl>
                                           </p:spTgt>
                                         </p:tgtEl>
                                         <p:attrNameLst>
-                                          <p:attrName>style.color</p:attrName>
+                                          <p:attrName>style.visibility</p:attrName>
                                         </p:attrNameLst>
                                       </p:cBhvr>
                                       <p:to>
-                                        <a:srgbClr val="CC6109"/>
+                                        <p:strVal val="visible"/>
                                       </p:to>
-                                    </p:animClr>
+                                    </p:set>
+                                  </p:childTnLst>
+                                </p:cTn>
+                              </p:par>
+                              <p:par>
+                                <p:cTn id="7" presetID="1" presetClass="entr" presetSubtype="0" fill="hold" nodeType="withEffect">
+                                  <p:stCondLst>
+                                    <p:cond delay="0"/>
+                                  </p:stCondLst>
+                                  <p:childTnLst>
+                                    <p:set>
+                                      <p:cBhvr>
+                                        <p:cTn id="8" dur="1" fill="hold">
+                                          <p:stCondLst>
+                                            <p:cond delay="0"/>
+                                          </p:stCondLst>
+                                        </p:cTn>
+                                        <p:tgtEl>
+                                          <p:spTgt spid="5"/>
+                                        </p:tgtEl>
+                                        <p:attrNameLst>
+                                          <p:attrName>style.visibility</p:attrName>
+                                        </p:attrNameLst>
+                                      </p:cBhvr>
+                                      <p:to>
+                                        <p:strVal val="visible"/>
+                                      </p:to>
+                                    </p:set>
                                   </p:childTnLst>
                                 </p:cTn>
                               </p:par>
@@ -6752,71 +11966,41 @@
                     </p:cTn>
                   </p:par>
                   <p:par>
-                    <p:cTn id="7" fill="hold">
+                    <p:cTn id="9" fill="hold">
                       <p:stCondLst>
                         <p:cond delay="indefinite"/>
                       </p:stCondLst>
                       <p:childTnLst>
                         <p:par>
-                          <p:cTn id="8" fill="hold">
+                          <p:cTn id="10" fill="hold">
                             <p:stCondLst>
                               <p:cond delay="0"/>
                             </p:stCondLst>
                             <p:childTnLst>
                               <p:par>
-                                <p:cTn id="9" presetID="3" presetClass="emph" presetSubtype="2" fill="hold" nodeType="clickEffect">
+                                <p:cTn id="11" presetID="1" presetClass="entr" presetSubtype="0" fill="hold" nodeType="clickEffect">
                                   <p:stCondLst>
                                     <p:cond delay="0"/>
                                   </p:stCondLst>
                                   <p:childTnLst>
-                                    <p:animClr clrSpc="rgb" dir="cw">
-                                      <p:cBhvr override="childStyle">
-                                        <p:cTn id="10" dur="1000" fill="hold"/>
+                                    <p:set>
+                                      <p:cBhvr>
+                                        <p:cTn id="12" dur="1" fill="hold">
+                                          <p:stCondLst>
+                                            <p:cond delay="0"/>
+                                          </p:stCondLst>
+                                        </p:cTn>
                                         <p:tgtEl>
-                                          <p:spTgt spid="3">
-                                            <p:txEl>
-                                              <p:pRg st="4" end="4"/>
-                                            </p:txEl>
-                                          </p:spTgt>
+                                          <p:spTgt spid="32"/>
                                         </p:tgtEl>
                                         <p:attrNameLst>
-                                          <p:attrName>style.color</p:attrName>
+                                          <p:attrName>style.visibility</p:attrName>
                                         </p:attrNameLst>
                                       </p:cBhvr>
                                       <p:to>
-                                        <a:srgbClr val="CC6109"/>
+                                        <p:strVal val="visible"/>
                                       </p:to>
-                                    </p:animClr>
-                                  </p:childTnLst>
-                                </p:cTn>
-                              </p:par>
-                              <p:par>
-                                <p:cTn id="11" presetID="3" presetClass="emph" presetSubtype="2" fill="hold" nodeType="withEffect">
-                                  <p:stCondLst>
-                                    <p:cond delay="0"/>
-                                  </p:stCondLst>
-                                  <p:iterate type="lt">
-                                    <p:tmPct val="0"/>
-                                  </p:iterate>
-                                  <p:childTnLst>
-                                    <p:animClr clrSpc="rgb" dir="cw">
-                                      <p:cBhvr override="childStyle">
-                                        <p:cTn id="12" dur="500" fill="hold"/>
-                                        <p:tgtEl>
-                                          <p:spTgt spid="3">
-                                            <p:txEl>
-                                              <p:pRg st="1" end="1"/>
-                                            </p:txEl>
-                                          </p:spTgt>
-                                        </p:tgtEl>
-                                        <p:attrNameLst>
-                                          <p:attrName>style.color</p:attrName>
-                                        </p:attrNameLst>
-                                      </p:cBhvr>
-                                      <p:to>
-                                        <a:schemeClr val="tx1"/>
-                                      </p:to>
-                                    </p:animClr>
+                                    </p:set>
                                   </p:childTnLst>
                                 </p:cTn>
                               </p:par>
@@ -6839,59 +12023,91 @@
                             </p:stCondLst>
                             <p:childTnLst>
                               <p:par>
-                                <p:cTn id="15" presetID="3" presetClass="emph" presetSubtype="2" fill="hold" nodeType="clickEffect">
+                                <p:cTn id="15" presetID="1" presetClass="entr" presetSubtype="0" fill="hold" grpId="0" nodeType="clickEffect">
                                   <p:stCondLst>
                                     <p:cond delay="0"/>
                                   </p:stCondLst>
-                                  <p:iterate type="lt">
-                                    <p:tmPct val="0"/>
-                                  </p:iterate>
                                   <p:childTnLst>
-                                    <p:animClr clrSpc="rgb" dir="cw">
-                                      <p:cBhvr override="childStyle">
-                                        <p:cTn id="16" dur="1000" fill="hold"/>
+                                    <p:set>
+                                      <p:cBhvr>
+                                        <p:cTn id="16" dur="1" fill="hold">
+                                          <p:stCondLst>
+                                            <p:cond delay="0"/>
+                                          </p:stCondLst>
+                                        </p:cTn>
                                         <p:tgtEl>
-                                          <p:spTgt spid="3">
-                                            <p:txEl>
-                                              <p:pRg st="5" end="5"/>
-                                            </p:txEl>
-                                          </p:spTgt>
+                                          <p:spTgt spid="16"/>
                                         </p:tgtEl>
                                         <p:attrNameLst>
-                                          <p:attrName>style.color</p:attrName>
+                                          <p:attrName>style.visibility</p:attrName>
                                         </p:attrNameLst>
                                       </p:cBhvr>
                                       <p:to>
-                                        <a:srgbClr val="CC6109"/>
+                                        <p:strVal val="visible"/>
                                       </p:to>
-                                    </p:animClr>
+                                    </p:set>
                                   </p:childTnLst>
                                 </p:cTn>
                               </p:par>
                               <p:par>
-                                <p:cTn id="17" presetID="3" presetClass="emph" presetSubtype="2" fill="hold" nodeType="withEffect">
+                                <p:cTn id="17" presetID="1" presetClass="entr" presetSubtype="0" fill="hold" nodeType="withEffect">
                                   <p:stCondLst>
                                     <p:cond delay="0"/>
                                   </p:stCondLst>
                                   <p:childTnLst>
-                                    <p:animClr clrSpc="rgb" dir="cw">
-                                      <p:cBhvr override="childStyle">
-                                        <p:cTn id="18" dur="500" fill="hold"/>
+                                    <p:set>
+                                      <p:cBhvr>
+                                        <p:cTn id="18" dur="1" fill="hold">
+                                          <p:stCondLst>
+                                            <p:cond delay="0"/>
+                                          </p:stCondLst>
+                                        </p:cTn>
                                         <p:tgtEl>
-                                          <p:spTgt spid="3">
-                                            <p:txEl>
-                                              <p:pRg st="4" end="4"/>
-                                            </p:txEl>
-                                          </p:spTgt>
+                                          <p:spTgt spid="7"/>
                                         </p:tgtEl>
                                         <p:attrNameLst>
-                                          <p:attrName>style.color</p:attrName>
+                                          <p:attrName>style.visibility</p:attrName>
                                         </p:attrNameLst>
                                       </p:cBhvr>
                                       <p:to>
-                                        <a:schemeClr val="tx1"/>
+                                        <p:strVal val="visible"/>
                                       </p:to>
-                                    </p:animClr>
+                                    </p:set>
+                                  </p:childTnLst>
+                                </p:cTn>
+                              </p:par>
+                              <p:par>
+                                <p:cTn id="19" presetID="10" presetClass="exit" presetSubtype="0" fill="hold" nodeType="withEffect">
+                                  <p:stCondLst>
+                                    <p:cond delay="0"/>
+                                  </p:stCondLst>
+                                  <p:childTnLst>
+                                    <p:animEffect transition="out" filter="fade">
+                                      <p:cBhvr>
+                                        <p:cTn id="20" dur="500"/>
+                                        <p:tgtEl>
+                                          <p:spTgt spid="32"/>
+                                        </p:tgtEl>
+                                      </p:cBhvr>
+                                    </p:animEffect>
+                                    <p:set>
+                                      <p:cBhvr>
+                                        <p:cTn id="21" dur="1" fill="hold">
+                                          <p:stCondLst>
+                                            <p:cond delay="499"/>
+                                          </p:stCondLst>
+                                        </p:cTn>
+                                        <p:tgtEl>
+                                          <p:spTgt spid="32"/>
+                                        </p:tgtEl>
+                                        <p:attrNameLst>
+                                          <p:attrName>style.visibility</p:attrName>
+                                        </p:attrNameLst>
+                                      </p:cBhvr>
+                                      <p:to>
+                                        <p:strVal val="hidden"/>
+                                      </p:to>
+                                    </p:set>
                                   </p:childTnLst>
                                 </p:cTn>
                               </p:par>
@@ -6902,74 +12118,68 @@
                     </p:cTn>
                   </p:par>
                   <p:par>
-                    <p:cTn id="19" fill="hold">
+                    <p:cTn id="22" fill="hold">
                       <p:stCondLst>
                         <p:cond delay="indefinite"/>
                       </p:stCondLst>
                       <p:childTnLst>
                         <p:par>
-                          <p:cTn id="20" fill="hold">
+                          <p:cTn id="23" fill="hold">
                             <p:stCondLst>
                               <p:cond delay="0"/>
                             </p:stCondLst>
                             <p:childTnLst>
                               <p:par>
-                                <p:cTn id="21" presetID="3" presetClass="emph" presetSubtype="2" fill="hold" nodeType="clickEffect">
+                                <p:cTn id="24" presetID="1" presetClass="entr" presetSubtype="0" fill="hold" grpId="0" nodeType="clickEffect">
                                   <p:stCondLst>
                                     <p:cond delay="0"/>
                                   </p:stCondLst>
-                                  <p:iterate type="lt">
-                                    <p:tmPct val="0"/>
-                                  </p:iterate>
                                   <p:childTnLst>
-                                    <p:animClr clrSpc="rgb" dir="cw">
-                                      <p:cBhvr override="childStyle">
-                                        <p:cTn id="22" dur="1000" fill="hold"/>
+                                    <p:set>
+                                      <p:cBhvr>
+                                        <p:cTn id="25" dur="1" fill="hold">
+                                          <p:stCondLst>
+                                            <p:cond delay="0"/>
+                                          </p:stCondLst>
+                                        </p:cTn>
                                         <p:tgtEl>
-                                          <p:spTgt spid="3">
-                                            <p:txEl>
-                                              <p:pRg st="6" end="6"/>
-                                            </p:txEl>
-                                          </p:spTgt>
+                                          <p:spTgt spid="24"/>
                                         </p:tgtEl>
                                         <p:attrNameLst>
-                                          <p:attrName>style.color</p:attrName>
+                                          <p:attrName>style.visibility</p:attrName>
                                         </p:attrNameLst>
                                       </p:cBhvr>
                                       <p:to>
-                                        <a:srgbClr val="CC6109"/>
+                                        <p:strVal val="visible"/>
                                       </p:to>
-                                    </p:animClr>
+                                    </p:set>
                                   </p:childTnLst>
                                 </p:cTn>
                               </p:par>
                               <p:par>
-                                <p:cTn id="23" presetID="3" presetClass="emph" presetSubtype="2" fill="hold" nodeType="withEffect">
+                                <p:cTn id="26" presetID="1" presetClass="entr" presetSubtype="0" fill="hold" grpId="0" nodeType="withEffect">
                                   <p:stCondLst>
                                     <p:cond delay="0"/>
                                   </p:stCondLst>
-                                  <p:iterate type="lt">
-                                    <p:tmPct val="0"/>
-                                  </p:iterate>
                                   <p:childTnLst>
-                                    <p:animClr clrSpc="rgb" dir="cw">
-                                      <p:cBhvr override="childStyle">
-                                        <p:cTn id="24" dur="500" fill="hold"/>
+                                    <p:set>
+                                      <p:cBhvr>
+                                        <p:cTn id="27" dur="1" fill="hold">
+                                          <p:stCondLst>
+                                            <p:cond delay="0"/>
+                                          </p:stCondLst>
+                                        </p:cTn>
                                         <p:tgtEl>
-                                          <p:spTgt spid="3">
-                                            <p:txEl>
-                                              <p:pRg st="5" end="5"/>
-                                            </p:txEl>
-                                          </p:spTgt>
+                                          <p:spTgt spid="25"/>
                                         </p:tgtEl>
                                         <p:attrNameLst>
-                                          <p:attrName>style.color</p:attrName>
+                                          <p:attrName>style.visibility</p:attrName>
                                         </p:attrNameLst>
                                       </p:cBhvr>
                                       <p:to>
-                                        <a:schemeClr val="tx1"/>
+                                        <p:strVal val="visible"/>
                                       </p:to>
-                                    </p:animClr>
+                                    </p:set>
                                   </p:childTnLst>
                                 </p:cTn>
                               </p:par>
@@ -6980,74 +12190,191 @@
                     </p:cTn>
                   </p:par>
                   <p:par>
-                    <p:cTn id="25" fill="hold">
+                    <p:cTn id="28" fill="hold">
                       <p:stCondLst>
                         <p:cond delay="indefinite"/>
                       </p:stCondLst>
                       <p:childTnLst>
                         <p:par>
-                          <p:cTn id="26" fill="hold">
+                          <p:cTn id="29" fill="hold">
                             <p:stCondLst>
                               <p:cond delay="0"/>
                             </p:stCondLst>
                             <p:childTnLst>
                               <p:par>
-                                <p:cTn id="27" presetID="3" presetClass="emph" presetSubtype="2" fill="hold" nodeType="clickEffect">
+                                <p:cTn id="30" presetID="1" presetClass="entr" presetSubtype="0" fill="hold" nodeType="clickEffect">
                                   <p:stCondLst>
                                     <p:cond delay="0"/>
                                   </p:stCondLst>
-                                  <p:iterate type="lt">
-                                    <p:tmPct val="0"/>
-                                  </p:iterate>
                                   <p:childTnLst>
-                                    <p:animClr clrSpc="rgb" dir="cw">
-                                      <p:cBhvr override="childStyle">
-                                        <p:cTn id="28" dur="1000" fill="hold"/>
+                                    <p:set>
+                                      <p:cBhvr>
+                                        <p:cTn id="31" dur="1" fill="hold">
+                                          <p:stCondLst>
+                                            <p:cond delay="0"/>
+                                          </p:stCondLst>
+                                        </p:cTn>
                                         <p:tgtEl>
-                                          <p:spTgt spid="3">
-                                            <p:txEl>
-                                              <p:pRg st="7" end="7"/>
-                                            </p:txEl>
-                                          </p:spTgt>
+                                          <p:spTgt spid="26"/>
                                         </p:tgtEl>
                                         <p:attrNameLst>
-                                          <p:attrName>style.color</p:attrName>
+                                          <p:attrName>style.visibility</p:attrName>
                                         </p:attrNameLst>
                                       </p:cBhvr>
                                       <p:to>
-                                        <a:srgbClr val="CC6109"/>
+                                        <p:strVal val="visible"/>
                                       </p:to>
-                                    </p:animClr>
+                                    </p:set>
                                   </p:childTnLst>
                                 </p:cTn>
                               </p:par>
                               <p:par>
-                                <p:cTn id="29" presetID="3" presetClass="emph" presetSubtype="2" fill="hold" nodeType="withEffect">
+                                <p:cTn id="32" presetID="10" presetClass="exit" presetSubtype="0" fill="hold" grpId="1" nodeType="withEffect">
                                   <p:stCondLst>
                                     <p:cond delay="0"/>
                                   </p:stCondLst>
-                                  <p:iterate type="lt">
-                                    <p:tmPct val="0"/>
-                                  </p:iterate>
                                   <p:childTnLst>
-                                    <p:animClr clrSpc="rgb" dir="cw">
-                                      <p:cBhvr override="childStyle">
-                                        <p:cTn id="30" dur="500" fill="hold"/>
+                                    <p:animEffect transition="out" filter="fade">
+                                      <p:cBhvr>
+                                        <p:cTn id="33" dur="500"/>
                                         <p:tgtEl>
-                                          <p:spTgt spid="3">
-                                            <p:txEl>
-                                              <p:pRg st="6" end="6"/>
-                                            </p:txEl>
-                                          </p:spTgt>
+                                          <p:spTgt spid="24"/>
+                                        </p:tgtEl>
+                                      </p:cBhvr>
+                                    </p:animEffect>
+                                    <p:set>
+                                      <p:cBhvr>
+                                        <p:cTn id="34" dur="1" fill="hold">
+                                          <p:stCondLst>
+                                            <p:cond delay="499"/>
+                                          </p:stCondLst>
+                                        </p:cTn>
+                                        <p:tgtEl>
+                                          <p:spTgt spid="24"/>
                                         </p:tgtEl>
                                         <p:attrNameLst>
-                                          <p:attrName>style.color</p:attrName>
+                                          <p:attrName>style.visibility</p:attrName>
                                         </p:attrNameLst>
                                       </p:cBhvr>
                                       <p:to>
-                                        <a:schemeClr val="tx1"/>
+                                        <p:strVal val="hidden"/>
                                       </p:to>
-                                    </p:animClr>
+                                    </p:set>
+                                  </p:childTnLst>
+                                </p:cTn>
+                              </p:par>
+                              <p:par>
+                                <p:cTn id="35" presetID="10" presetClass="exit" presetSubtype="0" fill="hold" grpId="1" nodeType="withEffect">
+                                  <p:stCondLst>
+                                    <p:cond delay="0"/>
+                                  </p:stCondLst>
+                                  <p:childTnLst>
+                                    <p:animEffect transition="out" filter="fade">
+                                      <p:cBhvr>
+                                        <p:cTn id="36" dur="500"/>
+                                        <p:tgtEl>
+                                          <p:spTgt spid="25"/>
+                                        </p:tgtEl>
+                                      </p:cBhvr>
+                                    </p:animEffect>
+                                    <p:set>
+                                      <p:cBhvr>
+                                        <p:cTn id="37" dur="1" fill="hold">
+                                          <p:stCondLst>
+                                            <p:cond delay="499"/>
+                                          </p:stCondLst>
+                                        </p:cTn>
+                                        <p:tgtEl>
+                                          <p:spTgt spid="25"/>
+                                        </p:tgtEl>
+                                        <p:attrNameLst>
+                                          <p:attrName>style.visibility</p:attrName>
+                                        </p:attrNameLst>
+                                      </p:cBhvr>
+                                      <p:to>
+                                        <p:strVal val="hidden"/>
+                                      </p:to>
+                                    </p:set>
+                                  </p:childTnLst>
+                                </p:cTn>
+                              </p:par>
+                            </p:childTnLst>
+                          </p:cTn>
+                        </p:par>
+                      </p:childTnLst>
+                    </p:cTn>
+                  </p:par>
+                  <p:par>
+                    <p:cTn id="38" fill="hold">
+                      <p:stCondLst>
+                        <p:cond delay="indefinite"/>
+                      </p:stCondLst>
+                      <p:childTnLst>
+                        <p:par>
+                          <p:cTn id="39" fill="hold">
+                            <p:stCondLst>
+                              <p:cond delay="0"/>
+                            </p:stCondLst>
+                            <p:childTnLst>
+                              <p:par>
+                                <p:cTn id="40" presetID="1" presetClass="entr" presetSubtype="0" fill="hold" nodeType="clickEffect">
+                                  <p:stCondLst>
+                                    <p:cond delay="0"/>
+                                  </p:stCondLst>
+                                  <p:childTnLst>
+                                    <p:set>
+                                      <p:cBhvr>
+                                        <p:cTn id="41" dur="1" fill="hold">
+                                          <p:stCondLst>
+                                            <p:cond delay="0"/>
+                                          </p:stCondLst>
+                                        </p:cTn>
+                                        <p:tgtEl>
+                                          <p:spTgt spid="31"/>
+                                        </p:tgtEl>
+                                        <p:attrNameLst>
+                                          <p:attrName>style.visibility</p:attrName>
+                                        </p:attrNameLst>
+                                      </p:cBhvr>
+                                      <p:to>
+                                        <p:strVal val="visible"/>
+                                      </p:to>
+                                    </p:set>
+                                  </p:childTnLst>
+                                </p:cTn>
+                              </p:par>
+                              <p:par>
+                                <p:cTn id="42" presetID="10" presetClass="exit" presetSubtype="0" fill="hold" nodeType="withEffect">
+                                  <p:stCondLst>
+                                    <p:cond delay="0"/>
+                                  </p:stCondLst>
+                                  <p:childTnLst>
+                                    <p:animEffect transition="out" filter="fade">
+                                      <p:cBhvr>
+                                        <p:cTn id="43" dur="500"/>
+                                        <p:tgtEl>
+                                          <p:spTgt spid="26"/>
+                                        </p:tgtEl>
+                                      </p:cBhvr>
+                                    </p:animEffect>
+                                    <p:set>
+                                      <p:cBhvr>
+                                        <p:cTn id="44" dur="1" fill="hold">
+                                          <p:stCondLst>
+                                            <p:cond delay="499"/>
+                                          </p:stCondLst>
+                                        </p:cTn>
+                                        <p:tgtEl>
+                                          <p:spTgt spid="26"/>
+                                        </p:tgtEl>
+                                        <p:attrNameLst>
+                                          <p:attrName>style.visibility</p:attrName>
+                                        </p:attrNameLst>
+                                      </p:cBhvr>
+                                      <p:to>
+                                        <p:strVal val="hidden"/>
+                                      </p:to>
+                                    </p:set>
                                   </p:childTnLst>
                                 </p:cTn>
                               </p:par>
@@ -7078,6 +12405,14 @@
         </p:cTn>
       </p:par>
     </p:tnLst>
+    <p:bldLst>
+      <p:bldP spid="3" grpId="0" build="p"/>
+      <p:bldP spid="16" grpId="0"/>
+      <p:bldP spid="24" grpId="0" animBg="1"/>
+      <p:bldP spid="24" grpId="1" animBg="1"/>
+      <p:bldP spid="25" grpId="0"/>
+      <p:bldP spid="25" grpId="1"/>
+    </p:bldLst>
   </p:timing>
 </p:sld>
 </file>

--- a/Modules/03.advanced/slides.pptx
+++ b/Modules/03.advanced/slides.pptx
@@ -9451,15 +9451,33 @@
                                   </p:childTnLst>
                                 </p:cTn>
                               </p:par>
+                            </p:childTnLst>
+                          </p:cTn>
+                        </p:par>
+                      </p:childTnLst>
+                    </p:cTn>
+                  </p:par>
+                  <p:par>
+                    <p:cTn id="37" fill="hold">
+                      <p:stCondLst>
+                        <p:cond delay="indefinite"/>
+                      </p:stCondLst>
+                      <p:childTnLst>
+                        <p:par>
+                          <p:cTn id="38" fill="hold">
+                            <p:stCondLst>
+                              <p:cond delay="0"/>
+                            </p:stCondLst>
+                            <p:childTnLst>
                               <p:par>
-                                <p:cTn id="37" presetID="1" presetClass="entr" presetSubtype="0" fill="hold" grpId="0" nodeType="withEffect">
+                                <p:cTn id="39" presetID="1" presetClass="entr" presetSubtype="0" fill="hold" grpId="0" nodeType="clickEffect">
                                   <p:stCondLst>
                                     <p:cond delay="0"/>
                                   </p:stCondLst>
                                   <p:childTnLst>
                                     <p:set>
                                       <p:cBhvr>
-                                        <p:cTn id="38" dur="1" fill="hold">
+                                        <p:cTn id="40" dur="1" fill="hold">
                                           <p:stCondLst>
                                             <p:cond delay="0"/>
                                           </p:stCondLst>
@@ -9485,26 +9503,26 @@
                     </p:cTn>
                   </p:par>
                   <p:par>
-                    <p:cTn id="39" fill="hold">
+                    <p:cTn id="41" fill="hold">
                       <p:stCondLst>
                         <p:cond delay="indefinite"/>
                       </p:stCondLst>
                       <p:childTnLst>
                         <p:par>
-                          <p:cTn id="40" fill="hold">
+                          <p:cTn id="42" fill="hold">
                             <p:stCondLst>
                               <p:cond delay="0"/>
                             </p:stCondLst>
                             <p:childTnLst>
                               <p:par>
-                                <p:cTn id="41" presetID="1" presetClass="entr" presetSubtype="0" fill="hold" nodeType="clickEffect">
+                                <p:cTn id="43" presetID="1" presetClass="entr" presetSubtype="0" fill="hold" nodeType="clickEffect">
                                   <p:stCondLst>
                                     <p:cond delay="0"/>
                                   </p:stCondLst>
                                   <p:childTnLst>
                                     <p:set>
                                       <p:cBhvr>
-                                        <p:cTn id="42" dur="1" fill="hold">
+                                        <p:cTn id="44" dur="1" fill="hold">
                                           <p:stCondLst>
                                             <p:cond delay="0"/>
                                           </p:stCondLst>
@@ -9524,14 +9542,14 @@
                                 </p:cTn>
                               </p:par>
                               <p:par>
-                                <p:cTn id="43" presetID="10" presetClass="exit" presetSubtype="0" fill="hold" nodeType="withEffect">
+                                <p:cTn id="45" presetID="10" presetClass="exit" presetSubtype="0" fill="hold" nodeType="withEffect">
                                   <p:stCondLst>
                                     <p:cond delay="0"/>
                                   </p:stCondLst>
                                   <p:childTnLst>
                                     <p:animEffect transition="out" filter="fade">
                                       <p:cBhvr>
-                                        <p:cTn id="44" dur="500"/>
+                                        <p:cTn id="46" dur="500"/>
                                         <p:tgtEl>
                                           <p:spTgt spid="28"/>
                                         </p:tgtEl>
@@ -9539,7 +9557,7 @@
                                     </p:animEffect>
                                     <p:set>
                                       <p:cBhvr>
-                                        <p:cTn id="45" dur="1" fill="hold">
+                                        <p:cTn id="47" dur="1" fill="hold">
                                           <p:stCondLst>
                                             <p:cond delay="499"/>
                                           </p:stCondLst>
@@ -9559,14 +9577,14 @@
                                 </p:cTn>
                               </p:par>
                               <p:par>
-                                <p:cTn id="46" presetID="10" presetClass="exit" presetSubtype="0" fill="hold" nodeType="withEffect">
+                                <p:cTn id="48" presetID="10" presetClass="exit" presetSubtype="0" fill="hold" nodeType="withEffect">
                                   <p:stCondLst>
                                     <p:cond delay="0"/>
                                   </p:stCondLst>
                                   <p:childTnLst>
                                     <p:animEffect transition="out" filter="fade">
                                       <p:cBhvr>
-                                        <p:cTn id="47" dur="500"/>
+                                        <p:cTn id="49" dur="500"/>
                                         <p:tgtEl>
                                           <p:spTgt spid="29"/>
                                         </p:tgtEl>
@@ -9574,7 +9592,7 @@
                                     </p:animEffect>
                                     <p:set>
                                       <p:cBhvr>
-                                        <p:cTn id="48" dur="1" fill="hold">
+                                        <p:cTn id="50" dur="1" fill="hold">
                                           <p:stCondLst>
                                             <p:cond delay="499"/>
                                           </p:stCondLst>
@@ -9593,15 +9611,33 @@
                                   </p:childTnLst>
                                 </p:cTn>
                               </p:par>
+                            </p:childTnLst>
+                          </p:cTn>
+                        </p:par>
+                      </p:childTnLst>
+                    </p:cTn>
+                  </p:par>
+                  <p:par>
+                    <p:cTn id="51" fill="hold">
+                      <p:stCondLst>
+                        <p:cond delay="indefinite"/>
+                      </p:stCondLst>
+                      <p:childTnLst>
+                        <p:par>
+                          <p:cTn id="52" fill="hold">
+                            <p:stCondLst>
+                              <p:cond delay="0"/>
+                            </p:stCondLst>
+                            <p:childTnLst>
                               <p:par>
-                                <p:cTn id="49" presetID="10" presetClass="exit" presetSubtype="0" fill="hold" grpId="1" nodeType="withEffect">
+                                <p:cTn id="53" presetID="10" presetClass="exit" presetSubtype="0" fill="hold" grpId="1" nodeType="clickEffect">
                                   <p:stCondLst>
                                     <p:cond delay="0"/>
                                   </p:stCondLst>
                                   <p:childTnLst>
                                     <p:animEffect transition="out" filter="fade">
                                       <p:cBhvr>
-                                        <p:cTn id="50" dur="500"/>
+                                        <p:cTn id="54" dur="500"/>
                                         <p:tgtEl>
                                           <p:spTgt spid="9"/>
                                         </p:tgtEl>
@@ -9609,7 +9645,7 @@
                                     </p:animEffect>
                                     <p:set>
                                       <p:cBhvr>
-                                        <p:cTn id="51" dur="1" fill="hold">
+                                        <p:cTn id="55" dur="1" fill="hold">
                                           <p:stCondLst>
                                             <p:cond delay="499"/>
                                           </p:stCondLst>
